--- a/Machine learning model/Group-6, Subhajit Bhowmik [Nishant, Irshad, Satyam, Vishnu, Mithlesh].pptx
+++ b/Machine learning model/Group-6, Subhajit Bhowmik [Nishant, Irshad, Satyam, Vishnu, Mithlesh].pptx
@@ -75,7 +75,7 @@
       </p:grpSpPr>
       <p:sp>
         <p:nvSpPr>
-          <p:cNvPr id="26" name="PlaceHolder 1"/>
+          <p:cNvPr id="23" name="PlaceHolder 1"/>
           <p:cNvSpPr>
             <a:spLocks noGrp="1"/>
           </p:cNvSpPr>
@@ -85,8 +85,8 @@
         </p:nvSpPr>
         <p:spPr>
           <a:xfrm>
-            <a:off x="457200" y="274680"/>
-            <a:ext cx="8229240" cy="1142640"/>
+            <a:off x="457200" y="273600"/>
+            <a:ext cx="8229240" cy="1144800"/>
           </a:xfrm>
           <a:prstGeom prst="rect">
             <a:avLst/>
@@ -97,18 +97,16 @@
             <a:noAutofit/>
           </a:bodyPr>
           <a:p>
-            <a:endParaRPr b="0" lang="en-US" sz="1800" spc="-1" strike="noStrike">
-              <a:solidFill>
-                <a:srgbClr val="ffffff"/>
-              </a:solidFill>
-              <a:latin typeface="Book Antiqua"/>
-            </a:endParaRPr>
-          </a:p>
-        </p:txBody>
-      </p:sp>
-      <p:sp>
-        <p:nvSpPr>
-          <p:cNvPr id="27" name="PlaceHolder 2"/>
+            <a:pPr algn="ctr"/>
+            <a:endParaRPr b="0" lang="en-US" sz="4400" spc="-1" strike="noStrike">
+              <a:latin typeface="Arial"/>
+            </a:endParaRPr>
+          </a:p>
+        </p:txBody>
+      </p:sp>
+      <p:sp>
+        <p:nvSpPr>
+          <p:cNvPr id="24" name="PlaceHolder 2"/>
           <p:cNvSpPr>
             <a:spLocks noGrp="1"/>
           </p:cNvSpPr>
@@ -118,8 +116,8 @@
         </p:nvSpPr>
         <p:spPr>
           <a:xfrm>
-            <a:off x="457200" y="1600200"/>
-            <a:ext cx="8229240" cy="2246040"/>
+            <a:off x="457200" y="1604520"/>
+            <a:ext cx="8229240" cy="1896840"/>
           </a:xfrm>
           <a:prstGeom prst="rect">
             <a:avLst/>
@@ -130,18 +128,15 @@
             <a:normAutofit/>
           </a:bodyPr>
           <a:p>
-            <a:endParaRPr b="0" lang="en-US" sz="2800" spc="-1" strike="noStrike">
-              <a:solidFill>
-                <a:srgbClr val="ffffff"/>
-              </a:solidFill>
-              <a:latin typeface="Book Antiqua"/>
-            </a:endParaRPr>
-          </a:p>
-        </p:txBody>
-      </p:sp>
-      <p:sp>
-        <p:nvSpPr>
-          <p:cNvPr id="28" name="PlaceHolder 3"/>
+            <a:endParaRPr b="0" lang="en-US" sz="3200" spc="-1" strike="noStrike">
+              <a:latin typeface="Arial"/>
+            </a:endParaRPr>
+          </a:p>
+        </p:txBody>
+      </p:sp>
+      <p:sp>
+        <p:nvSpPr>
+          <p:cNvPr id="25" name="PlaceHolder 3"/>
           <p:cNvSpPr>
             <a:spLocks noGrp="1"/>
           </p:cNvSpPr>
@@ -151,8 +146,8 @@
         </p:nvSpPr>
         <p:spPr>
           <a:xfrm>
-            <a:off x="457200" y="4060080"/>
-            <a:ext cx="8229240" cy="2246040"/>
+            <a:off x="457200" y="3682080"/>
+            <a:ext cx="8229240" cy="1896840"/>
           </a:xfrm>
           <a:prstGeom prst="rect">
             <a:avLst/>
@@ -163,11 +158,8 @@
             <a:normAutofit/>
           </a:bodyPr>
           <a:p>
-            <a:endParaRPr b="0" lang="en-US" sz="2800" spc="-1" strike="noStrike">
-              <a:solidFill>
-                <a:srgbClr val="ffffff"/>
-              </a:solidFill>
-              <a:latin typeface="Book Antiqua"/>
+            <a:endParaRPr b="0" lang="en-US" sz="3200" spc="-1" strike="noStrike">
+              <a:latin typeface="Arial"/>
             </a:endParaRPr>
           </a:p>
         </p:txBody>
@@ -196,7 +188,7 @@
       </p:grpSpPr>
       <p:sp>
         <p:nvSpPr>
-          <p:cNvPr id="29" name="PlaceHolder 1"/>
+          <p:cNvPr id="26" name="PlaceHolder 1"/>
           <p:cNvSpPr>
             <a:spLocks noGrp="1"/>
           </p:cNvSpPr>
@@ -206,8 +198,8 @@
         </p:nvSpPr>
         <p:spPr>
           <a:xfrm>
-            <a:off x="457200" y="274680"/>
-            <a:ext cx="8229240" cy="1142640"/>
+            <a:off x="457200" y="273600"/>
+            <a:ext cx="8229240" cy="1144800"/>
           </a:xfrm>
           <a:prstGeom prst="rect">
             <a:avLst/>
@@ -218,18 +210,16 @@
             <a:noAutofit/>
           </a:bodyPr>
           <a:p>
-            <a:endParaRPr b="0" lang="en-US" sz="1800" spc="-1" strike="noStrike">
-              <a:solidFill>
-                <a:srgbClr val="ffffff"/>
-              </a:solidFill>
-              <a:latin typeface="Book Antiqua"/>
-            </a:endParaRPr>
-          </a:p>
-        </p:txBody>
-      </p:sp>
-      <p:sp>
-        <p:nvSpPr>
-          <p:cNvPr id="30" name="PlaceHolder 2"/>
+            <a:pPr algn="ctr"/>
+            <a:endParaRPr b="0" lang="en-US" sz="4400" spc="-1" strike="noStrike">
+              <a:latin typeface="Arial"/>
+            </a:endParaRPr>
+          </a:p>
+        </p:txBody>
+      </p:sp>
+      <p:sp>
+        <p:nvSpPr>
+          <p:cNvPr id="27" name="PlaceHolder 2"/>
           <p:cNvSpPr>
             <a:spLocks noGrp="1"/>
           </p:cNvSpPr>
@@ -239,8 +229,8 @@
         </p:nvSpPr>
         <p:spPr>
           <a:xfrm>
-            <a:off x="457200" y="1600200"/>
-            <a:ext cx="4015800" cy="2246040"/>
+            <a:off x="457200" y="1604520"/>
+            <a:ext cx="4015800" cy="1896840"/>
           </a:xfrm>
           <a:prstGeom prst="rect">
             <a:avLst/>
@@ -251,18 +241,15 @@
             <a:normAutofit/>
           </a:bodyPr>
           <a:p>
-            <a:endParaRPr b="0" lang="en-US" sz="2800" spc="-1" strike="noStrike">
-              <a:solidFill>
-                <a:srgbClr val="ffffff"/>
-              </a:solidFill>
-              <a:latin typeface="Book Antiqua"/>
-            </a:endParaRPr>
-          </a:p>
-        </p:txBody>
-      </p:sp>
-      <p:sp>
-        <p:nvSpPr>
-          <p:cNvPr id="31" name="PlaceHolder 3"/>
+            <a:endParaRPr b="0" lang="en-US" sz="3200" spc="-1" strike="noStrike">
+              <a:latin typeface="Arial"/>
+            </a:endParaRPr>
+          </a:p>
+        </p:txBody>
+      </p:sp>
+      <p:sp>
+        <p:nvSpPr>
+          <p:cNvPr id="28" name="PlaceHolder 3"/>
           <p:cNvSpPr>
             <a:spLocks noGrp="1"/>
           </p:cNvSpPr>
@@ -272,8 +259,8 @@
         </p:nvSpPr>
         <p:spPr>
           <a:xfrm>
-            <a:off x="4674240" y="1600200"/>
-            <a:ext cx="4015800" cy="2246040"/>
+            <a:off x="4674240" y="1604520"/>
+            <a:ext cx="4015800" cy="1896840"/>
           </a:xfrm>
           <a:prstGeom prst="rect">
             <a:avLst/>
@@ -284,18 +271,15 @@
             <a:normAutofit/>
           </a:bodyPr>
           <a:p>
-            <a:endParaRPr b="0" lang="en-US" sz="2800" spc="-1" strike="noStrike">
-              <a:solidFill>
-                <a:srgbClr val="ffffff"/>
-              </a:solidFill>
-              <a:latin typeface="Book Antiqua"/>
-            </a:endParaRPr>
-          </a:p>
-        </p:txBody>
-      </p:sp>
-      <p:sp>
-        <p:nvSpPr>
-          <p:cNvPr id="32" name="PlaceHolder 4"/>
+            <a:endParaRPr b="0" lang="en-US" sz="3200" spc="-1" strike="noStrike">
+              <a:latin typeface="Arial"/>
+            </a:endParaRPr>
+          </a:p>
+        </p:txBody>
+      </p:sp>
+      <p:sp>
+        <p:nvSpPr>
+          <p:cNvPr id="29" name="PlaceHolder 4"/>
           <p:cNvSpPr>
             <a:spLocks noGrp="1"/>
           </p:cNvSpPr>
@@ -305,8 +289,8 @@
         </p:nvSpPr>
         <p:spPr>
           <a:xfrm>
-            <a:off x="457200" y="4060080"/>
-            <a:ext cx="4015800" cy="2246040"/>
+            <a:off x="457200" y="3682080"/>
+            <a:ext cx="4015800" cy="1896840"/>
           </a:xfrm>
           <a:prstGeom prst="rect">
             <a:avLst/>
@@ -317,18 +301,15 @@
             <a:normAutofit/>
           </a:bodyPr>
           <a:p>
-            <a:endParaRPr b="0" lang="en-US" sz="2800" spc="-1" strike="noStrike">
-              <a:solidFill>
-                <a:srgbClr val="ffffff"/>
-              </a:solidFill>
-              <a:latin typeface="Book Antiqua"/>
-            </a:endParaRPr>
-          </a:p>
-        </p:txBody>
-      </p:sp>
-      <p:sp>
-        <p:nvSpPr>
-          <p:cNvPr id="33" name="PlaceHolder 5"/>
+            <a:endParaRPr b="0" lang="en-US" sz="3200" spc="-1" strike="noStrike">
+              <a:latin typeface="Arial"/>
+            </a:endParaRPr>
+          </a:p>
+        </p:txBody>
+      </p:sp>
+      <p:sp>
+        <p:nvSpPr>
+          <p:cNvPr id="30" name="PlaceHolder 5"/>
           <p:cNvSpPr>
             <a:spLocks noGrp="1"/>
           </p:cNvSpPr>
@@ -338,8 +319,8 @@
         </p:nvSpPr>
         <p:spPr>
           <a:xfrm>
-            <a:off x="4674240" y="4060080"/>
-            <a:ext cx="4015800" cy="2246040"/>
+            <a:off x="4674240" y="3682080"/>
+            <a:ext cx="4015800" cy="1896840"/>
           </a:xfrm>
           <a:prstGeom prst="rect">
             <a:avLst/>
@@ -350,11 +331,8 @@
             <a:normAutofit/>
           </a:bodyPr>
           <a:p>
-            <a:endParaRPr b="0" lang="en-US" sz="2800" spc="-1" strike="noStrike">
-              <a:solidFill>
-                <a:srgbClr val="ffffff"/>
-              </a:solidFill>
-              <a:latin typeface="Book Antiqua"/>
+            <a:endParaRPr b="0" lang="en-US" sz="3200" spc="-1" strike="noStrike">
+              <a:latin typeface="Arial"/>
             </a:endParaRPr>
           </a:p>
         </p:txBody>
@@ -383,7 +361,7 @@
       </p:grpSpPr>
       <p:sp>
         <p:nvSpPr>
-          <p:cNvPr id="34" name="PlaceHolder 1"/>
+          <p:cNvPr id="31" name="PlaceHolder 1"/>
           <p:cNvSpPr>
             <a:spLocks noGrp="1"/>
           </p:cNvSpPr>
@@ -393,8 +371,8 @@
         </p:nvSpPr>
         <p:spPr>
           <a:xfrm>
-            <a:off x="457200" y="274680"/>
-            <a:ext cx="8229240" cy="1142640"/>
+            <a:off x="457200" y="273600"/>
+            <a:ext cx="8229240" cy="1144800"/>
           </a:xfrm>
           <a:prstGeom prst="rect">
             <a:avLst/>
@@ -405,18 +383,16 @@
             <a:noAutofit/>
           </a:bodyPr>
           <a:p>
-            <a:endParaRPr b="0" lang="en-US" sz="1800" spc="-1" strike="noStrike">
-              <a:solidFill>
-                <a:srgbClr val="ffffff"/>
-              </a:solidFill>
-              <a:latin typeface="Book Antiqua"/>
-            </a:endParaRPr>
-          </a:p>
-        </p:txBody>
-      </p:sp>
-      <p:sp>
-        <p:nvSpPr>
-          <p:cNvPr id="35" name="PlaceHolder 2"/>
+            <a:pPr algn="ctr"/>
+            <a:endParaRPr b="0" lang="en-US" sz="4400" spc="-1" strike="noStrike">
+              <a:latin typeface="Arial"/>
+            </a:endParaRPr>
+          </a:p>
+        </p:txBody>
+      </p:sp>
+      <p:sp>
+        <p:nvSpPr>
+          <p:cNvPr id="32" name="PlaceHolder 2"/>
           <p:cNvSpPr>
             <a:spLocks noGrp="1"/>
           </p:cNvSpPr>
@@ -426,8 +402,8 @@
         </p:nvSpPr>
         <p:spPr>
           <a:xfrm>
-            <a:off x="457200" y="1600200"/>
-            <a:ext cx="2649600" cy="2246040"/>
+            <a:off x="457200" y="1604520"/>
+            <a:ext cx="2649600" cy="1896840"/>
           </a:xfrm>
           <a:prstGeom prst="rect">
             <a:avLst/>
@@ -438,18 +414,15 @@
             <a:normAutofit/>
           </a:bodyPr>
           <a:p>
-            <a:endParaRPr b="0" lang="en-US" sz="2800" spc="-1" strike="noStrike">
-              <a:solidFill>
-                <a:srgbClr val="ffffff"/>
-              </a:solidFill>
-              <a:latin typeface="Book Antiqua"/>
-            </a:endParaRPr>
-          </a:p>
-        </p:txBody>
-      </p:sp>
-      <p:sp>
-        <p:nvSpPr>
-          <p:cNvPr id="36" name="PlaceHolder 3"/>
+            <a:endParaRPr b="0" lang="en-US" sz="3200" spc="-1" strike="noStrike">
+              <a:latin typeface="Arial"/>
+            </a:endParaRPr>
+          </a:p>
+        </p:txBody>
+      </p:sp>
+      <p:sp>
+        <p:nvSpPr>
+          <p:cNvPr id="33" name="PlaceHolder 3"/>
           <p:cNvSpPr>
             <a:spLocks noGrp="1"/>
           </p:cNvSpPr>
@@ -459,8 +432,8 @@
         </p:nvSpPr>
         <p:spPr>
           <a:xfrm>
-            <a:off x="3239640" y="1600200"/>
-            <a:ext cx="2649600" cy="2246040"/>
+            <a:off x="3239640" y="1604520"/>
+            <a:ext cx="2649600" cy="1896840"/>
           </a:xfrm>
           <a:prstGeom prst="rect">
             <a:avLst/>
@@ -471,18 +444,15 @@
             <a:normAutofit/>
           </a:bodyPr>
           <a:p>
-            <a:endParaRPr b="0" lang="en-US" sz="2800" spc="-1" strike="noStrike">
-              <a:solidFill>
-                <a:srgbClr val="ffffff"/>
-              </a:solidFill>
-              <a:latin typeface="Book Antiqua"/>
-            </a:endParaRPr>
-          </a:p>
-        </p:txBody>
-      </p:sp>
-      <p:sp>
-        <p:nvSpPr>
-          <p:cNvPr id="37" name="PlaceHolder 4"/>
+            <a:endParaRPr b="0" lang="en-US" sz="3200" spc="-1" strike="noStrike">
+              <a:latin typeface="Arial"/>
+            </a:endParaRPr>
+          </a:p>
+        </p:txBody>
+      </p:sp>
+      <p:sp>
+        <p:nvSpPr>
+          <p:cNvPr id="34" name="PlaceHolder 4"/>
           <p:cNvSpPr>
             <a:spLocks noGrp="1"/>
           </p:cNvSpPr>
@@ -492,8 +462,8 @@
         </p:nvSpPr>
         <p:spPr>
           <a:xfrm>
-            <a:off x="6022080" y="1600200"/>
-            <a:ext cx="2649600" cy="2246040"/>
+            <a:off x="6022080" y="1604520"/>
+            <a:ext cx="2649600" cy="1896840"/>
           </a:xfrm>
           <a:prstGeom prst="rect">
             <a:avLst/>
@@ -504,18 +474,15 @@
             <a:normAutofit/>
           </a:bodyPr>
           <a:p>
-            <a:endParaRPr b="0" lang="en-US" sz="2800" spc="-1" strike="noStrike">
-              <a:solidFill>
-                <a:srgbClr val="ffffff"/>
-              </a:solidFill>
-              <a:latin typeface="Book Antiqua"/>
-            </a:endParaRPr>
-          </a:p>
-        </p:txBody>
-      </p:sp>
-      <p:sp>
-        <p:nvSpPr>
-          <p:cNvPr id="38" name="PlaceHolder 5"/>
+            <a:endParaRPr b="0" lang="en-US" sz="3200" spc="-1" strike="noStrike">
+              <a:latin typeface="Arial"/>
+            </a:endParaRPr>
+          </a:p>
+        </p:txBody>
+      </p:sp>
+      <p:sp>
+        <p:nvSpPr>
+          <p:cNvPr id="35" name="PlaceHolder 5"/>
           <p:cNvSpPr>
             <a:spLocks noGrp="1"/>
           </p:cNvSpPr>
@@ -525,8 +492,8 @@
         </p:nvSpPr>
         <p:spPr>
           <a:xfrm>
-            <a:off x="457200" y="4060080"/>
-            <a:ext cx="2649600" cy="2246040"/>
+            <a:off x="457200" y="3682080"/>
+            <a:ext cx="2649600" cy="1896840"/>
           </a:xfrm>
           <a:prstGeom prst="rect">
             <a:avLst/>
@@ -537,18 +504,15 @@
             <a:normAutofit/>
           </a:bodyPr>
           <a:p>
-            <a:endParaRPr b="0" lang="en-US" sz="2800" spc="-1" strike="noStrike">
-              <a:solidFill>
-                <a:srgbClr val="ffffff"/>
-              </a:solidFill>
-              <a:latin typeface="Book Antiqua"/>
-            </a:endParaRPr>
-          </a:p>
-        </p:txBody>
-      </p:sp>
-      <p:sp>
-        <p:nvSpPr>
-          <p:cNvPr id="39" name="PlaceHolder 6"/>
+            <a:endParaRPr b="0" lang="en-US" sz="3200" spc="-1" strike="noStrike">
+              <a:latin typeface="Arial"/>
+            </a:endParaRPr>
+          </a:p>
+        </p:txBody>
+      </p:sp>
+      <p:sp>
+        <p:nvSpPr>
+          <p:cNvPr id="36" name="PlaceHolder 6"/>
           <p:cNvSpPr>
             <a:spLocks noGrp="1"/>
           </p:cNvSpPr>
@@ -558,8 +522,8 @@
         </p:nvSpPr>
         <p:spPr>
           <a:xfrm>
-            <a:off x="3239640" y="4060080"/>
-            <a:ext cx="2649600" cy="2246040"/>
+            <a:off x="3239640" y="3682080"/>
+            <a:ext cx="2649600" cy="1896840"/>
           </a:xfrm>
           <a:prstGeom prst="rect">
             <a:avLst/>
@@ -570,18 +534,15 @@
             <a:normAutofit/>
           </a:bodyPr>
           <a:p>
-            <a:endParaRPr b="0" lang="en-US" sz="2800" spc="-1" strike="noStrike">
-              <a:solidFill>
-                <a:srgbClr val="ffffff"/>
-              </a:solidFill>
-              <a:latin typeface="Book Antiqua"/>
-            </a:endParaRPr>
-          </a:p>
-        </p:txBody>
-      </p:sp>
-      <p:sp>
-        <p:nvSpPr>
-          <p:cNvPr id="40" name="PlaceHolder 7"/>
+            <a:endParaRPr b="0" lang="en-US" sz="3200" spc="-1" strike="noStrike">
+              <a:latin typeface="Arial"/>
+            </a:endParaRPr>
+          </a:p>
+        </p:txBody>
+      </p:sp>
+      <p:sp>
+        <p:nvSpPr>
+          <p:cNvPr id="37" name="PlaceHolder 7"/>
           <p:cNvSpPr>
             <a:spLocks noGrp="1"/>
           </p:cNvSpPr>
@@ -591,8 +552,8 @@
         </p:nvSpPr>
         <p:spPr>
           <a:xfrm>
-            <a:off x="6022080" y="4060080"/>
-            <a:ext cx="2649600" cy="2246040"/>
+            <a:off x="6022080" y="3682080"/>
+            <a:ext cx="2649600" cy="1896840"/>
           </a:xfrm>
           <a:prstGeom prst="rect">
             <a:avLst/>
@@ -603,11 +564,8 @@
             <a:normAutofit/>
           </a:bodyPr>
           <a:p>
-            <a:endParaRPr b="0" lang="en-US" sz="2800" spc="-1" strike="noStrike">
-              <a:solidFill>
-                <a:srgbClr val="ffffff"/>
-              </a:solidFill>
-              <a:latin typeface="Book Antiqua"/>
+            <a:endParaRPr b="0" lang="en-US" sz="3200" spc="-1" strike="noStrike">
+              <a:latin typeface="Arial"/>
             </a:endParaRPr>
           </a:p>
         </p:txBody>
@@ -658,7 +616,7 @@
       </p:grpSpPr>
       <p:sp>
         <p:nvSpPr>
-          <p:cNvPr id="46" name="PlaceHolder 1"/>
+          <p:cNvPr id="40" name="PlaceHolder 1"/>
           <p:cNvSpPr>
             <a:spLocks noGrp="1"/>
           </p:cNvSpPr>
@@ -668,8 +626,8 @@
         </p:nvSpPr>
         <p:spPr>
           <a:xfrm>
-            <a:off x="457200" y="274680"/>
-            <a:ext cx="8229240" cy="1142640"/>
+            <a:off x="457200" y="273600"/>
+            <a:ext cx="8229240" cy="1144800"/>
           </a:xfrm>
           <a:prstGeom prst="rect">
             <a:avLst/>
@@ -680,18 +638,16 @@
             <a:noAutofit/>
           </a:bodyPr>
           <a:p>
-            <a:endParaRPr b="0" lang="en-US" sz="1800" spc="-1" strike="noStrike">
-              <a:solidFill>
-                <a:srgbClr val="ffffff"/>
-              </a:solidFill>
-              <a:latin typeface="Book Antiqua"/>
-            </a:endParaRPr>
-          </a:p>
-        </p:txBody>
-      </p:sp>
-      <p:sp>
-        <p:nvSpPr>
-          <p:cNvPr id="47" name="PlaceHolder 2"/>
+            <a:pPr algn="ctr"/>
+            <a:endParaRPr b="0" lang="en-US" sz="4400" spc="-1" strike="noStrike">
+              <a:latin typeface="Arial"/>
+            </a:endParaRPr>
+          </a:p>
+        </p:txBody>
+      </p:sp>
+      <p:sp>
+        <p:nvSpPr>
+          <p:cNvPr id="41" name="PlaceHolder 2"/>
           <p:cNvSpPr>
             <a:spLocks noGrp="1"/>
           </p:cNvSpPr>
@@ -701,8 +657,8 @@
         </p:nvSpPr>
         <p:spPr>
           <a:xfrm>
-            <a:off x="457200" y="1600200"/>
-            <a:ext cx="8229240" cy="4708800"/>
+            <a:off x="457200" y="1604520"/>
+            <a:ext cx="8229240" cy="3977280"/>
           </a:xfrm>
           <a:prstGeom prst="rect">
             <a:avLst/>
@@ -744,7 +700,7 @@
       </p:grpSpPr>
       <p:sp>
         <p:nvSpPr>
-          <p:cNvPr id="48" name="PlaceHolder 1"/>
+          <p:cNvPr id="42" name="PlaceHolder 1"/>
           <p:cNvSpPr>
             <a:spLocks noGrp="1"/>
           </p:cNvSpPr>
@@ -754,8 +710,8 @@
         </p:nvSpPr>
         <p:spPr>
           <a:xfrm>
-            <a:off x="457200" y="274680"/>
-            <a:ext cx="8229240" cy="1142640"/>
+            <a:off x="457200" y="273600"/>
+            <a:ext cx="8229240" cy="1144800"/>
           </a:xfrm>
           <a:prstGeom prst="rect">
             <a:avLst/>
@@ -766,18 +722,16 @@
             <a:noAutofit/>
           </a:bodyPr>
           <a:p>
-            <a:endParaRPr b="0" lang="en-US" sz="1800" spc="-1" strike="noStrike">
-              <a:solidFill>
-                <a:srgbClr val="ffffff"/>
-              </a:solidFill>
-              <a:latin typeface="Book Antiqua"/>
-            </a:endParaRPr>
-          </a:p>
-        </p:txBody>
-      </p:sp>
-      <p:sp>
-        <p:nvSpPr>
-          <p:cNvPr id="49" name="PlaceHolder 2"/>
+            <a:pPr algn="ctr"/>
+            <a:endParaRPr b="0" lang="en-US" sz="4400" spc="-1" strike="noStrike">
+              <a:latin typeface="Arial"/>
+            </a:endParaRPr>
+          </a:p>
+        </p:txBody>
+      </p:sp>
+      <p:sp>
+        <p:nvSpPr>
+          <p:cNvPr id="43" name="PlaceHolder 2"/>
           <p:cNvSpPr>
             <a:spLocks noGrp="1"/>
           </p:cNvSpPr>
@@ -787,8 +741,8 @@
         </p:nvSpPr>
         <p:spPr>
           <a:xfrm>
-            <a:off x="457200" y="1600200"/>
-            <a:ext cx="8229240" cy="4708800"/>
+            <a:off x="457200" y="1604520"/>
+            <a:ext cx="8229240" cy="3977280"/>
           </a:xfrm>
           <a:prstGeom prst="rect">
             <a:avLst/>
@@ -799,11 +753,8 @@
             <a:normAutofit/>
           </a:bodyPr>
           <a:p>
-            <a:endParaRPr b="0" lang="en-US" sz="2800" spc="-1" strike="noStrike">
-              <a:solidFill>
-                <a:srgbClr val="ffffff"/>
-              </a:solidFill>
-              <a:latin typeface="Book Antiqua"/>
+            <a:endParaRPr b="0" lang="en-US" sz="3200" spc="-1" strike="noStrike">
+              <a:latin typeface="Arial"/>
             </a:endParaRPr>
           </a:p>
         </p:txBody>
@@ -832,7 +783,7 @@
       </p:grpSpPr>
       <p:sp>
         <p:nvSpPr>
-          <p:cNvPr id="50" name="PlaceHolder 1"/>
+          <p:cNvPr id="44" name="PlaceHolder 1"/>
           <p:cNvSpPr>
             <a:spLocks noGrp="1"/>
           </p:cNvSpPr>
@@ -842,8 +793,8 @@
         </p:nvSpPr>
         <p:spPr>
           <a:xfrm>
-            <a:off x="457200" y="274680"/>
-            <a:ext cx="8229240" cy="1142640"/>
+            <a:off x="457200" y="273600"/>
+            <a:ext cx="8229240" cy="1144800"/>
           </a:xfrm>
           <a:prstGeom prst="rect">
             <a:avLst/>
@@ -854,18 +805,16 @@
             <a:noAutofit/>
           </a:bodyPr>
           <a:p>
-            <a:endParaRPr b="0" lang="en-US" sz="1800" spc="-1" strike="noStrike">
-              <a:solidFill>
-                <a:srgbClr val="ffffff"/>
-              </a:solidFill>
-              <a:latin typeface="Book Antiqua"/>
-            </a:endParaRPr>
-          </a:p>
-        </p:txBody>
-      </p:sp>
-      <p:sp>
-        <p:nvSpPr>
-          <p:cNvPr id="51" name="PlaceHolder 2"/>
+            <a:pPr algn="ctr"/>
+            <a:endParaRPr b="0" lang="en-US" sz="4400" spc="-1" strike="noStrike">
+              <a:latin typeface="Arial"/>
+            </a:endParaRPr>
+          </a:p>
+        </p:txBody>
+      </p:sp>
+      <p:sp>
+        <p:nvSpPr>
+          <p:cNvPr id="45" name="PlaceHolder 2"/>
           <p:cNvSpPr>
             <a:spLocks noGrp="1"/>
           </p:cNvSpPr>
@@ -875,8 +824,8 @@
         </p:nvSpPr>
         <p:spPr>
           <a:xfrm>
-            <a:off x="457200" y="1600200"/>
-            <a:ext cx="4015800" cy="4708800"/>
+            <a:off x="457200" y="1604520"/>
+            <a:ext cx="4015800" cy="3977280"/>
           </a:xfrm>
           <a:prstGeom prst="rect">
             <a:avLst/>
@@ -887,18 +836,15 @@
             <a:normAutofit/>
           </a:bodyPr>
           <a:p>
-            <a:endParaRPr b="0" lang="en-US" sz="2800" spc="-1" strike="noStrike">
-              <a:solidFill>
-                <a:srgbClr val="ffffff"/>
-              </a:solidFill>
-              <a:latin typeface="Book Antiqua"/>
-            </a:endParaRPr>
-          </a:p>
-        </p:txBody>
-      </p:sp>
-      <p:sp>
-        <p:nvSpPr>
-          <p:cNvPr id="52" name="PlaceHolder 3"/>
+            <a:endParaRPr b="0" lang="en-US" sz="3200" spc="-1" strike="noStrike">
+              <a:latin typeface="Arial"/>
+            </a:endParaRPr>
+          </a:p>
+        </p:txBody>
+      </p:sp>
+      <p:sp>
+        <p:nvSpPr>
+          <p:cNvPr id="46" name="PlaceHolder 3"/>
           <p:cNvSpPr>
             <a:spLocks noGrp="1"/>
           </p:cNvSpPr>
@@ -908,8 +854,8 @@
         </p:nvSpPr>
         <p:spPr>
           <a:xfrm>
-            <a:off x="4674240" y="1600200"/>
-            <a:ext cx="4015800" cy="4708800"/>
+            <a:off x="4674240" y="1604520"/>
+            <a:ext cx="4015800" cy="3977280"/>
           </a:xfrm>
           <a:prstGeom prst="rect">
             <a:avLst/>
@@ -920,11 +866,8 @@
             <a:normAutofit/>
           </a:bodyPr>
           <a:p>
-            <a:endParaRPr b="0" lang="en-US" sz="2800" spc="-1" strike="noStrike">
-              <a:solidFill>
-                <a:srgbClr val="ffffff"/>
-              </a:solidFill>
-              <a:latin typeface="Book Antiqua"/>
+            <a:endParaRPr b="0" lang="en-US" sz="3200" spc="-1" strike="noStrike">
+              <a:latin typeface="Arial"/>
             </a:endParaRPr>
           </a:p>
         </p:txBody>
@@ -953,7 +896,7 @@
       </p:grpSpPr>
       <p:sp>
         <p:nvSpPr>
-          <p:cNvPr id="53" name="PlaceHolder 1"/>
+          <p:cNvPr id="47" name="PlaceHolder 1"/>
           <p:cNvSpPr>
             <a:spLocks noGrp="1"/>
           </p:cNvSpPr>
@@ -963,8 +906,8 @@
         </p:nvSpPr>
         <p:spPr>
           <a:xfrm>
-            <a:off x="457200" y="274680"/>
-            <a:ext cx="8229240" cy="1142640"/>
+            <a:off x="457200" y="273600"/>
+            <a:ext cx="8229240" cy="1144800"/>
           </a:xfrm>
           <a:prstGeom prst="rect">
             <a:avLst/>
@@ -975,11 +918,9 @@
             <a:noAutofit/>
           </a:bodyPr>
           <a:p>
-            <a:endParaRPr b="0" lang="en-US" sz="1800" spc="-1" strike="noStrike">
-              <a:solidFill>
-                <a:srgbClr val="ffffff"/>
-              </a:solidFill>
-              <a:latin typeface="Book Antiqua"/>
+            <a:pPr algn="ctr"/>
+            <a:endParaRPr b="0" lang="en-US" sz="4400" spc="-1" strike="noStrike">
+              <a:latin typeface="Arial"/>
             </a:endParaRPr>
           </a:p>
         </p:txBody>
@@ -1008,7 +949,7 @@
       </p:grpSpPr>
       <p:sp>
         <p:nvSpPr>
-          <p:cNvPr id="54" name="PlaceHolder 1"/>
+          <p:cNvPr id="48" name="PlaceHolder 1"/>
           <p:cNvSpPr>
             <a:spLocks noGrp="1"/>
           </p:cNvSpPr>
@@ -1018,8 +959,8 @@
         </p:nvSpPr>
         <p:spPr>
           <a:xfrm>
-            <a:off x="457200" y="274680"/>
-            <a:ext cx="8229240" cy="5297760"/>
+            <a:off x="457200" y="273600"/>
+            <a:ext cx="8229240" cy="5307840"/>
           </a:xfrm>
           <a:prstGeom prst="rect">
             <a:avLst/>
@@ -1061,7 +1002,7 @@
       </p:grpSpPr>
       <p:sp>
         <p:nvSpPr>
-          <p:cNvPr id="55" name="PlaceHolder 1"/>
+          <p:cNvPr id="49" name="PlaceHolder 1"/>
           <p:cNvSpPr>
             <a:spLocks noGrp="1"/>
           </p:cNvSpPr>
@@ -1071,8 +1012,8 @@
         </p:nvSpPr>
         <p:spPr>
           <a:xfrm>
-            <a:off x="457200" y="274680"/>
-            <a:ext cx="8229240" cy="1142640"/>
+            <a:off x="457200" y="273600"/>
+            <a:ext cx="8229240" cy="1144800"/>
           </a:xfrm>
           <a:prstGeom prst="rect">
             <a:avLst/>
@@ -1083,18 +1024,16 @@
             <a:noAutofit/>
           </a:bodyPr>
           <a:p>
-            <a:endParaRPr b="0" lang="en-US" sz="1800" spc="-1" strike="noStrike">
-              <a:solidFill>
-                <a:srgbClr val="ffffff"/>
-              </a:solidFill>
-              <a:latin typeface="Book Antiqua"/>
-            </a:endParaRPr>
-          </a:p>
-        </p:txBody>
-      </p:sp>
-      <p:sp>
-        <p:nvSpPr>
-          <p:cNvPr id="56" name="PlaceHolder 2"/>
+            <a:pPr algn="ctr"/>
+            <a:endParaRPr b="0" lang="en-US" sz="4400" spc="-1" strike="noStrike">
+              <a:latin typeface="Arial"/>
+            </a:endParaRPr>
+          </a:p>
+        </p:txBody>
+      </p:sp>
+      <p:sp>
+        <p:nvSpPr>
+          <p:cNvPr id="50" name="PlaceHolder 2"/>
           <p:cNvSpPr>
             <a:spLocks noGrp="1"/>
           </p:cNvSpPr>
@@ -1104,8 +1043,8 @@
         </p:nvSpPr>
         <p:spPr>
           <a:xfrm>
-            <a:off x="457200" y="1600200"/>
-            <a:ext cx="4015800" cy="2246040"/>
+            <a:off x="457200" y="1604520"/>
+            <a:ext cx="4015800" cy="1896840"/>
           </a:xfrm>
           <a:prstGeom prst="rect">
             <a:avLst/>
@@ -1116,18 +1055,15 @@
             <a:normAutofit/>
           </a:bodyPr>
           <a:p>
-            <a:endParaRPr b="0" lang="en-US" sz="2800" spc="-1" strike="noStrike">
-              <a:solidFill>
-                <a:srgbClr val="ffffff"/>
-              </a:solidFill>
-              <a:latin typeface="Book Antiqua"/>
-            </a:endParaRPr>
-          </a:p>
-        </p:txBody>
-      </p:sp>
-      <p:sp>
-        <p:nvSpPr>
-          <p:cNvPr id="57" name="PlaceHolder 3"/>
+            <a:endParaRPr b="0" lang="en-US" sz="3200" spc="-1" strike="noStrike">
+              <a:latin typeface="Arial"/>
+            </a:endParaRPr>
+          </a:p>
+        </p:txBody>
+      </p:sp>
+      <p:sp>
+        <p:nvSpPr>
+          <p:cNvPr id="51" name="PlaceHolder 3"/>
           <p:cNvSpPr>
             <a:spLocks noGrp="1"/>
           </p:cNvSpPr>
@@ -1137,8 +1073,8 @@
         </p:nvSpPr>
         <p:spPr>
           <a:xfrm>
-            <a:off x="4674240" y="1600200"/>
-            <a:ext cx="4015800" cy="4708800"/>
+            <a:off x="4674240" y="1604520"/>
+            <a:ext cx="4015800" cy="3977280"/>
           </a:xfrm>
           <a:prstGeom prst="rect">
             <a:avLst/>
@@ -1149,18 +1085,15 @@
             <a:normAutofit/>
           </a:bodyPr>
           <a:p>
-            <a:endParaRPr b="0" lang="en-US" sz="2800" spc="-1" strike="noStrike">
-              <a:solidFill>
-                <a:srgbClr val="ffffff"/>
-              </a:solidFill>
-              <a:latin typeface="Book Antiqua"/>
-            </a:endParaRPr>
-          </a:p>
-        </p:txBody>
-      </p:sp>
-      <p:sp>
-        <p:nvSpPr>
-          <p:cNvPr id="58" name="PlaceHolder 4"/>
+            <a:endParaRPr b="0" lang="en-US" sz="3200" spc="-1" strike="noStrike">
+              <a:latin typeface="Arial"/>
+            </a:endParaRPr>
+          </a:p>
+        </p:txBody>
+      </p:sp>
+      <p:sp>
+        <p:nvSpPr>
+          <p:cNvPr id="52" name="PlaceHolder 4"/>
           <p:cNvSpPr>
             <a:spLocks noGrp="1"/>
           </p:cNvSpPr>
@@ -1170,8 +1103,8 @@
         </p:nvSpPr>
         <p:spPr>
           <a:xfrm>
-            <a:off x="457200" y="4060080"/>
-            <a:ext cx="4015800" cy="2246040"/>
+            <a:off x="457200" y="3682080"/>
+            <a:ext cx="4015800" cy="1896840"/>
           </a:xfrm>
           <a:prstGeom prst="rect">
             <a:avLst/>
@@ -1182,11 +1115,8 @@
             <a:normAutofit/>
           </a:bodyPr>
           <a:p>
-            <a:endParaRPr b="0" lang="en-US" sz="2800" spc="-1" strike="noStrike">
-              <a:solidFill>
-                <a:srgbClr val="ffffff"/>
-              </a:solidFill>
-              <a:latin typeface="Book Antiqua"/>
+            <a:endParaRPr b="0" lang="en-US" sz="3200" spc="-1" strike="noStrike">
+              <a:latin typeface="Arial"/>
             </a:endParaRPr>
           </a:p>
         </p:txBody>
@@ -1215,7 +1145,7 @@
       </p:grpSpPr>
       <p:sp>
         <p:nvSpPr>
-          <p:cNvPr id="5" name="PlaceHolder 1"/>
+          <p:cNvPr id="2" name="PlaceHolder 1"/>
           <p:cNvSpPr>
             <a:spLocks noGrp="1"/>
           </p:cNvSpPr>
@@ -1225,8 +1155,8 @@
         </p:nvSpPr>
         <p:spPr>
           <a:xfrm>
-            <a:off x="457200" y="274680"/>
-            <a:ext cx="8229240" cy="1142640"/>
+            <a:off x="457200" y="273600"/>
+            <a:ext cx="8229240" cy="1144800"/>
           </a:xfrm>
           <a:prstGeom prst="rect">
             <a:avLst/>
@@ -1237,18 +1167,16 @@
             <a:noAutofit/>
           </a:bodyPr>
           <a:p>
-            <a:endParaRPr b="0" lang="en-US" sz="1800" spc="-1" strike="noStrike">
-              <a:solidFill>
-                <a:srgbClr val="ffffff"/>
-              </a:solidFill>
-              <a:latin typeface="Book Antiqua"/>
-            </a:endParaRPr>
-          </a:p>
-        </p:txBody>
-      </p:sp>
-      <p:sp>
-        <p:nvSpPr>
-          <p:cNvPr id="6" name="PlaceHolder 2"/>
+            <a:pPr algn="ctr"/>
+            <a:endParaRPr b="0" lang="en-US" sz="4400" spc="-1" strike="noStrike">
+              <a:latin typeface="Arial"/>
+            </a:endParaRPr>
+          </a:p>
+        </p:txBody>
+      </p:sp>
+      <p:sp>
+        <p:nvSpPr>
+          <p:cNvPr id="3" name="PlaceHolder 2"/>
           <p:cNvSpPr>
             <a:spLocks noGrp="1"/>
           </p:cNvSpPr>
@@ -1258,8 +1186,8 @@
         </p:nvSpPr>
         <p:spPr>
           <a:xfrm>
-            <a:off x="457200" y="1600200"/>
-            <a:ext cx="8229240" cy="4708800"/>
+            <a:off x="457200" y="1604520"/>
+            <a:ext cx="8229240" cy="3977280"/>
           </a:xfrm>
           <a:prstGeom prst="rect">
             <a:avLst/>
@@ -1301,7 +1229,7 @@
       </p:grpSpPr>
       <p:sp>
         <p:nvSpPr>
-          <p:cNvPr id="59" name="PlaceHolder 1"/>
+          <p:cNvPr id="53" name="PlaceHolder 1"/>
           <p:cNvSpPr>
             <a:spLocks noGrp="1"/>
           </p:cNvSpPr>
@@ -1311,8 +1239,8 @@
         </p:nvSpPr>
         <p:spPr>
           <a:xfrm>
-            <a:off x="457200" y="274680"/>
-            <a:ext cx="8229240" cy="1142640"/>
+            <a:off x="457200" y="273600"/>
+            <a:ext cx="8229240" cy="1144800"/>
           </a:xfrm>
           <a:prstGeom prst="rect">
             <a:avLst/>
@@ -1323,18 +1251,16 @@
             <a:noAutofit/>
           </a:bodyPr>
           <a:p>
-            <a:endParaRPr b="0" lang="en-US" sz="1800" spc="-1" strike="noStrike">
-              <a:solidFill>
-                <a:srgbClr val="ffffff"/>
-              </a:solidFill>
-              <a:latin typeface="Book Antiqua"/>
-            </a:endParaRPr>
-          </a:p>
-        </p:txBody>
-      </p:sp>
-      <p:sp>
-        <p:nvSpPr>
-          <p:cNvPr id="60" name="PlaceHolder 2"/>
+            <a:pPr algn="ctr"/>
+            <a:endParaRPr b="0" lang="en-US" sz="4400" spc="-1" strike="noStrike">
+              <a:latin typeface="Arial"/>
+            </a:endParaRPr>
+          </a:p>
+        </p:txBody>
+      </p:sp>
+      <p:sp>
+        <p:nvSpPr>
+          <p:cNvPr id="54" name="PlaceHolder 2"/>
           <p:cNvSpPr>
             <a:spLocks noGrp="1"/>
           </p:cNvSpPr>
@@ -1344,8 +1270,8 @@
         </p:nvSpPr>
         <p:spPr>
           <a:xfrm>
-            <a:off x="457200" y="1600200"/>
-            <a:ext cx="4015800" cy="4708800"/>
+            <a:off x="457200" y="1604520"/>
+            <a:ext cx="4015800" cy="3977280"/>
           </a:xfrm>
           <a:prstGeom prst="rect">
             <a:avLst/>
@@ -1356,18 +1282,15 @@
             <a:normAutofit/>
           </a:bodyPr>
           <a:p>
-            <a:endParaRPr b="0" lang="en-US" sz="2800" spc="-1" strike="noStrike">
-              <a:solidFill>
-                <a:srgbClr val="ffffff"/>
-              </a:solidFill>
-              <a:latin typeface="Book Antiqua"/>
-            </a:endParaRPr>
-          </a:p>
-        </p:txBody>
-      </p:sp>
-      <p:sp>
-        <p:nvSpPr>
-          <p:cNvPr id="61" name="PlaceHolder 3"/>
+            <a:endParaRPr b="0" lang="en-US" sz="3200" spc="-1" strike="noStrike">
+              <a:latin typeface="Arial"/>
+            </a:endParaRPr>
+          </a:p>
+        </p:txBody>
+      </p:sp>
+      <p:sp>
+        <p:nvSpPr>
+          <p:cNvPr id="55" name="PlaceHolder 3"/>
           <p:cNvSpPr>
             <a:spLocks noGrp="1"/>
           </p:cNvSpPr>
@@ -1377,8 +1300,8 @@
         </p:nvSpPr>
         <p:spPr>
           <a:xfrm>
-            <a:off x="4674240" y="1600200"/>
-            <a:ext cx="4015800" cy="2246040"/>
+            <a:off x="4674240" y="1604520"/>
+            <a:ext cx="4015800" cy="1896840"/>
           </a:xfrm>
           <a:prstGeom prst="rect">
             <a:avLst/>
@@ -1389,18 +1312,15 @@
             <a:normAutofit/>
           </a:bodyPr>
           <a:p>
-            <a:endParaRPr b="0" lang="en-US" sz="2800" spc="-1" strike="noStrike">
-              <a:solidFill>
-                <a:srgbClr val="ffffff"/>
-              </a:solidFill>
-              <a:latin typeface="Book Antiqua"/>
-            </a:endParaRPr>
-          </a:p>
-        </p:txBody>
-      </p:sp>
-      <p:sp>
-        <p:nvSpPr>
-          <p:cNvPr id="62" name="PlaceHolder 4"/>
+            <a:endParaRPr b="0" lang="en-US" sz="3200" spc="-1" strike="noStrike">
+              <a:latin typeface="Arial"/>
+            </a:endParaRPr>
+          </a:p>
+        </p:txBody>
+      </p:sp>
+      <p:sp>
+        <p:nvSpPr>
+          <p:cNvPr id="56" name="PlaceHolder 4"/>
           <p:cNvSpPr>
             <a:spLocks noGrp="1"/>
           </p:cNvSpPr>
@@ -1410,8 +1330,8 @@
         </p:nvSpPr>
         <p:spPr>
           <a:xfrm>
-            <a:off x="4674240" y="4060080"/>
-            <a:ext cx="4015800" cy="2246040"/>
+            <a:off x="4674240" y="3682080"/>
+            <a:ext cx="4015800" cy="1896840"/>
           </a:xfrm>
           <a:prstGeom prst="rect">
             <a:avLst/>
@@ -1422,11 +1342,8 @@
             <a:normAutofit/>
           </a:bodyPr>
           <a:p>
-            <a:endParaRPr b="0" lang="en-US" sz="2800" spc="-1" strike="noStrike">
-              <a:solidFill>
-                <a:srgbClr val="ffffff"/>
-              </a:solidFill>
-              <a:latin typeface="Book Antiqua"/>
+            <a:endParaRPr b="0" lang="en-US" sz="3200" spc="-1" strike="noStrike">
+              <a:latin typeface="Arial"/>
             </a:endParaRPr>
           </a:p>
         </p:txBody>
@@ -1455,7 +1372,7 @@
       </p:grpSpPr>
       <p:sp>
         <p:nvSpPr>
-          <p:cNvPr id="63" name="PlaceHolder 1"/>
+          <p:cNvPr id="57" name="PlaceHolder 1"/>
           <p:cNvSpPr>
             <a:spLocks noGrp="1"/>
           </p:cNvSpPr>
@@ -1465,8 +1382,8 @@
         </p:nvSpPr>
         <p:spPr>
           <a:xfrm>
-            <a:off x="457200" y="274680"/>
-            <a:ext cx="8229240" cy="1142640"/>
+            <a:off x="457200" y="273600"/>
+            <a:ext cx="8229240" cy="1144800"/>
           </a:xfrm>
           <a:prstGeom prst="rect">
             <a:avLst/>
@@ -1477,18 +1394,16 @@
             <a:noAutofit/>
           </a:bodyPr>
           <a:p>
-            <a:endParaRPr b="0" lang="en-US" sz="1800" spc="-1" strike="noStrike">
-              <a:solidFill>
-                <a:srgbClr val="ffffff"/>
-              </a:solidFill>
-              <a:latin typeface="Book Antiqua"/>
-            </a:endParaRPr>
-          </a:p>
-        </p:txBody>
-      </p:sp>
-      <p:sp>
-        <p:nvSpPr>
-          <p:cNvPr id="64" name="PlaceHolder 2"/>
+            <a:pPr algn="ctr"/>
+            <a:endParaRPr b="0" lang="en-US" sz="4400" spc="-1" strike="noStrike">
+              <a:latin typeface="Arial"/>
+            </a:endParaRPr>
+          </a:p>
+        </p:txBody>
+      </p:sp>
+      <p:sp>
+        <p:nvSpPr>
+          <p:cNvPr id="58" name="PlaceHolder 2"/>
           <p:cNvSpPr>
             <a:spLocks noGrp="1"/>
           </p:cNvSpPr>
@@ -1498,8 +1413,8 @@
         </p:nvSpPr>
         <p:spPr>
           <a:xfrm>
-            <a:off x="457200" y="1600200"/>
-            <a:ext cx="4015800" cy="2246040"/>
+            <a:off x="457200" y="1604520"/>
+            <a:ext cx="4015800" cy="1896840"/>
           </a:xfrm>
           <a:prstGeom prst="rect">
             <a:avLst/>
@@ -1510,18 +1425,15 @@
             <a:normAutofit/>
           </a:bodyPr>
           <a:p>
-            <a:endParaRPr b="0" lang="en-US" sz="2800" spc="-1" strike="noStrike">
-              <a:solidFill>
-                <a:srgbClr val="ffffff"/>
-              </a:solidFill>
-              <a:latin typeface="Book Antiqua"/>
-            </a:endParaRPr>
-          </a:p>
-        </p:txBody>
-      </p:sp>
-      <p:sp>
-        <p:nvSpPr>
-          <p:cNvPr id="65" name="PlaceHolder 3"/>
+            <a:endParaRPr b="0" lang="en-US" sz="3200" spc="-1" strike="noStrike">
+              <a:latin typeface="Arial"/>
+            </a:endParaRPr>
+          </a:p>
+        </p:txBody>
+      </p:sp>
+      <p:sp>
+        <p:nvSpPr>
+          <p:cNvPr id="59" name="PlaceHolder 3"/>
           <p:cNvSpPr>
             <a:spLocks noGrp="1"/>
           </p:cNvSpPr>
@@ -1531,8 +1443,8 @@
         </p:nvSpPr>
         <p:spPr>
           <a:xfrm>
-            <a:off x="4674240" y="1600200"/>
-            <a:ext cx="4015800" cy="2246040"/>
+            <a:off x="4674240" y="1604520"/>
+            <a:ext cx="4015800" cy="1896840"/>
           </a:xfrm>
           <a:prstGeom prst="rect">
             <a:avLst/>
@@ -1543,18 +1455,15 @@
             <a:normAutofit/>
           </a:bodyPr>
           <a:p>
-            <a:endParaRPr b="0" lang="en-US" sz="2800" spc="-1" strike="noStrike">
-              <a:solidFill>
-                <a:srgbClr val="ffffff"/>
-              </a:solidFill>
-              <a:latin typeface="Book Antiqua"/>
-            </a:endParaRPr>
-          </a:p>
-        </p:txBody>
-      </p:sp>
-      <p:sp>
-        <p:nvSpPr>
-          <p:cNvPr id="66" name="PlaceHolder 4"/>
+            <a:endParaRPr b="0" lang="en-US" sz="3200" spc="-1" strike="noStrike">
+              <a:latin typeface="Arial"/>
+            </a:endParaRPr>
+          </a:p>
+        </p:txBody>
+      </p:sp>
+      <p:sp>
+        <p:nvSpPr>
+          <p:cNvPr id="60" name="PlaceHolder 4"/>
           <p:cNvSpPr>
             <a:spLocks noGrp="1"/>
           </p:cNvSpPr>
@@ -1564,8 +1473,8 @@
         </p:nvSpPr>
         <p:spPr>
           <a:xfrm>
-            <a:off x="457200" y="4060080"/>
-            <a:ext cx="8229240" cy="2246040"/>
+            <a:off x="457200" y="3682080"/>
+            <a:ext cx="8229240" cy="1896840"/>
           </a:xfrm>
           <a:prstGeom prst="rect">
             <a:avLst/>
@@ -1576,11 +1485,8 @@
             <a:normAutofit/>
           </a:bodyPr>
           <a:p>
-            <a:endParaRPr b="0" lang="en-US" sz="2800" spc="-1" strike="noStrike">
-              <a:solidFill>
-                <a:srgbClr val="ffffff"/>
-              </a:solidFill>
-              <a:latin typeface="Book Antiqua"/>
+            <a:endParaRPr b="0" lang="en-US" sz="3200" spc="-1" strike="noStrike">
+              <a:latin typeface="Arial"/>
             </a:endParaRPr>
           </a:p>
         </p:txBody>
@@ -1609,7 +1515,7 @@
       </p:grpSpPr>
       <p:sp>
         <p:nvSpPr>
-          <p:cNvPr id="67" name="PlaceHolder 1"/>
+          <p:cNvPr id="61" name="PlaceHolder 1"/>
           <p:cNvSpPr>
             <a:spLocks noGrp="1"/>
           </p:cNvSpPr>
@@ -1619,8 +1525,8 @@
         </p:nvSpPr>
         <p:spPr>
           <a:xfrm>
-            <a:off x="457200" y="274680"/>
-            <a:ext cx="8229240" cy="1142640"/>
+            <a:off x="457200" y="273600"/>
+            <a:ext cx="8229240" cy="1144800"/>
           </a:xfrm>
           <a:prstGeom prst="rect">
             <a:avLst/>
@@ -1631,18 +1537,16 @@
             <a:noAutofit/>
           </a:bodyPr>
           <a:p>
-            <a:endParaRPr b="0" lang="en-US" sz="1800" spc="-1" strike="noStrike">
-              <a:solidFill>
-                <a:srgbClr val="ffffff"/>
-              </a:solidFill>
-              <a:latin typeface="Book Antiqua"/>
-            </a:endParaRPr>
-          </a:p>
-        </p:txBody>
-      </p:sp>
-      <p:sp>
-        <p:nvSpPr>
-          <p:cNvPr id="68" name="PlaceHolder 2"/>
+            <a:pPr algn="ctr"/>
+            <a:endParaRPr b="0" lang="en-US" sz="4400" spc="-1" strike="noStrike">
+              <a:latin typeface="Arial"/>
+            </a:endParaRPr>
+          </a:p>
+        </p:txBody>
+      </p:sp>
+      <p:sp>
+        <p:nvSpPr>
+          <p:cNvPr id="62" name="PlaceHolder 2"/>
           <p:cNvSpPr>
             <a:spLocks noGrp="1"/>
           </p:cNvSpPr>
@@ -1652,8 +1556,8 @@
         </p:nvSpPr>
         <p:spPr>
           <a:xfrm>
-            <a:off x="457200" y="1600200"/>
-            <a:ext cx="8229240" cy="2246040"/>
+            <a:off x="457200" y="1604520"/>
+            <a:ext cx="8229240" cy="1896840"/>
           </a:xfrm>
           <a:prstGeom prst="rect">
             <a:avLst/>
@@ -1664,18 +1568,15 @@
             <a:normAutofit/>
           </a:bodyPr>
           <a:p>
-            <a:endParaRPr b="0" lang="en-US" sz="2800" spc="-1" strike="noStrike">
-              <a:solidFill>
-                <a:srgbClr val="ffffff"/>
-              </a:solidFill>
-              <a:latin typeface="Book Antiqua"/>
-            </a:endParaRPr>
-          </a:p>
-        </p:txBody>
-      </p:sp>
-      <p:sp>
-        <p:nvSpPr>
-          <p:cNvPr id="69" name="PlaceHolder 3"/>
+            <a:endParaRPr b="0" lang="en-US" sz="3200" spc="-1" strike="noStrike">
+              <a:latin typeface="Arial"/>
+            </a:endParaRPr>
+          </a:p>
+        </p:txBody>
+      </p:sp>
+      <p:sp>
+        <p:nvSpPr>
+          <p:cNvPr id="63" name="PlaceHolder 3"/>
           <p:cNvSpPr>
             <a:spLocks noGrp="1"/>
           </p:cNvSpPr>
@@ -1685,8 +1586,8 @@
         </p:nvSpPr>
         <p:spPr>
           <a:xfrm>
-            <a:off x="457200" y="4060080"/>
-            <a:ext cx="8229240" cy="2246040"/>
+            <a:off x="457200" y="3682080"/>
+            <a:ext cx="8229240" cy="1896840"/>
           </a:xfrm>
           <a:prstGeom prst="rect">
             <a:avLst/>
@@ -1697,11 +1598,8 @@
             <a:normAutofit/>
           </a:bodyPr>
           <a:p>
-            <a:endParaRPr b="0" lang="en-US" sz="2800" spc="-1" strike="noStrike">
-              <a:solidFill>
-                <a:srgbClr val="ffffff"/>
-              </a:solidFill>
-              <a:latin typeface="Book Antiqua"/>
+            <a:endParaRPr b="0" lang="en-US" sz="3200" spc="-1" strike="noStrike">
+              <a:latin typeface="Arial"/>
             </a:endParaRPr>
           </a:p>
         </p:txBody>
@@ -1730,7 +1628,7 @@
       </p:grpSpPr>
       <p:sp>
         <p:nvSpPr>
-          <p:cNvPr id="70" name="PlaceHolder 1"/>
+          <p:cNvPr id="64" name="PlaceHolder 1"/>
           <p:cNvSpPr>
             <a:spLocks noGrp="1"/>
           </p:cNvSpPr>
@@ -1740,8 +1638,8 @@
         </p:nvSpPr>
         <p:spPr>
           <a:xfrm>
-            <a:off x="457200" y="274680"/>
-            <a:ext cx="8229240" cy="1142640"/>
+            <a:off x="457200" y="273600"/>
+            <a:ext cx="8229240" cy="1144800"/>
           </a:xfrm>
           <a:prstGeom prst="rect">
             <a:avLst/>
@@ -1752,18 +1650,16 @@
             <a:noAutofit/>
           </a:bodyPr>
           <a:p>
-            <a:endParaRPr b="0" lang="en-US" sz="1800" spc="-1" strike="noStrike">
-              <a:solidFill>
-                <a:srgbClr val="ffffff"/>
-              </a:solidFill>
-              <a:latin typeface="Book Antiqua"/>
-            </a:endParaRPr>
-          </a:p>
-        </p:txBody>
-      </p:sp>
-      <p:sp>
-        <p:nvSpPr>
-          <p:cNvPr id="71" name="PlaceHolder 2"/>
+            <a:pPr algn="ctr"/>
+            <a:endParaRPr b="0" lang="en-US" sz="4400" spc="-1" strike="noStrike">
+              <a:latin typeface="Arial"/>
+            </a:endParaRPr>
+          </a:p>
+        </p:txBody>
+      </p:sp>
+      <p:sp>
+        <p:nvSpPr>
+          <p:cNvPr id="65" name="PlaceHolder 2"/>
           <p:cNvSpPr>
             <a:spLocks noGrp="1"/>
           </p:cNvSpPr>
@@ -1773,8 +1669,8 @@
         </p:nvSpPr>
         <p:spPr>
           <a:xfrm>
-            <a:off x="457200" y="1600200"/>
-            <a:ext cx="4015800" cy="2246040"/>
+            <a:off x="457200" y="1604520"/>
+            <a:ext cx="4015800" cy="1896840"/>
           </a:xfrm>
           <a:prstGeom prst="rect">
             <a:avLst/>
@@ -1785,18 +1681,15 @@
             <a:normAutofit/>
           </a:bodyPr>
           <a:p>
-            <a:endParaRPr b="0" lang="en-US" sz="2800" spc="-1" strike="noStrike">
-              <a:solidFill>
-                <a:srgbClr val="ffffff"/>
-              </a:solidFill>
-              <a:latin typeface="Book Antiqua"/>
-            </a:endParaRPr>
-          </a:p>
-        </p:txBody>
-      </p:sp>
-      <p:sp>
-        <p:nvSpPr>
-          <p:cNvPr id="72" name="PlaceHolder 3"/>
+            <a:endParaRPr b="0" lang="en-US" sz="3200" spc="-1" strike="noStrike">
+              <a:latin typeface="Arial"/>
+            </a:endParaRPr>
+          </a:p>
+        </p:txBody>
+      </p:sp>
+      <p:sp>
+        <p:nvSpPr>
+          <p:cNvPr id="66" name="PlaceHolder 3"/>
           <p:cNvSpPr>
             <a:spLocks noGrp="1"/>
           </p:cNvSpPr>
@@ -1806,8 +1699,8 @@
         </p:nvSpPr>
         <p:spPr>
           <a:xfrm>
-            <a:off x="4674240" y="1600200"/>
-            <a:ext cx="4015800" cy="2246040"/>
+            <a:off x="4674240" y="1604520"/>
+            <a:ext cx="4015800" cy="1896840"/>
           </a:xfrm>
           <a:prstGeom prst="rect">
             <a:avLst/>
@@ -1818,18 +1711,15 @@
             <a:normAutofit/>
           </a:bodyPr>
           <a:p>
-            <a:endParaRPr b="0" lang="en-US" sz="2800" spc="-1" strike="noStrike">
-              <a:solidFill>
-                <a:srgbClr val="ffffff"/>
-              </a:solidFill>
-              <a:latin typeface="Book Antiqua"/>
-            </a:endParaRPr>
-          </a:p>
-        </p:txBody>
-      </p:sp>
-      <p:sp>
-        <p:nvSpPr>
-          <p:cNvPr id="73" name="PlaceHolder 4"/>
+            <a:endParaRPr b="0" lang="en-US" sz="3200" spc="-1" strike="noStrike">
+              <a:latin typeface="Arial"/>
+            </a:endParaRPr>
+          </a:p>
+        </p:txBody>
+      </p:sp>
+      <p:sp>
+        <p:nvSpPr>
+          <p:cNvPr id="67" name="PlaceHolder 4"/>
           <p:cNvSpPr>
             <a:spLocks noGrp="1"/>
           </p:cNvSpPr>
@@ -1839,8 +1729,8 @@
         </p:nvSpPr>
         <p:spPr>
           <a:xfrm>
-            <a:off x="457200" y="4060080"/>
-            <a:ext cx="4015800" cy="2246040"/>
+            <a:off x="457200" y="3682080"/>
+            <a:ext cx="4015800" cy="1896840"/>
           </a:xfrm>
           <a:prstGeom prst="rect">
             <a:avLst/>
@@ -1851,18 +1741,15 @@
             <a:normAutofit/>
           </a:bodyPr>
           <a:p>
-            <a:endParaRPr b="0" lang="en-US" sz="2800" spc="-1" strike="noStrike">
-              <a:solidFill>
-                <a:srgbClr val="ffffff"/>
-              </a:solidFill>
-              <a:latin typeface="Book Antiqua"/>
-            </a:endParaRPr>
-          </a:p>
-        </p:txBody>
-      </p:sp>
-      <p:sp>
-        <p:nvSpPr>
-          <p:cNvPr id="74" name="PlaceHolder 5"/>
+            <a:endParaRPr b="0" lang="en-US" sz="3200" spc="-1" strike="noStrike">
+              <a:latin typeface="Arial"/>
+            </a:endParaRPr>
+          </a:p>
+        </p:txBody>
+      </p:sp>
+      <p:sp>
+        <p:nvSpPr>
+          <p:cNvPr id="68" name="PlaceHolder 5"/>
           <p:cNvSpPr>
             <a:spLocks noGrp="1"/>
           </p:cNvSpPr>
@@ -1872,8 +1759,8 @@
         </p:nvSpPr>
         <p:spPr>
           <a:xfrm>
-            <a:off x="4674240" y="4060080"/>
-            <a:ext cx="4015800" cy="2246040"/>
+            <a:off x="4674240" y="3682080"/>
+            <a:ext cx="4015800" cy="1896840"/>
           </a:xfrm>
           <a:prstGeom prst="rect">
             <a:avLst/>
@@ -1884,11 +1771,8 @@
             <a:normAutofit/>
           </a:bodyPr>
           <a:p>
-            <a:endParaRPr b="0" lang="en-US" sz="2800" spc="-1" strike="noStrike">
-              <a:solidFill>
-                <a:srgbClr val="ffffff"/>
-              </a:solidFill>
-              <a:latin typeface="Book Antiqua"/>
+            <a:endParaRPr b="0" lang="en-US" sz="3200" spc="-1" strike="noStrike">
+              <a:latin typeface="Arial"/>
             </a:endParaRPr>
           </a:p>
         </p:txBody>
@@ -1917,7 +1801,7 @@
       </p:grpSpPr>
       <p:sp>
         <p:nvSpPr>
-          <p:cNvPr id="75" name="PlaceHolder 1"/>
+          <p:cNvPr id="69" name="PlaceHolder 1"/>
           <p:cNvSpPr>
             <a:spLocks noGrp="1"/>
           </p:cNvSpPr>
@@ -1927,8 +1811,8 @@
         </p:nvSpPr>
         <p:spPr>
           <a:xfrm>
-            <a:off x="457200" y="274680"/>
-            <a:ext cx="8229240" cy="1142640"/>
+            <a:off x="457200" y="273600"/>
+            <a:ext cx="8229240" cy="1144800"/>
           </a:xfrm>
           <a:prstGeom prst="rect">
             <a:avLst/>
@@ -1939,18 +1823,16 @@
             <a:noAutofit/>
           </a:bodyPr>
           <a:p>
-            <a:endParaRPr b="0" lang="en-US" sz="1800" spc="-1" strike="noStrike">
-              <a:solidFill>
-                <a:srgbClr val="ffffff"/>
-              </a:solidFill>
-              <a:latin typeface="Book Antiqua"/>
-            </a:endParaRPr>
-          </a:p>
-        </p:txBody>
-      </p:sp>
-      <p:sp>
-        <p:nvSpPr>
-          <p:cNvPr id="76" name="PlaceHolder 2"/>
+            <a:pPr algn="ctr"/>
+            <a:endParaRPr b="0" lang="en-US" sz="4400" spc="-1" strike="noStrike">
+              <a:latin typeface="Arial"/>
+            </a:endParaRPr>
+          </a:p>
+        </p:txBody>
+      </p:sp>
+      <p:sp>
+        <p:nvSpPr>
+          <p:cNvPr id="70" name="PlaceHolder 2"/>
           <p:cNvSpPr>
             <a:spLocks noGrp="1"/>
           </p:cNvSpPr>
@@ -1960,8 +1842,8 @@
         </p:nvSpPr>
         <p:spPr>
           <a:xfrm>
-            <a:off x="457200" y="1600200"/>
-            <a:ext cx="2649600" cy="2246040"/>
+            <a:off x="457200" y="1604520"/>
+            <a:ext cx="2649600" cy="1896840"/>
           </a:xfrm>
           <a:prstGeom prst="rect">
             <a:avLst/>
@@ -1972,18 +1854,15 @@
             <a:normAutofit/>
           </a:bodyPr>
           <a:p>
-            <a:endParaRPr b="0" lang="en-US" sz="2800" spc="-1" strike="noStrike">
-              <a:solidFill>
-                <a:srgbClr val="ffffff"/>
-              </a:solidFill>
-              <a:latin typeface="Book Antiqua"/>
-            </a:endParaRPr>
-          </a:p>
-        </p:txBody>
-      </p:sp>
-      <p:sp>
-        <p:nvSpPr>
-          <p:cNvPr id="77" name="PlaceHolder 3"/>
+            <a:endParaRPr b="0" lang="en-US" sz="3200" spc="-1" strike="noStrike">
+              <a:latin typeface="Arial"/>
+            </a:endParaRPr>
+          </a:p>
+        </p:txBody>
+      </p:sp>
+      <p:sp>
+        <p:nvSpPr>
+          <p:cNvPr id="71" name="PlaceHolder 3"/>
           <p:cNvSpPr>
             <a:spLocks noGrp="1"/>
           </p:cNvSpPr>
@@ -1993,8 +1872,8 @@
         </p:nvSpPr>
         <p:spPr>
           <a:xfrm>
-            <a:off x="3239640" y="1600200"/>
-            <a:ext cx="2649600" cy="2246040"/>
+            <a:off x="3239640" y="1604520"/>
+            <a:ext cx="2649600" cy="1896840"/>
           </a:xfrm>
           <a:prstGeom prst="rect">
             <a:avLst/>
@@ -2005,18 +1884,15 @@
             <a:normAutofit/>
           </a:bodyPr>
           <a:p>
-            <a:endParaRPr b="0" lang="en-US" sz="2800" spc="-1" strike="noStrike">
-              <a:solidFill>
-                <a:srgbClr val="ffffff"/>
-              </a:solidFill>
-              <a:latin typeface="Book Antiqua"/>
-            </a:endParaRPr>
-          </a:p>
-        </p:txBody>
-      </p:sp>
-      <p:sp>
-        <p:nvSpPr>
-          <p:cNvPr id="78" name="PlaceHolder 4"/>
+            <a:endParaRPr b="0" lang="en-US" sz="3200" spc="-1" strike="noStrike">
+              <a:latin typeface="Arial"/>
+            </a:endParaRPr>
+          </a:p>
+        </p:txBody>
+      </p:sp>
+      <p:sp>
+        <p:nvSpPr>
+          <p:cNvPr id="72" name="PlaceHolder 4"/>
           <p:cNvSpPr>
             <a:spLocks noGrp="1"/>
           </p:cNvSpPr>
@@ -2026,8 +1902,8 @@
         </p:nvSpPr>
         <p:spPr>
           <a:xfrm>
-            <a:off x="6022080" y="1600200"/>
-            <a:ext cx="2649600" cy="2246040"/>
+            <a:off x="6022080" y="1604520"/>
+            <a:ext cx="2649600" cy="1896840"/>
           </a:xfrm>
           <a:prstGeom prst="rect">
             <a:avLst/>
@@ -2038,18 +1914,15 @@
             <a:normAutofit/>
           </a:bodyPr>
           <a:p>
-            <a:endParaRPr b="0" lang="en-US" sz="2800" spc="-1" strike="noStrike">
-              <a:solidFill>
-                <a:srgbClr val="ffffff"/>
-              </a:solidFill>
-              <a:latin typeface="Book Antiqua"/>
-            </a:endParaRPr>
-          </a:p>
-        </p:txBody>
-      </p:sp>
-      <p:sp>
-        <p:nvSpPr>
-          <p:cNvPr id="79" name="PlaceHolder 5"/>
+            <a:endParaRPr b="0" lang="en-US" sz="3200" spc="-1" strike="noStrike">
+              <a:latin typeface="Arial"/>
+            </a:endParaRPr>
+          </a:p>
+        </p:txBody>
+      </p:sp>
+      <p:sp>
+        <p:nvSpPr>
+          <p:cNvPr id="73" name="PlaceHolder 5"/>
           <p:cNvSpPr>
             <a:spLocks noGrp="1"/>
           </p:cNvSpPr>
@@ -2059,8 +1932,8 @@
         </p:nvSpPr>
         <p:spPr>
           <a:xfrm>
-            <a:off x="457200" y="4060080"/>
-            <a:ext cx="2649600" cy="2246040"/>
+            <a:off x="457200" y="3682080"/>
+            <a:ext cx="2649600" cy="1896840"/>
           </a:xfrm>
           <a:prstGeom prst="rect">
             <a:avLst/>
@@ -2071,18 +1944,15 @@
             <a:normAutofit/>
           </a:bodyPr>
           <a:p>
-            <a:endParaRPr b="0" lang="en-US" sz="2800" spc="-1" strike="noStrike">
-              <a:solidFill>
-                <a:srgbClr val="ffffff"/>
-              </a:solidFill>
-              <a:latin typeface="Book Antiqua"/>
-            </a:endParaRPr>
-          </a:p>
-        </p:txBody>
-      </p:sp>
-      <p:sp>
-        <p:nvSpPr>
-          <p:cNvPr id="80" name="PlaceHolder 6"/>
+            <a:endParaRPr b="0" lang="en-US" sz="3200" spc="-1" strike="noStrike">
+              <a:latin typeface="Arial"/>
+            </a:endParaRPr>
+          </a:p>
+        </p:txBody>
+      </p:sp>
+      <p:sp>
+        <p:nvSpPr>
+          <p:cNvPr id="74" name="PlaceHolder 6"/>
           <p:cNvSpPr>
             <a:spLocks noGrp="1"/>
           </p:cNvSpPr>
@@ -2092,8 +1962,8 @@
         </p:nvSpPr>
         <p:spPr>
           <a:xfrm>
-            <a:off x="3239640" y="4060080"/>
-            <a:ext cx="2649600" cy="2246040"/>
+            <a:off x="3239640" y="3682080"/>
+            <a:ext cx="2649600" cy="1896840"/>
           </a:xfrm>
           <a:prstGeom prst="rect">
             <a:avLst/>
@@ -2104,18 +1974,15 @@
             <a:normAutofit/>
           </a:bodyPr>
           <a:p>
-            <a:endParaRPr b="0" lang="en-US" sz="2800" spc="-1" strike="noStrike">
-              <a:solidFill>
-                <a:srgbClr val="ffffff"/>
-              </a:solidFill>
-              <a:latin typeface="Book Antiqua"/>
-            </a:endParaRPr>
-          </a:p>
-        </p:txBody>
-      </p:sp>
-      <p:sp>
-        <p:nvSpPr>
-          <p:cNvPr id="81" name="PlaceHolder 7"/>
+            <a:endParaRPr b="0" lang="en-US" sz="3200" spc="-1" strike="noStrike">
+              <a:latin typeface="Arial"/>
+            </a:endParaRPr>
+          </a:p>
+        </p:txBody>
+      </p:sp>
+      <p:sp>
+        <p:nvSpPr>
+          <p:cNvPr id="75" name="PlaceHolder 7"/>
           <p:cNvSpPr>
             <a:spLocks noGrp="1"/>
           </p:cNvSpPr>
@@ -2125,8 +1992,8 @@
         </p:nvSpPr>
         <p:spPr>
           <a:xfrm>
-            <a:off x="6022080" y="4060080"/>
-            <a:ext cx="2649600" cy="2246040"/>
+            <a:off x="6022080" y="3682080"/>
+            <a:ext cx="2649600" cy="1896840"/>
           </a:xfrm>
           <a:prstGeom prst="rect">
             <a:avLst/>
@@ -2137,11 +2004,8 @@
             <a:normAutofit/>
           </a:bodyPr>
           <a:p>
-            <a:endParaRPr b="0" lang="en-US" sz="2800" spc="-1" strike="noStrike">
-              <a:solidFill>
-                <a:srgbClr val="ffffff"/>
-              </a:solidFill>
-              <a:latin typeface="Book Antiqua"/>
+            <a:endParaRPr b="0" lang="en-US" sz="3200" spc="-1" strike="noStrike">
+              <a:latin typeface="Arial"/>
             </a:endParaRPr>
           </a:p>
         </p:txBody>
@@ -2170,7 +2034,7 @@
       </p:grpSpPr>
       <p:sp>
         <p:nvSpPr>
-          <p:cNvPr id="7" name="PlaceHolder 1"/>
+          <p:cNvPr id="4" name="PlaceHolder 1"/>
           <p:cNvSpPr>
             <a:spLocks noGrp="1"/>
           </p:cNvSpPr>
@@ -2180,8 +2044,8 @@
         </p:nvSpPr>
         <p:spPr>
           <a:xfrm>
-            <a:off x="457200" y="274680"/>
-            <a:ext cx="8229240" cy="1142640"/>
+            <a:off x="457200" y="273600"/>
+            <a:ext cx="8229240" cy="1144800"/>
           </a:xfrm>
           <a:prstGeom prst="rect">
             <a:avLst/>
@@ -2192,18 +2056,16 @@
             <a:noAutofit/>
           </a:bodyPr>
           <a:p>
-            <a:endParaRPr b="0" lang="en-US" sz="1800" spc="-1" strike="noStrike">
-              <a:solidFill>
-                <a:srgbClr val="ffffff"/>
-              </a:solidFill>
-              <a:latin typeface="Book Antiqua"/>
-            </a:endParaRPr>
-          </a:p>
-        </p:txBody>
-      </p:sp>
-      <p:sp>
-        <p:nvSpPr>
-          <p:cNvPr id="8" name="PlaceHolder 2"/>
+            <a:pPr algn="ctr"/>
+            <a:endParaRPr b="0" lang="en-US" sz="4400" spc="-1" strike="noStrike">
+              <a:latin typeface="Arial"/>
+            </a:endParaRPr>
+          </a:p>
+        </p:txBody>
+      </p:sp>
+      <p:sp>
+        <p:nvSpPr>
+          <p:cNvPr id="5" name="PlaceHolder 2"/>
           <p:cNvSpPr>
             <a:spLocks noGrp="1"/>
           </p:cNvSpPr>
@@ -2213,8 +2075,8 @@
         </p:nvSpPr>
         <p:spPr>
           <a:xfrm>
-            <a:off x="457200" y="1600200"/>
-            <a:ext cx="8229240" cy="4708800"/>
+            <a:off x="457200" y="1604520"/>
+            <a:ext cx="8229240" cy="3977280"/>
           </a:xfrm>
           <a:prstGeom prst="rect">
             <a:avLst/>
@@ -2225,11 +2087,8 @@
             <a:normAutofit/>
           </a:bodyPr>
           <a:p>
-            <a:endParaRPr b="0" lang="en-US" sz="2800" spc="-1" strike="noStrike">
-              <a:solidFill>
-                <a:srgbClr val="ffffff"/>
-              </a:solidFill>
-              <a:latin typeface="Book Antiqua"/>
+            <a:endParaRPr b="0" lang="en-US" sz="3200" spc="-1" strike="noStrike">
+              <a:latin typeface="Arial"/>
             </a:endParaRPr>
           </a:p>
         </p:txBody>
@@ -2258,7 +2117,7 @@
       </p:grpSpPr>
       <p:sp>
         <p:nvSpPr>
-          <p:cNvPr id="9" name="PlaceHolder 1"/>
+          <p:cNvPr id="6" name="PlaceHolder 1"/>
           <p:cNvSpPr>
             <a:spLocks noGrp="1"/>
           </p:cNvSpPr>
@@ -2268,8 +2127,8 @@
         </p:nvSpPr>
         <p:spPr>
           <a:xfrm>
-            <a:off x="457200" y="274680"/>
-            <a:ext cx="8229240" cy="1142640"/>
+            <a:off x="457200" y="273600"/>
+            <a:ext cx="8229240" cy="1144800"/>
           </a:xfrm>
           <a:prstGeom prst="rect">
             <a:avLst/>
@@ -2280,18 +2139,16 @@
             <a:noAutofit/>
           </a:bodyPr>
           <a:p>
-            <a:endParaRPr b="0" lang="en-US" sz="1800" spc="-1" strike="noStrike">
-              <a:solidFill>
-                <a:srgbClr val="ffffff"/>
-              </a:solidFill>
-              <a:latin typeface="Book Antiqua"/>
-            </a:endParaRPr>
-          </a:p>
-        </p:txBody>
-      </p:sp>
-      <p:sp>
-        <p:nvSpPr>
-          <p:cNvPr id="10" name="PlaceHolder 2"/>
+            <a:pPr algn="ctr"/>
+            <a:endParaRPr b="0" lang="en-US" sz="4400" spc="-1" strike="noStrike">
+              <a:latin typeface="Arial"/>
+            </a:endParaRPr>
+          </a:p>
+        </p:txBody>
+      </p:sp>
+      <p:sp>
+        <p:nvSpPr>
+          <p:cNvPr id="7" name="PlaceHolder 2"/>
           <p:cNvSpPr>
             <a:spLocks noGrp="1"/>
           </p:cNvSpPr>
@@ -2301,8 +2158,8 @@
         </p:nvSpPr>
         <p:spPr>
           <a:xfrm>
-            <a:off x="457200" y="1600200"/>
-            <a:ext cx="4015800" cy="4708800"/>
+            <a:off x="457200" y="1604520"/>
+            <a:ext cx="4015800" cy="3977280"/>
           </a:xfrm>
           <a:prstGeom prst="rect">
             <a:avLst/>
@@ -2313,18 +2170,15 @@
             <a:normAutofit/>
           </a:bodyPr>
           <a:p>
-            <a:endParaRPr b="0" lang="en-US" sz="2800" spc="-1" strike="noStrike">
-              <a:solidFill>
-                <a:srgbClr val="ffffff"/>
-              </a:solidFill>
-              <a:latin typeface="Book Antiqua"/>
-            </a:endParaRPr>
-          </a:p>
-        </p:txBody>
-      </p:sp>
-      <p:sp>
-        <p:nvSpPr>
-          <p:cNvPr id="11" name="PlaceHolder 3"/>
+            <a:endParaRPr b="0" lang="en-US" sz="3200" spc="-1" strike="noStrike">
+              <a:latin typeface="Arial"/>
+            </a:endParaRPr>
+          </a:p>
+        </p:txBody>
+      </p:sp>
+      <p:sp>
+        <p:nvSpPr>
+          <p:cNvPr id="8" name="PlaceHolder 3"/>
           <p:cNvSpPr>
             <a:spLocks noGrp="1"/>
           </p:cNvSpPr>
@@ -2334,8 +2188,8 @@
         </p:nvSpPr>
         <p:spPr>
           <a:xfrm>
-            <a:off x="4674240" y="1600200"/>
-            <a:ext cx="4015800" cy="4708800"/>
+            <a:off x="4674240" y="1604520"/>
+            <a:ext cx="4015800" cy="3977280"/>
           </a:xfrm>
           <a:prstGeom prst="rect">
             <a:avLst/>
@@ -2346,11 +2200,8 @@
             <a:normAutofit/>
           </a:bodyPr>
           <a:p>
-            <a:endParaRPr b="0" lang="en-US" sz="2800" spc="-1" strike="noStrike">
-              <a:solidFill>
-                <a:srgbClr val="ffffff"/>
-              </a:solidFill>
-              <a:latin typeface="Book Antiqua"/>
+            <a:endParaRPr b="0" lang="en-US" sz="3200" spc="-1" strike="noStrike">
+              <a:latin typeface="Arial"/>
             </a:endParaRPr>
           </a:p>
         </p:txBody>
@@ -2379,7 +2230,7 @@
       </p:grpSpPr>
       <p:sp>
         <p:nvSpPr>
-          <p:cNvPr id="12" name="PlaceHolder 1"/>
+          <p:cNvPr id="9" name="PlaceHolder 1"/>
           <p:cNvSpPr>
             <a:spLocks noGrp="1"/>
           </p:cNvSpPr>
@@ -2389,8 +2240,8 @@
         </p:nvSpPr>
         <p:spPr>
           <a:xfrm>
-            <a:off x="457200" y="274680"/>
-            <a:ext cx="8229240" cy="1142640"/>
+            <a:off x="457200" y="273600"/>
+            <a:ext cx="8229240" cy="1144800"/>
           </a:xfrm>
           <a:prstGeom prst="rect">
             <a:avLst/>
@@ -2401,11 +2252,9 @@
             <a:noAutofit/>
           </a:bodyPr>
           <a:p>
-            <a:endParaRPr b="0" lang="en-US" sz="1800" spc="-1" strike="noStrike">
-              <a:solidFill>
-                <a:srgbClr val="ffffff"/>
-              </a:solidFill>
-              <a:latin typeface="Book Antiqua"/>
+            <a:pPr algn="ctr"/>
+            <a:endParaRPr b="0" lang="en-US" sz="4400" spc="-1" strike="noStrike">
+              <a:latin typeface="Arial"/>
             </a:endParaRPr>
           </a:p>
         </p:txBody>
@@ -2434,7 +2283,7 @@
       </p:grpSpPr>
       <p:sp>
         <p:nvSpPr>
-          <p:cNvPr id="13" name="PlaceHolder 1"/>
+          <p:cNvPr id="10" name="PlaceHolder 1"/>
           <p:cNvSpPr>
             <a:spLocks noGrp="1"/>
           </p:cNvSpPr>
@@ -2444,8 +2293,8 @@
         </p:nvSpPr>
         <p:spPr>
           <a:xfrm>
-            <a:off x="457200" y="274680"/>
-            <a:ext cx="8229240" cy="5297760"/>
+            <a:off x="457200" y="273600"/>
+            <a:ext cx="8229240" cy="5307840"/>
           </a:xfrm>
           <a:prstGeom prst="rect">
             <a:avLst/>
@@ -2487,7 +2336,7 @@
       </p:grpSpPr>
       <p:sp>
         <p:nvSpPr>
-          <p:cNvPr id="14" name="PlaceHolder 1"/>
+          <p:cNvPr id="11" name="PlaceHolder 1"/>
           <p:cNvSpPr>
             <a:spLocks noGrp="1"/>
           </p:cNvSpPr>
@@ -2497,8 +2346,8 @@
         </p:nvSpPr>
         <p:spPr>
           <a:xfrm>
-            <a:off x="457200" y="274680"/>
-            <a:ext cx="8229240" cy="1142640"/>
+            <a:off x="457200" y="273600"/>
+            <a:ext cx="8229240" cy="1144800"/>
           </a:xfrm>
           <a:prstGeom prst="rect">
             <a:avLst/>
@@ -2509,18 +2358,16 @@
             <a:noAutofit/>
           </a:bodyPr>
           <a:p>
-            <a:endParaRPr b="0" lang="en-US" sz="1800" spc="-1" strike="noStrike">
-              <a:solidFill>
-                <a:srgbClr val="ffffff"/>
-              </a:solidFill>
-              <a:latin typeface="Book Antiqua"/>
-            </a:endParaRPr>
-          </a:p>
-        </p:txBody>
-      </p:sp>
-      <p:sp>
-        <p:nvSpPr>
-          <p:cNvPr id="15" name="PlaceHolder 2"/>
+            <a:pPr algn="ctr"/>
+            <a:endParaRPr b="0" lang="en-US" sz="4400" spc="-1" strike="noStrike">
+              <a:latin typeface="Arial"/>
+            </a:endParaRPr>
+          </a:p>
+        </p:txBody>
+      </p:sp>
+      <p:sp>
+        <p:nvSpPr>
+          <p:cNvPr id="12" name="PlaceHolder 2"/>
           <p:cNvSpPr>
             <a:spLocks noGrp="1"/>
           </p:cNvSpPr>
@@ -2530,8 +2377,8 @@
         </p:nvSpPr>
         <p:spPr>
           <a:xfrm>
-            <a:off x="457200" y="1600200"/>
-            <a:ext cx="4015800" cy="2246040"/>
+            <a:off x="457200" y="1604520"/>
+            <a:ext cx="4015800" cy="1896840"/>
           </a:xfrm>
           <a:prstGeom prst="rect">
             <a:avLst/>
@@ -2542,18 +2389,15 @@
             <a:normAutofit/>
           </a:bodyPr>
           <a:p>
-            <a:endParaRPr b="0" lang="en-US" sz="2800" spc="-1" strike="noStrike">
-              <a:solidFill>
-                <a:srgbClr val="ffffff"/>
-              </a:solidFill>
-              <a:latin typeface="Book Antiqua"/>
-            </a:endParaRPr>
-          </a:p>
-        </p:txBody>
-      </p:sp>
-      <p:sp>
-        <p:nvSpPr>
-          <p:cNvPr id="16" name="PlaceHolder 3"/>
+            <a:endParaRPr b="0" lang="en-US" sz="3200" spc="-1" strike="noStrike">
+              <a:latin typeface="Arial"/>
+            </a:endParaRPr>
+          </a:p>
+        </p:txBody>
+      </p:sp>
+      <p:sp>
+        <p:nvSpPr>
+          <p:cNvPr id="13" name="PlaceHolder 3"/>
           <p:cNvSpPr>
             <a:spLocks noGrp="1"/>
           </p:cNvSpPr>
@@ -2563,8 +2407,8 @@
         </p:nvSpPr>
         <p:spPr>
           <a:xfrm>
-            <a:off x="4674240" y="1600200"/>
-            <a:ext cx="4015800" cy="4708800"/>
+            <a:off x="4674240" y="1604520"/>
+            <a:ext cx="4015800" cy="3977280"/>
           </a:xfrm>
           <a:prstGeom prst="rect">
             <a:avLst/>
@@ -2575,18 +2419,15 @@
             <a:normAutofit/>
           </a:bodyPr>
           <a:p>
-            <a:endParaRPr b="0" lang="en-US" sz="2800" spc="-1" strike="noStrike">
-              <a:solidFill>
-                <a:srgbClr val="ffffff"/>
-              </a:solidFill>
-              <a:latin typeface="Book Antiqua"/>
-            </a:endParaRPr>
-          </a:p>
-        </p:txBody>
-      </p:sp>
-      <p:sp>
-        <p:nvSpPr>
-          <p:cNvPr id="17" name="PlaceHolder 4"/>
+            <a:endParaRPr b="0" lang="en-US" sz="3200" spc="-1" strike="noStrike">
+              <a:latin typeface="Arial"/>
+            </a:endParaRPr>
+          </a:p>
+        </p:txBody>
+      </p:sp>
+      <p:sp>
+        <p:nvSpPr>
+          <p:cNvPr id="14" name="PlaceHolder 4"/>
           <p:cNvSpPr>
             <a:spLocks noGrp="1"/>
           </p:cNvSpPr>
@@ -2596,8 +2437,8 @@
         </p:nvSpPr>
         <p:spPr>
           <a:xfrm>
-            <a:off x="457200" y="4060080"/>
-            <a:ext cx="4015800" cy="2246040"/>
+            <a:off x="457200" y="3682080"/>
+            <a:ext cx="4015800" cy="1896840"/>
           </a:xfrm>
           <a:prstGeom prst="rect">
             <a:avLst/>
@@ -2608,11 +2449,8 @@
             <a:normAutofit/>
           </a:bodyPr>
           <a:p>
-            <a:endParaRPr b="0" lang="en-US" sz="2800" spc="-1" strike="noStrike">
-              <a:solidFill>
-                <a:srgbClr val="ffffff"/>
-              </a:solidFill>
-              <a:latin typeface="Book Antiqua"/>
+            <a:endParaRPr b="0" lang="en-US" sz="3200" spc="-1" strike="noStrike">
+              <a:latin typeface="Arial"/>
             </a:endParaRPr>
           </a:p>
         </p:txBody>
@@ -2641,7 +2479,7 @@
       </p:grpSpPr>
       <p:sp>
         <p:nvSpPr>
-          <p:cNvPr id="18" name="PlaceHolder 1"/>
+          <p:cNvPr id="15" name="PlaceHolder 1"/>
           <p:cNvSpPr>
             <a:spLocks noGrp="1"/>
           </p:cNvSpPr>
@@ -2651,8 +2489,8 @@
         </p:nvSpPr>
         <p:spPr>
           <a:xfrm>
-            <a:off x="457200" y="274680"/>
-            <a:ext cx="8229240" cy="1142640"/>
+            <a:off x="457200" y="273600"/>
+            <a:ext cx="8229240" cy="1144800"/>
           </a:xfrm>
           <a:prstGeom prst="rect">
             <a:avLst/>
@@ -2663,18 +2501,16 @@
             <a:noAutofit/>
           </a:bodyPr>
           <a:p>
-            <a:endParaRPr b="0" lang="en-US" sz="1800" spc="-1" strike="noStrike">
-              <a:solidFill>
-                <a:srgbClr val="ffffff"/>
-              </a:solidFill>
-              <a:latin typeface="Book Antiqua"/>
-            </a:endParaRPr>
-          </a:p>
-        </p:txBody>
-      </p:sp>
-      <p:sp>
-        <p:nvSpPr>
-          <p:cNvPr id="19" name="PlaceHolder 2"/>
+            <a:pPr algn="ctr"/>
+            <a:endParaRPr b="0" lang="en-US" sz="4400" spc="-1" strike="noStrike">
+              <a:latin typeface="Arial"/>
+            </a:endParaRPr>
+          </a:p>
+        </p:txBody>
+      </p:sp>
+      <p:sp>
+        <p:nvSpPr>
+          <p:cNvPr id="16" name="PlaceHolder 2"/>
           <p:cNvSpPr>
             <a:spLocks noGrp="1"/>
           </p:cNvSpPr>
@@ -2684,8 +2520,8 @@
         </p:nvSpPr>
         <p:spPr>
           <a:xfrm>
-            <a:off x="457200" y="1600200"/>
-            <a:ext cx="4015800" cy="4708800"/>
+            <a:off x="457200" y="1604520"/>
+            <a:ext cx="4015800" cy="3977280"/>
           </a:xfrm>
           <a:prstGeom prst="rect">
             <a:avLst/>
@@ -2696,18 +2532,15 @@
             <a:normAutofit/>
           </a:bodyPr>
           <a:p>
-            <a:endParaRPr b="0" lang="en-US" sz="2800" spc="-1" strike="noStrike">
-              <a:solidFill>
-                <a:srgbClr val="ffffff"/>
-              </a:solidFill>
-              <a:latin typeface="Book Antiqua"/>
-            </a:endParaRPr>
-          </a:p>
-        </p:txBody>
-      </p:sp>
-      <p:sp>
-        <p:nvSpPr>
-          <p:cNvPr id="20" name="PlaceHolder 3"/>
+            <a:endParaRPr b="0" lang="en-US" sz="3200" spc="-1" strike="noStrike">
+              <a:latin typeface="Arial"/>
+            </a:endParaRPr>
+          </a:p>
+        </p:txBody>
+      </p:sp>
+      <p:sp>
+        <p:nvSpPr>
+          <p:cNvPr id="17" name="PlaceHolder 3"/>
           <p:cNvSpPr>
             <a:spLocks noGrp="1"/>
           </p:cNvSpPr>
@@ -2717,8 +2550,8 @@
         </p:nvSpPr>
         <p:spPr>
           <a:xfrm>
-            <a:off x="4674240" y="1600200"/>
-            <a:ext cx="4015800" cy="2246040"/>
+            <a:off x="4674240" y="1604520"/>
+            <a:ext cx="4015800" cy="1896840"/>
           </a:xfrm>
           <a:prstGeom prst="rect">
             <a:avLst/>
@@ -2729,18 +2562,15 @@
             <a:normAutofit/>
           </a:bodyPr>
           <a:p>
-            <a:endParaRPr b="0" lang="en-US" sz="2800" spc="-1" strike="noStrike">
-              <a:solidFill>
-                <a:srgbClr val="ffffff"/>
-              </a:solidFill>
-              <a:latin typeface="Book Antiqua"/>
-            </a:endParaRPr>
-          </a:p>
-        </p:txBody>
-      </p:sp>
-      <p:sp>
-        <p:nvSpPr>
-          <p:cNvPr id="21" name="PlaceHolder 4"/>
+            <a:endParaRPr b="0" lang="en-US" sz="3200" spc="-1" strike="noStrike">
+              <a:latin typeface="Arial"/>
+            </a:endParaRPr>
+          </a:p>
+        </p:txBody>
+      </p:sp>
+      <p:sp>
+        <p:nvSpPr>
+          <p:cNvPr id="18" name="PlaceHolder 4"/>
           <p:cNvSpPr>
             <a:spLocks noGrp="1"/>
           </p:cNvSpPr>
@@ -2750,8 +2580,8 @@
         </p:nvSpPr>
         <p:spPr>
           <a:xfrm>
-            <a:off x="4674240" y="4060080"/>
-            <a:ext cx="4015800" cy="2246040"/>
+            <a:off x="4674240" y="3682080"/>
+            <a:ext cx="4015800" cy="1896840"/>
           </a:xfrm>
           <a:prstGeom prst="rect">
             <a:avLst/>
@@ -2762,11 +2592,8 @@
             <a:normAutofit/>
           </a:bodyPr>
           <a:p>
-            <a:endParaRPr b="0" lang="en-US" sz="2800" spc="-1" strike="noStrike">
-              <a:solidFill>
-                <a:srgbClr val="ffffff"/>
-              </a:solidFill>
-              <a:latin typeface="Book Antiqua"/>
+            <a:endParaRPr b="0" lang="en-US" sz="3200" spc="-1" strike="noStrike">
+              <a:latin typeface="Arial"/>
             </a:endParaRPr>
           </a:p>
         </p:txBody>
@@ -2795,7 +2622,7 @@
       </p:grpSpPr>
       <p:sp>
         <p:nvSpPr>
-          <p:cNvPr id="22" name="PlaceHolder 1"/>
+          <p:cNvPr id="19" name="PlaceHolder 1"/>
           <p:cNvSpPr>
             <a:spLocks noGrp="1"/>
           </p:cNvSpPr>
@@ -2805,8 +2632,8 @@
         </p:nvSpPr>
         <p:spPr>
           <a:xfrm>
-            <a:off x="457200" y="274680"/>
-            <a:ext cx="8229240" cy="1142640"/>
+            <a:off x="457200" y="273600"/>
+            <a:ext cx="8229240" cy="1144800"/>
           </a:xfrm>
           <a:prstGeom prst="rect">
             <a:avLst/>
@@ -2817,18 +2644,16 @@
             <a:noAutofit/>
           </a:bodyPr>
           <a:p>
-            <a:endParaRPr b="0" lang="en-US" sz="1800" spc="-1" strike="noStrike">
-              <a:solidFill>
-                <a:srgbClr val="ffffff"/>
-              </a:solidFill>
-              <a:latin typeface="Book Antiqua"/>
-            </a:endParaRPr>
-          </a:p>
-        </p:txBody>
-      </p:sp>
-      <p:sp>
-        <p:nvSpPr>
-          <p:cNvPr id="23" name="PlaceHolder 2"/>
+            <a:pPr algn="ctr"/>
+            <a:endParaRPr b="0" lang="en-US" sz="4400" spc="-1" strike="noStrike">
+              <a:latin typeface="Arial"/>
+            </a:endParaRPr>
+          </a:p>
+        </p:txBody>
+      </p:sp>
+      <p:sp>
+        <p:nvSpPr>
+          <p:cNvPr id="20" name="PlaceHolder 2"/>
           <p:cNvSpPr>
             <a:spLocks noGrp="1"/>
           </p:cNvSpPr>
@@ -2838,8 +2663,8 @@
         </p:nvSpPr>
         <p:spPr>
           <a:xfrm>
-            <a:off x="457200" y="1600200"/>
-            <a:ext cx="4015800" cy="2246040"/>
+            <a:off x="457200" y="1604520"/>
+            <a:ext cx="4015800" cy="1896840"/>
           </a:xfrm>
           <a:prstGeom prst="rect">
             <a:avLst/>
@@ -2850,18 +2675,15 @@
             <a:normAutofit/>
           </a:bodyPr>
           <a:p>
-            <a:endParaRPr b="0" lang="en-US" sz="2800" spc="-1" strike="noStrike">
-              <a:solidFill>
-                <a:srgbClr val="ffffff"/>
-              </a:solidFill>
-              <a:latin typeface="Book Antiqua"/>
-            </a:endParaRPr>
-          </a:p>
-        </p:txBody>
-      </p:sp>
-      <p:sp>
-        <p:nvSpPr>
-          <p:cNvPr id="24" name="PlaceHolder 3"/>
+            <a:endParaRPr b="0" lang="en-US" sz="3200" spc="-1" strike="noStrike">
+              <a:latin typeface="Arial"/>
+            </a:endParaRPr>
+          </a:p>
+        </p:txBody>
+      </p:sp>
+      <p:sp>
+        <p:nvSpPr>
+          <p:cNvPr id="21" name="PlaceHolder 3"/>
           <p:cNvSpPr>
             <a:spLocks noGrp="1"/>
           </p:cNvSpPr>
@@ -2871,8 +2693,8 @@
         </p:nvSpPr>
         <p:spPr>
           <a:xfrm>
-            <a:off x="4674240" y="1600200"/>
-            <a:ext cx="4015800" cy="2246040"/>
+            <a:off x="4674240" y="1604520"/>
+            <a:ext cx="4015800" cy="1896840"/>
           </a:xfrm>
           <a:prstGeom prst="rect">
             <a:avLst/>
@@ -2883,18 +2705,15 @@
             <a:normAutofit/>
           </a:bodyPr>
           <a:p>
-            <a:endParaRPr b="0" lang="en-US" sz="2800" spc="-1" strike="noStrike">
-              <a:solidFill>
-                <a:srgbClr val="ffffff"/>
-              </a:solidFill>
-              <a:latin typeface="Book Antiqua"/>
-            </a:endParaRPr>
-          </a:p>
-        </p:txBody>
-      </p:sp>
-      <p:sp>
-        <p:nvSpPr>
-          <p:cNvPr id="25" name="PlaceHolder 4"/>
+            <a:endParaRPr b="0" lang="en-US" sz="3200" spc="-1" strike="noStrike">
+              <a:latin typeface="Arial"/>
+            </a:endParaRPr>
+          </a:p>
+        </p:txBody>
+      </p:sp>
+      <p:sp>
+        <p:nvSpPr>
+          <p:cNvPr id="22" name="PlaceHolder 4"/>
           <p:cNvSpPr>
             <a:spLocks noGrp="1"/>
           </p:cNvSpPr>
@@ -2904,8 +2723,8 @@
         </p:nvSpPr>
         <p:spPr>
           <a:xfrm>
-            <a:off x="457200" y="4060080"/>
-            <a:ext cx="8229240" cy="2246040"/>
+            <a:off x="457200" y="3682080"/>
+            <a:ext cx="8229240" cy="1896840"/>
           </a:xfrm>
           <a:prstGeom prst="rect">
             <a:avLst/>
@@ -2916,11 +2735,8 @@
             <a:normAutofit/>
           </a:bodyPr>
           <a:p>
-            <a:endParaRPr b="0" lang="en-US" sz="2800" spc="-1" strike="noStrike">
-              <a:solidFill>
-                <a:srgbClr val="ffffff"/>
-              </a:solidFill>
-              <a:latin typeface="Book Antiqua"/>
+            <a:endParaRPr b="0" lang="en-US" sz="3200" spc="-1" strike="noStrike">
+              <a:latin typeface="Arial"/>
             </a:endParaRPr>
           </a:p>
         </p:txBody>
@@ -2967,37 +2783,26 @@
         </p:nvSpPr>
         <p:spPr>
           <a:xfrm>
-            <a:off x="421920" y="1371600"/>
-            <a:ext cx="8229240" cy="1828440"/>
-          </a:xfrm>
-          <a:prstGeom prst="rect">
-            <a:avLst/>
-          </a:prstGeom>
-        </p:spPr>
-        <p:txBody>
-          <a:bodyPr lIns="45720" rIns="45720" tIns="0" bIns="0" anchor="b">
-            <a:normAutofit/>
-          </a:bodyPr>
-          <a:p>
-            <a:pPr algn="ctr">
-              <a:lnSpc>
-                <a:spcPct val="100000"/>
-              </a:lnSpc>
-            </a:pPr>
-            <a:r>
-              <a:rPr b="1" lang="en-US" sz="4800" spc="-1" strike="noStrike" cap="all">
-                <a:solidFill>
-                  <a:srgbClr val="e9d596"/>
-                </a:solidFill>
-                <a:latin typeface="Lucida Sans"/>
-              </a:rPr>
-              <a:t>Click to edit Master title style</a:t>
-            </a:r>
-            <a:endParaRPr b="0" lang="en-US" sz="4800" spc="-1" strike="noStrike">
-              <a:solidFill>
-                <a:srgbClr val="ffffff"/>
-              </a:solidFill>
-              <a:latin typeface="Book Antiqua"/>
+            <a:off x="457200" y="274680"/>
+            <a:ext cx="8228880" cy="1142280"/>
+          </a:xfrm>
+          <a:prstGeom prst="rect">
+            <a:avLst/>
+          </a:prstGeom>
+        </p:spPr>
+        <p:txBody>
+          <a:bodyPr lIns="0" rIns="0" tIns="0" bIns="0" anchor="ctr">
+            <a:noAutofit/>
+          </a:bodyPr>
+          <a:p>
+            <a:r>
+              <a:rPr b="0" lang="en-US" sz="1800" spc="-1" strike="noStrike">
+                <a:latin typeface="Arial"/>
+              </a:rPr>
+              <a:t>Click to edit the title text format</a:t>
+            </a:r>
+            <a:endParaRPr b="0" lang="en-US" sz="1800" spc="-1" strike="noStrike">
+              <a:latin typeface="Arial"/>
             </a:endParaRPr>
           </a:p>
         </p:txBody>
@@ -3005,124 +2810,6 @@
       <p:sp>
         <p:nvSpPr>
           <p:cNvPr id="1" name="PlaceHolder 2"/>
-          <p:cNvSpPr>
-            <a:spLocks noGrp="1"/>
-          </p:cNvSpPr>
-          <p:nvPr>
-            <p:ph type="dt"/>
-          </p:nvPr>
-        </p:nvSpPr>
-        <p:spPr>
-          <a:xfrm>
-            <a:off x="457200" y="6416640"/>
-            <a:ext cx="2133360" cy="364680"/>
-          </a:xfrm>
-          <a:prstGeom prst="rect">
-            <a:avLst/>
-          </a:prstGeom>
-        </p:spPr>
-        <p:txBody>
-          <a:bodyPr lIns="90000" rIns="90000" tIns="45000" bIns="45000" anchor="b">
-            <a:noAutofit/>
-          </a:bodyPr>
-          <a:p>
-            <a:pPr>
-              <a:lnSpc>
-                <a:spcPct val="100000"/>
-              </a:lnSpc>
-            </a:pPr>
-            <a:fld id="{338DB2F1-2F59-46BE-BD7B-38213155B2B9}" type="datetime">
-              <a:rPr b="0" lang="en-US" sz="1200" spc="-1" strike="noStrike">
-                <a:solidFill>
-                  <a:srgbClr val="bcbcbc"/>
-                </a:solidFill>
-                <a:latin typeface="Book Antiqua"/>
-              </a:rPr>
-              <a:t>3/7/21</a:t>
-            </a:fld>
-            <a:endParaRPr b="0" lang="en-US" sz="1200" spc="-1" strike="noStrike">
-              <a:latin typeface="Times New Roman"/>
-            </a:endParaRPr>
-          </a:p>
-        </p:txBody>
-      </p:sp>
-      <p:sp>
-        <p:nvSpPr>
-          <p:cNvPr id="2" name="PlaceHolder 3"/>
-          <p:cNvSpPr>
-            <a:spLocks noGrp="1"/>
-          </p:cNvSpPr>
-          <p:nvPr>
-            <p:ph type="ftr"/>
-          </p:nvPr>
-        </p:nvSpPr>
-        <p:spPr>
-          <a:xfrm>
-            <a:off x="3124080" y="6416640"/>
-            <a:ext cx="2895120" cy="364680"/>
-          </a:xfrm>
-          <a:prstGeom prst="rect">
-            <a:avLst/>
-          </a:prstGeom>
-        </p:spPr>
-        <p:txBody>
-          <a:bodyPr lIns="90000" rIns="90000" tIns="45000" bIns="45000" anchor="b">
-            <a:noAutofit/>
-          </a:bodyPr>
-          <a:p>
-            <a:endParaRPr b="0" lang="en-US" sz="2400" spc="-1" strike="noStrike">
-              <a:latin typeface="Times New Roman"/>
-            </a:endParaRPr>
-          </a:p>
-        </p:txBody>
-      </p:sp>
-      <p:sp>
-        <p:nvSpPr>
-          <p:cNvPr id="3" name="PlaceHolder 4"/>
-          <p:cNvSpPr>
-            <a:spLocks noGrp="1"/>
-          </p:cNvSpPr>
-          <p:nvPr>
-            <p:ph type="sldNum"/>
-          </p:nvPr>
-        </p:nvSpPr>
-        <p:spPr>
-          <a:xfrm>
-            <a:off x="7924680" y="6416640"/>
-            <a:ext cx="761760" cy="364680"/>
-          </a:xfrm>
-          <a:prstGeom prst="rect">
-            <a:avLst/>
-          </a:prstGeom>
-        </p:spPr>
-        <p:txBody>
-          <a:bodyPr lIns="0" rIns="0" tIns="45000" bIns="45000" anchor="b">
-            <a:noAutofit/>
-          </a:bodyPr>
-          <a:p>
-            <a:pPr algn="r">
-              <a:lnSpc>
-                <a:spcPct val="100000"/>
-              </a:lnSpc>
-            </a:pPr>
-            <a:fld id="{DF103473-F530-4AC7-AF5C-E579A8EC866E}" type="slidenum">
-              <a:rPr b="0" lang="en-US" sz="1200" spc="-1" strike="noStrike">
-                <a:solidFill>
-                  <a:srgbClr val="bcbcbc"/>
-                </a:solidFill>
-                <a:latin typeface="Book Antiqua"/>
-              </a:rPr>
-              <a:t>&lt;number&gt;</a:t>
-            </a:fld>
-            <a:endParaRPr b="0" lang="en-US" sz="1200" spc="-1" strike="noStrike">
-              <a:latin typeface="Times New Roman"/>
-            </a:endParaRPr>
-          </a:p>
-        </p:txBody>
-      </p:sp>
-      <p:sp>
-        <p:nvSpPr>
-          <p:cNvPr id="4" name="PlaceHolder 5"/>
           <p:cNvSpPr>
             <a:spLocks noGrp="1"/>
           </p:cNvSpPr>
@@ -3156,19 +2843,13 @@
               <a:buChar char=""/>
             </a:pPr>
             <a:r>
-              <a:rPr b="0" lang="en-US" sz="2800" spc="-1" strike="noStrike">
-                <a:solidFill>
-                  <a:srgbClr val="ffffff"/>
-                </a:solidFill>
-                <a:latin typeface="Book Antiqua"/>
+              <a:rPr b="0" lang="en-US" sz="3200" spc="-1" strike="noStrike">
+                <a:latin typeface="Arial"/>
               </a:rPr>
               <a:t>Click to edit the outline text format</a:t>
             </a:r>
-            <a:endParaRPr b="0" lang="en-US" sz="2800" spc="-1" strike="noStrike">
-              <a:solidFill>
-                <a:srgbClr val="ffffff"/>
-              </a:solidFill>
-              <a:latin typeface="Book Antiqua"/>
+            <a:endParaRPr b="0" lang="en-US" sz="3200" spc="-1" strike="noStrike">
+              <a:latin typeface="Arial"/>
             </a:endParaRPr>
           </a:p>
           <a:p>
@@ -3184,19 +2865,13 @@
               <a:buChar char=""/>
             </a:pPr>
             <a:r>
-              <a:rPr b="0" lang="en-US" sz="2200" spc="-1" strike="noStrike">
-                <a:solidFill>
-                  <a:srgbClr val="ffffff"/>
-                </a:solidFill>
-                <a:latin typeface="Book Antiqua"/>
+              <a:rPr b="0" lang="en-US" sz="2800" spc="-1" strike="noStrike">
+                <a:latin typeface="Arial"/>
               </a:rPr>
               <a:t>Second Outline Level</a:t>
             </a:r>
-            <a:endParaRPr b="0" lang="en-US" sz="2200" spc="-1" strike="noStrike">
-              <a:solidFill>
-                <a:srgbClr val="ffffff"/>
-              </a:solidFill>
-              <a:latin typeface="Book Antiqua"/>
+            <a:endParaRPr b="0" lang="en-US" sz="2800" spc="-1" strike="noStrike">
+              <a:latin typeface="Arial"/>
             </a:endParaRPr>
           </a:p>
           <a:p>
@@ -3212,19 +2887,13 @@
               <a:buChar char=""/>
             </a:pPr>
             <a:r>
-              <a:rPr b="0" lang="en-US" sz="2000" spc="-1" strike="noStrike">
-                <a:solidFill>
-                  <a:srgbClr val="ffffff"/>
-                </a:solidFill>
-                <a:latin typeface="Book Antiqua"/>
+              <a:rPr b="0" lang="en-US" sz="2400" spc="-1" strike="noStrike">
+                <a:latin typeface="Arial"/>
               </a:rPr>
               <a:t>Third Outline Level</a:t>
             </a:r>
-            <a:endParaRPr b="0" lang="en-US" sz="2000" spc="-1" strike="noStrike">
-              <a:solidFill>
-                <a:srgbClr val="ffffff"/>
-              </a:solidFill>
-              <a:latin typeface="Book Antiqua"/>
+            <a:endParaRPr b="0" lang="en-US" sz="2400" spc="-1" strike="noStrike">
+              <a:latin typeface="Arial"/>
             </a:endParaRPr>
           </a:p>
           <a:p>
@@ -3241,18 +2910,12 @@
             </a:pPr>
             <a:r>
               <a:rPr b="0" lang="en-US" sz="2000" spc="-1" strike="noStrike">
-                <a:solidFill>
-                  <a:srgbClr val="ffffff"/>
-                </a:solidFill>
-                <a:latin typeface="Book Antiqua"/>
+                <a:latin typeface="Arial"/>
               </a:rPr>
               <a:t>Fourth Outline Level</a:t>
             </a:r>
             <a:endParaRPr b="0" lang="en-US" sz="2000" spc="-1" strike="noStrike">
-              <a:solidFill>
-                <a:srgbClr val="ffffff"/>
-              </a:solidFill>
-              <a:latin typeface="Book Antiqua"/>
+              <a:latin typeface="Arial"/>
             </a:endParaRPr>
           </a:p>
           <a:p>
@@ -3269,18 +2932,12 @@
             </a:pPr>
             <a:r>
               <a:rPr b="0" lang="en-US" sz="2000" spc="-1" strike="noStrike">
-                <a:solidFill>
-                  <a:srgbClr val="ffffff"/>
-                </a:solidFill>
-                <a:latin typeface="Book Antiqua"/>
+                <a:latin typeface="Arial"/>
               </a:rPr>
               <a:t>Fifth Outline Level</a:t>
             </a:r>
             <a:endParaRPr b="0" lang="en-US" sz="2000" spc="-1" strike="noStrike">
-              <a:solidFill>
-                <a:srgbClr val="ffffff"/>
-              </a:solidFill>
-              <a:latin typeface="Book Antiqua"/>
+              <a:latin typeface="Arial"/>
             </a:endParaRPr>
           </a:p>
           <a:p>
@@ -3297,18 +2954,12 @@
             </a:pPr>
             <a:r>
               <a:rPr b="0" lang="en-US" sz="2000" spc="-1" strike="noStrike">
-                <a:solidFill>
-                  <a:srgbClr val="ffffff"/>
-                </a:solidFill>
-                <a:latin typeface="Book Antiqua"/>
+                <a:latin typeface="Arial"/>
               </a:rPr>
               <a:t>Sixth Outline Level</a:t>
             </a:r>
             <a:endParaRPr b="0" lang="en-US" sz="2000" spc="-1" strike="noStrike">
-              <a:solidFill>
-                <a:srgbClr val="ffffff"/>
-              </a:solidFill>
-              <a:latin typeface="Book Antiqua"/>
+              <a:latin typeface="Arial"/>
             </a:endParaRPr>
           </a:p>
           <a:p>
@@ -3325,18 +2976,12 @@
             </a:pPr>
             <a:r>
               <a:rPr b="0" lang="en-US" sz="2000" spc="-1" strike="noStrike">
-                <a:solidFill>
-                  <a:srgbClr val="ffffff"/>
-                </a:solidFill>
-                <a:latin typeface="Book Antiqua"/>
+                <a:latin typeface="Arial"/>
               </a:rPr>
               <a:t>Seventh Outline Level</a:t>
             </a:r>
             <a:endParaRPr b="0" lang="en-US" sz="2000" spc="-1" strike="noStrike">
-              <a:solidFill>
-                <a:srgbClr val="ffffff"/>
-              </a:solidFill>
-              <a:latin typeface="Book Antiqua"/>
+              <a:latin typeface="Arial"/>
             </a:endParaRPr>
           </a:p>
         </p:txBody>
@@ -3388,7 +3033,7 @@
       </p:grpSpPr>
       <p:sp>
         <p:nvSpPr>
-          <p:cNvPr id="41" name="PlaceHolder 1"/>
+          <p:cNvPr id="38" name="PlaceHolder 1"/>
           <p:cNvSpPr>
             <a:spLocks noGrp="1"/>
           </p:cNvSpPr>
@@ -3398,44 +3043,34 @@
         </p:nvSpPr>
         <p:spPr>
           <a:xfrm>
-            <a:off x="457200" y="274680"/>
-            <a:ext cx="8229240" cy="1142640"/>
-          </a:xfrm>
-          <a:prstGeom prst="rect">
-            <a:avLst/>
-          </a:prstGeom>
-        </p:spPr>
-        <p:txBody>
-          <a:bodyPr lIns="90000" rIns="90000" tIns="45000" bIns="45000" anchor="ctr">
+            <a:off x="457200" y="273600"/>
+            <a:ext cx="8229240" cy="1144800"/>
+          </a:xfrm>
+          <a:prstGeom prst="rect">
+            <a:avLst/>
+          </a:prstGeom>
+        </p:spPr>
+        <p:txBody>
+          <a:bodyPr lIns="0" rIns="0" tIns="0" bIns="0" anchor="ctr">
             <a:noAutofit/>
           </a:bodyPr>
           <a:p>
-            <a:pPr algn="ctr">
-              <a:lnSpc>
-                <a:spcPct val="100000"/>
-              </a:lnSpc>
-            </a:pPr>
-            <a:r>
-              <a:rPr b="1" lang="en-US" sz="4100" spc="-1" strike="noStrike">
-                <a:solidFill>
-                  <a:srgbClr val="e9d596"/>
-                </a:solidFill>
-                <a:latin typeface="Lucida Sans"/>
-              </a:rPr>
-              <a:t>Click to edit Master title style</a:t>
-            </a:r>
-            <a:endParaRPr b="0" lang="en-US" sz="4100" spc="-1" strike="noStrike">
-              <a:solidFill>
-                <a:srgbClr val="ffffff"/>
-              </a:solidFill>
-              <a:latin typeface="Book Antiqua"/>
-            </a:endParaRPr>
-          </a:p>
-        </p:txBody>
-      </p:sp>
-      <p:sp>
-        <p:nvSpPr>
-          <p:cNvPr id="42" name="PlaceHolder 2"/>
+            <a:pPr algn="ctr"/>
+            <a:r>
+              <a:rPr b="0" lang="en-US" sz="4400" spc="-1" strike="noStrike">
+                <a:latin typeface="Arial"/>
+              </a:rPr>
+              <a:t>Click to edit the title text format</a:t>
+            </a:r>
+            <a:endParaRPr b="0" lang="en-US" sz="4400" spc="-1" strike="noStrike">
+              <a:latin typeface="Arial"/>
+            </a:endParaRPr>
+          </a:p>
+        </p:txBody>
+      </p:sp>
+      <p:sp>
+        <p:nvSpPr>
+          <p:cNvPr id="39" name="PlaceHolder 2"/>
           <p:cNvSpPr>
             <a:spLocks noGrp="1"/>
           </p:cNvSpPr>
@@ -3445,286 +3080,169 @@
         </p:nvSpPr>
         <p:spPr>
           <a:xfrm>
-            <a:off x="457200" y="1600200"/>
-            <a:ext cx="8229240" cy="4708800"/>
-          </a:xfrm>
-          <a:prstGeom prst="rect">
-            <a:avLst/>
-          </a:prstGeom>
-        </p:spPr>
-        <p:txBody>
-          <a:bodyPr lIns="90000" rIns="90000" tIns="45000" bIns="45000">
-            <a:noAutofit/>
-          </a:bodyPr>
-          <a:p>
-            <a:pPr marL="548640" indent="-411120">
-              <a:lnSpc>
-                <a:spcPct val="100000"/>
-              </a:lnSpc>
-              <a:spcBef>
-                <a:spcPts val="561"/>
+            <a:off x="457200" y="1604520"/>
+            <a:ext cx="8229240" cy="3977280"/>
+          </a:xfrm>
+          <a:prstGeom prst="rect">
+            <a:avLst/>
+          </a:prstGeom>
+        </p:spPr>
+        <p:txBody>
+          <a:bodyPr lIns="0" rIns="0" tIns="0" bIns="0">
+            <a:normAutofit/>
+          </a:bodyPr>
+          <a:p>
+            <a:pPr marL="432000" indent="-324000">
+              <a:spcBef>
+                <a:spcPts val="1417"/>
               </a:spcBef>
               <a:buClr>
-                <a:srgbClr val="f9f9f9"/>
+                <a:srgbClr val="000000"/>
               </a:buClr>
-              <a:buSzPct val="65000"/>
-              <a:buFont typeface="Wingdings 2" charset="2"/>
-              <a:buChar char=""/>
+              <a:buSzPct val="45000"/>
+              <a:buFont typeface="Wingdings" charset="2"/>
+              <a:buChar char=""/>
+            </a:pPr>
+            <a:r>
+              <a:rPr b="0" lang="en-US" sz="3200" spc="-1" strike="noStrike">
+                <a:latin typeface="Arial"/>
+              </a:rPr>
+              <a:t>Click to edit the outline text format</a:t>
+            </a:r>
+            <a:endParaRPr b="0" lang="en-US" sz="3200" spc="-1" strike="noStrike">
+              <a:latin typeface="Arial"/>
+            </a:endParaRPr>
+          </a:p>
+          <a:p>
+            <a:pPr lvl="1" marL="864000" indent="-324000">
+              <a:spcBef>
+                <a:spcPts val="1134"/>
+              </a:spcBef>
+              <a:buClr>
+                <a:srgbClr val="000000"/>
+              </a:buClr>
+              <a:buSzPct val="75000"/>
+              <a:buFont typeface="Symbol" charset="2"/>
+              <a:buChar char=""/>
             </a:pPr>
             <a:r>
               <a:rPr b="0" lang="en-US" sz="2800" spc="-1" strike="noStrike">
-                <a:solidFill>
-                  <a:srgbClr val="ffffff"/>
-                </a:solidFill>
-                <a:latin typeface="Book Antiqua"/>
-              </a:rPr>
-              <a:t>Click to edit Master text styles</a:t>
+                <a:latin typeface="Arial"/>
+              </a:rPr>
+              <a:t>Second Outline Level</a:t>
             </a:r>
             <a:endParaRPr b="0" lang="en-US" sz="2800" spc="-1" strike="noStrike">
-              <a:solidFill>
-                <a:srgbClr val="ffffff"/>
-              </a:solidFill>
-              <a:latin typeface="Book Antiqua"/>
-            </a:endParaRPr>
-          </a:p>
-          <a:p>
-            <a:pPr lvl="1" marL="868680" indent="-282960">
-              <a:lnSpc>
-                <a:spcPct val="100000"/>
-              </a:lnSpc>
-              <a:spcBef>
-                <a:spcPts val="479"/>
+              <a:latin typeface="Arial"/>
+            </a:endParaRPr>
+          </a:p>
+          <a:p>
+            <a:pPr lvl="2" marL="1296000" indent="-288000">
+              <a:spcBef>
+                <a:spcPts val="850"/>
               </a:spcBef>
               <a:buClr>
-                <a:srgbClr val="ffffff"/>
+                <a:srgbClr val="000000"/>
               </a:buClr>
-              <a:buSzPct val="80000"/>
-              <a:buFont typeface="Wingdings 2" charset="2"/>
-              <a:buChar char=""/>
+              <a:buSzPct val="45000"/>
+              <a:buFont typeface="Wingdings" charset="2"/>
+              <a:buChar char=""/>
             </a:pPr>
             <a:r>
               <a:rPr b="0" lang="en-US" sz="2400" spc="-1" strike="noStrike">
-                <a:solidFill>
-                  <a:srgbClr val="ffffff"/>
-                </a:solidFill>
-                <a:latin typeface="Book Antiqua"/>
-              </a:rPr>
-              <a:t>Second level</a:t>
+                <a:latin typeface="Arial"/>
+              </a:rPr>
+              <a:t>Third Outline Level</a:t>
             </a:r>
             <a:endParaRPr b="0" lang="en-US" sz="2400" spc="-1" strike="noStrike">
-              <a:solidFill>
-                <a:srgbClr val="ffffff"/>
-              </a:solidFill>
-              <a:latin typeface="Book Antiqua"/>
-            </a:endParaRPr>
-          </a:p>
-          <a:p>
-            <a:pPr lvl="2" marL="1134000" indent="-228240">
-              <a:lnSpc>
-                <a:spcPct val="100000"/>
-              </a:lnSpc>
-              <a:spcBef>
-                <a:spcPts val="439"/>
+              <a:latin typeface="Arial"/>
+            </a:endParaRPr>
+          </a:p>
+          <a:p>
+            <a:pPr lvl="3" marL="1728000" indent="-216000">
+              <a:spcBef>
+                <a:spcPts val="567"/>
               </a:spcBef>
               <a:buClr>
-                <a:srgbClr val="ffffff"/>
+                <a:srgbClr val="000000"/>
               </a:buClr>
-              <a:buSzPct val="95000"/>
+              <a:buSzPct val="75000"/>
+              <a:buFont typeface="Symbol" charset="2"/>
+              <a:buChar char=""/>
+            </a:pPr>
+            <a:r>
+              <a:rPr b="0" lang="en-US" sz="2000" spc="-1" strike="noStrike">
+                <a:latin typeface="Arial"/>
+              </a:rPr>
+              <a:t>Fourth Outline Level</a:t>
+            </a:r>
+            <a:endParaRPr b="0" lang="en-US" sz="2000" spc="-1" strike="noStrike">
+              <a:latin typeface="Arial"/>
+            </a:endParaRPr>
+          </a:p>
+          <a:p>
+            <a:pPr lvl="4" marL="2160000" indent="-216000">
+              <a:spcBef>
+                <a:spcPts val="283"/>
+              </a:spcBef>
+              <a:buClr>
+                <a:srgbClr val="000000"/>
+              </a:buClr>
+              <a:buSzPct val="45000"/>
               <a:buFont typeface="Wingdings" charset="2"/>
-              <a:buChar char=""/>
-            </a:pPr>
-            <a:r>
-              <a:rPr b="0" lang="en-US" sz="2200" spc="-1" strike="noStrike">
-                <a:solidFill>
-                  <a:srgbClr val="ffffff"/>
-                </a:solidFill>
-                <a:latin typeface="Book Antiqua"/>
-              </a:rPr>
-              <a:t>Third level</a:t>
-            </a:r>
-            <a:endParaRPr b="0" lang="en-US" sz="2200" spc="-1" strike="noStrike">
-              <a:solidFill>
-                <a:srgbClr val="ffffff"/>
-              </a:solidFill>
-              <a:latin typeface="Book Antiqua"/>
-            </a:endParaRPr>
-          </a:p>
-          <a:p>
-            <a:pPr lvl="3" marL="1353240" indent="-182520">
-              <a:lnSpc>
-                <a:spcPct val="100000"/>
-              </a:lnSpc>
-              <a:spcBef>
-                <a:spcPts val="400"/>
+              <a:buChar char=""/>
+            </a:pPr>
+            <a:r>
+              <a:rPr b="0" lang="en-US" sz="2000" spc="-1" strike="noStrike">
+                <a:latin typeface="Arial"/>
+              </a:rPr>
+              <a:t>Fifth Outline Level</a:t>
+            </a:r>
+            <a:endParaRPr b="0" lang="en-US" sz="2000" spc="-1" strike="noStrike">
+              <a:latin typeface="Arial"/>
+            </a:endParaRPr>
+          </a:p>
+          <a:p>
+            <a:pPr lvl="5" marL="2592000" indent="-216000">
+              <a:spcBef>
+                <a:spcPts val="283"/>
               </a:spcBef>
               <a:buClr>
-                <a:srgbClr val="ffffff"/>
+                <a:srgbClr val="000000"/>
               </a:buClr>
-              <a:buFont typeface="Wingdings 3" charset="2"/>
-              <a:buChar char=""/>
+              <a:buSzPct val="45000"/>
+              <a:buFont typeface="Wingdings" charset="2"/>
+              <a:buChar char=""/>
             </a:pPr>
             <a:r>
               <a:rPr b="0" lang="en-US" sz="2000" spc="-1" strike="noStrike">
-                <a:solidFill>
-                  <a:srgbClr val="ffffff"/>
-                </a:solidFill>
-                <a:latin typeface="Book Antiqua"/>
-              </a:rPr>
-              <a:t>Fourth level</a:t>
+                <a:latin typeface="Arial"/>
+              </a:rPr>
+              <a:t>Sixth Outline Level</a:t>
             </a:r>
             <a:endParaRPr b="0" lang="en-US" sz="2000" spc="-1" strike="noStrike">
-              <a:solidFill>
-                <a:srgbClr val="ffffff"/>
-              </a:solidFill>
-              <a:latin typeface="Book Antiqua"/>
-            </a:endParaRPr>
-          </a:p>
-          <a:p>
-            <a:pPr lvl="4" marL="1545480" indent="-182520">
-              <a:lnSpc>
-                <a:spcPct val="100000"/>
-              </a:lnSpc>
-              <a:spcBef>
-                <a:spcPts val="400"/>
+              <a:latin typeface="Arial"/>
+            </a:endParaRPr>
+          </a:p>
+          <a:p>
+            <a:pPr lvl="6" marL="3024000" indent="-216000">
+              <a:spcBef>
+                <a:spcPts val="283"/>
               </a:spcBef>
               <a:buClr>
-                <a:srgbClr val="ffffff"/>
+                <a:srgbClr val="000000"/>
               </a:buClr>
-              <a:buFont typeface="Wingdings 2" charset="2"/>
-              <a:buChar char=""/>
+              <a:buSzPct val="45000"/>
+              <a:buFont typeface="Wingdings" charset="2"/>
+              <a:buChar char=""/>
             </a:pPr>
             <a:r>
               <a:rPr b="0" lang="en-US" sz="2000" spc="-1" strike="noStrike">
-                <a:solidFill>
-                  <a:srgbClr val="ffffff"/>
-                </a:solidFill>
-                <a:latin typeface="Book Antiqua"/>
-              </a:rPr>
-              <a:t>Fifth level</a:t>
+                <a:latin typeface="Arial"/>
+              </a:rPr>
+              <a:t>Seventh Outline Level</a:t>
             </a:r>
             <a:endParaRPr b="0" lang="en-US" sz="2000" spc="-1" strike="noStrike">
-              <a:solidFill>
-                <a:srgbClr val="ffffff"/>
-              </a:solidFill>
-              <a:latin typeface="Book Antiqua"/>
-            </a:endParaRPr>
-          </a:p>
-        </p:txBody>
-      </p:sp>
-      <p:sp>
-        <p:nvSpPr>
-          <p:cNvPr id="43" name="PlaceHolder 3"/>
-          <p:cNvSpPr>
-            <a:spLocks noGrp="1"/>
-          </p:cNvSpPr>
-          <p:nvPr>
-            <p:ph type="dt"/>
-          </p:nvPr>
-        </p:nvSpPr>
-        <p:spPr>
-          <a:xfrm>
-            <a:off x="457200" y="6416640"/>
-            <a:ext cx="2133360" cy="364680"/>
-          </a:xfrm>
-          <a:prstGeom prst="rect">
-            <a:avLst/>
-          </a:prstGeom>
-        </p:spPr>
-        <p:txBody>
-          <a:bodyPr lIns="90000" rIns="90000" tIns="45000" bIns="45000" anchor="b">
-            <a:noAutofit/>
-          </a:bodyPr>
-          <a:p>
-            <a:pPr>
-              <a:lnSpc>
-                <a:spcPct val="100000"/>
-              </a:lnSpc>
-            </a:pPr>
-            <a:fld id="{88ED3490-8F7C-40E7-A5A0-C9016DE26E50}" type="datetime">
-              <a:rPr b="0" lang="en-US" sz="1200" spc="-1" strike="noStrike">
-                <a:solidFill>
-                  <a:srgbClr val="bcbcbc"/>
-                </a:solidFill>
-                <a:latin typeface="Book Antiqua"/>
-              </a:rPr>
-              <a:t>3/7/21</a:t>
-            </a:fld>
-            <a:endParaRPr b="0" lang="en-US" sz="1200" spc="-1" strike="noStrike">
-              <a:latin typeface="Times New Roman"/>
-            </a:endParaRPr>
-          </a:p>
-        </p:txBody>
-      </p:sp>
-      <p:sp>
-        <p:nvSpPr>
-          <p:cNvPr id="44" name="PlaceHolder 4"/>
-          <p:cNvSpPr>
-            <a:spLocks noGrp="1"/>
-          </p:cNvSpPr>
-          <p:nvPr>
-            <p:ph type="ftr"/>
-          </p:nvPr>
-        </p:nvSpPr>
-        <p:spPr>
-          <a:xfrm>
-            <a:off x="3124080" y="6416640"/>
-            <a:ext cx="2895120" cy="364680"/>
-          </a:xfrm>
-          <a:prstGeom prst="rect">
-            <a:avLst/>
-          </a:prstGeom>
-        </p:spPr>
-        <p:txBody>
-          <a:bodyPr lIns="90000" rIns="90000" tIns="45000" bIns="45000" anchor="b">
-            <a:noAutofit/>
-          </a:bodyPr>
-          <a:p>
-            <a:endParaRPr b="0" lang="en-US" sz="2400" spc="-1" strike="noStrike">
-              <a:latin typeface="Times New Roman"/>
-            </a:endParaRPr>
-          </a:p>
-        </p:txBody>
-      </p:sp>
-      <p:sp>
-        <p:nvSpPr>
-          <p:cNvPr id="45" name="PlaceHolder 5"/>
-          <p:cNvSpPr>
-            <a:spLocks noGrp="1"/>
-          </p:cNvSpPr>
-          <p:nvPr>
-            <p:ph type="sldNum"/>
-          </p:nvPr>
-        </p:nvSpPr>
-        <p:spPr>
-          <a:xfrm>
-            <a:off x="7924680" y="6416640"/>
-            <a:ext cx="761760" cy="364680"/>
-          </a:xfrm>
-          <a:prstGeom prst="rect">
-            <a:avLst/>
-          </a:prstGeom>
-        </p:spPr>
-        <p:txBody>
-          <a:bodyPr lIns="0" rIns="0" tIns="45000" bIns="45000" anchor="b">
-            <a:noAutofit/>
-          </a:bodyPr>
-          <a:p>
-            <a:pPr algn="r">
-              <a:lnSpc>
-                <a:spcPct val="100000"/>
-              </a:lnSpc>
-            </a:pPr>
-            <a:fld id="{931F3BC9-CD16-4BF1-A40D-6280AEC25025}" type="slidenum">
-              <a:rPr b="0" lang="en-US" sz="1200" spc="-1" strike="noStrike">
-                <a:solidFill>
-                  <a:srgbClr val="bcbcbc"/>
-                </a:solidFill>
-                <a:latin typeface="Book Antiqua"/>
-              </a:rPr>
-              <a:t>&lt;number&gt;</a:t>
-            </a:fld>
-            <a:endParaRPr b="0" lang="en-US" sz="1200" spc="-1" strike="noStrike">
-              <a:latin typeface="Times New Roman"/>
+              <a:latin typeface="Arial"/>
             </a:endParaRPr>
           </a:p>
         </p:txBody>
@@ -3768,14 +3286,14 @@
       </p:grpSpPr>
       <p:sp>
         <p:nvSpPr>
-          <p:cNvPr id="82" name="TextShape 1"/>
-          <p:cNvSpPr txBox="1"/>
+          <p:cNvPr id="76" name="CustomShape 1"/>
+          <p:cNvSpPr/>
           <p:nvPr/>
         </p:nvSpPr>
         <p:spPr>
           <a:xfrm>
             <a:off x="421920" y="1371600"/>
-            <a:ext cx="8229240" cy="1828440"/>
+            <a:ext cx="8228880" cy="1828080"/>
           </a:xfrm>
           <a:prstGeom prst="rect">
             <a:avLst/>
@@ -3785,6 +3303,12 @@
             <a:noFill/>
           </a:ln>
         </p:spPr>
+        <p:style>
+          <a:lnRef idx="0"/>
+          <a:fillRef idx="0"/>
+          <a:effectRef idx="0"/>
+          <a:fontRef idx="minor"/>
+        </p:style>
         <p:txBody>
           <a:bodyPr lIns="45720" rIns="45720" tIns="0" bIns="0" anchor="b">
             <a:normAutofit fontScale="57000"/>
@@ -3805,24 +3329,21 @@
               <a:t>HEART ATTACK PREDICTION USING MACHINE LEARNING</a:t>
             </a:r>
             <a:endParaRPr b="0" lang="en-US" sz="4800" spc="-1" strike="noStrike">
-              <a:solidFill>
-                <a:srgbClr val="ffffff"/>
-              </a:solidFill>
-              <a:latin typeface="Book Antiqua"/>
-            </a:endParaRPr>
-          </a:p>
-        </p:txBody>
-      </p:sp>
-      <p:sp>
-        <p:nvSpPr>
-          <p:cNvPr id="83" name="TextShape 2"/>
+              <a:latin typeface="Arial"/>
+            </a:endParaRPr>
+          </a:p>
+        </p:txBody>
+      </p:sp>
+      <p:sp>
+        <p:nvSpPr>
+          <p:cNvPr id="77" name="TextShape 2"/>
           <p:cNvSpPr txBox="1"/>
           <p:nvPr/>
         </p:nvSpPr>
         <p:spPr>
           <a:xfrm>
-            <a:off x="6200640" y="3200040"/>
-            <a:ext cx="2943360" cy="2972160"/>
+            <a:off x="457200" y="4800600"/>
+            <a:ext cx="2057400" cy="685800"/>
           </a:xfrm>
           <a:prstGeom prst="rect">
             <a:avLst/>
@@ -3834,260 +3355,57 @@
         </p:spPr>
         <p:txBody>
           <a:bodyPr lIns="90000" rIns="90000" tIns="45000" bIns="45000">
-            <a:normAutofit/>
-          </a:bodyPr>
-          <a:p>
-            <a:pPr algn="ctr">
-              <a:lnSpc>
-                <a:spcPct val="100000"/>
-              </a:lnSpc>
-              <a:spcBef>
-                <a:spcPts val="320"/>
-              </a:spcBef>
-              <a:tabLst>
-                <a:tab algn="l" pos="0"/>
-              </a:tabLst>
-            </a:pPr>
-            <a:endParaRPr b="0" lang="en-US" sz="3200" spc="-1" strike="noStrike">
-              <a:latin typeface="Arial"/>
-            </a:endParaRPr>
-          </a:p>
-          <a:p>
-            <a:pPr algn="ctr">
-              <a:lnSpc>
-                <a:spcPct val="100000"/>
-              </a:lnSpc>
-              <a:spcBef>
-                <a:spcPts val="320"/>
-              </a:spcBef>
-              <a:tabLst>
-                <a:tab algn="l" pos="0"/>
-              </a:tabLst>
-            </a:pPr>
-            <a:endParaRPr b="0" lang="en-US" sz="3200" spc="-1" strike="noStrike">
-              <a:latin typeface="Arial"/>
-            </a:endParaRPr>
-          </a:p>
-          <a:p>
-            <a:pPr algn="ctr">
-              <a:lnSpc>
-                <a:spcPct val="100000"/>
-              </a:lnSpc>
-              <a:spcBef>
-                <a:spcPts val="320"/>
-              </a:spcBef>
-              <a:tabLst>
-                <a:tab algn="l" pos="0"/>
-              </a:tabLst>
-            </a:pPr>
-            <a:endParaRPr b="0" lang="en-US" sz="3200" spc="-1" strike="noStrike">
-              <a:latin typeface="Arial"/>
-            </a:endParaRPr>
-          </a:p>
-          <a:p>
-            <a:pPr algn="ctr">
-              <a:lnSpc>
-                <a:spcPct val="100000"/>
-              </a:lnSpc>
-              <a:spcBef>
-                <a:spcPts val="320"/>
-              </a:spcBef>
-              <a:tabLst>
-                <a:tab algn="l" pos="0"/>
-              </a:tabLst>
-            </a:pPr>
-            <a:endParaRPr b="0" lang="en-US" sz="3200" spc="-1" strike="noStrike">
-              <a:latin typeface="Arial"/>
-            </a:endParaRPr>
-          </a:p>
-          <a:p>
-            <a:pPr algn="ctr">
-              <a:lnSpc>
-                <a:spcPct val="100000"/>
-              </a:lnSpc>
-              <a:spcBef>
-                <a:spcPts val="320"/>
-              </a:spcBef>
-              <a:tabLst>
-                <a:tab algn="l" pos="0"/>
-              </a:tabLst>
-            </a:pPr>
-            <a:endParaRPr b="0" lang="en-US" sz="3200" spc="-1" strike="noStrike">
-              <a:latin typeface="Arial"/>
-            </a:endParaRPr>
-          </a:p>
-          <a:p>
-            <a:pPr>
-              <a:lnSpc>
-                <a:spcPct val="100000"/>
-              </a:lnSpc>
-              <a:spcBef>
-                <a:spcPts val="320"/>
-              </a:spcBef>
-              <a:tabLst>
-                <a:tab algn="l" pos="0"/>
-              </a:tabLst>
-            </a:pPr>
-            <a:r>
-              <a:rPr b="1" lang="en-IN" sz="1800" spc="-1" strike="noStrike" u="sng">
+            <a:noAutofit/>
+          </a:bodyPr>
+          <a:p>
+            <a:r>
+              <a:rPr b="1" lang="en-US" sz="1800" spc="-1" strike="noStrike" u="sng">
                 <a:solidFill>
                   <a:srgbClr val="ffffff"/>
                 </a:solidFill>
                 <a:uFillTx/>
                 <a:latin typeface="Times New Roman"/>
               </a:rPr>
-              <a:t>Submitted By</a:t>
-            </a:r>
-            <a:r>
-              <a:rPr b="1" lang="en-IN" sz="1800" spc="-1" strike="noStrike">
+              <a:t>Mentored By:</a:t>
+            </a:r>
+            <a:endParaRPr b="0" lang="en-US" sz="1800" spc="-1" strike="noStrike" u="sng">
+              <a:solidFill>
+                <a:srgbClr val="ffffff"/>
+              </a:solidFill>
+              <a:uFillTx/>
+              <a:latin typeface="Times New Roman"/>
+            </a:endParaRPr>
+          </a:p>
+          <a:p>
+            <a:r>
+              <a:rPr b="0" lang="en-US" sz="1800" spc="-1" strike="noStrike">
                 <a:solidFill>
                   <a:srgbClr val="ffffff"/>
                 </a:solidFill>
                 <a:latin typeface="Times New Roman"/>
               </a:rPr>
-              <a:t>:</a:t>
-            </a:r>
-            <a:endParaRPr b="0" lang="en-US" sz="1800" spc="-1" strike="noStrike">
-              <a:latin typeface="Arial"/>
-            </a:endParaRPr>
-          </a:p>
-          <a:p>
-            <a:pPr>
-              <a:lnSpc>
-                <a:spcPct val="100000"/>
-              </a:lnSpc>
-              <a:spcBef>
-                <a:spcPts val="320"/>
-              </a:spcBef>
-              <a:tabLst>
-                <a:tab algn="l" pos="0"/>
-              </a:tabLst>
-            </a:pPr>
-            <a:r>
-              <a:rPr b="0" lang="en-IN" sz="1600" spc="-1" strike="noStrike">
-                <a:solidFill>
-                  <a:srgbClr val="ffffff"/>
-                </a:solidFill>
-                <a:latin typeface="Book Antiqua"/>
-              </a:rPr>
-              <a:t>Md Irshad</a:t>
-            </a:r>
-            <a:endParaRPr b="0" lang="en-US" sz="1600" spc="-1" strike="noStrike">
-              <a:latin typeface="Arial"/>
-            </a:endParaRPr>
-          </a:p>
-          <a:p>
-            <a:pPr>
-              <a:lnSpc>
-                <a:spcPct val="100000"/>
-              </a:lnSpc>
-              <a:spcBef>
-                <a:spcPts val="320"/>
-              </a:spcBef>
-              <a:tabLst>
-                <a:tab algn="l" pos="0"/>
-              </a:tabLst>
-            </a:pPr>
-            <a:r>
-              <a:rPr b="0" lang="en-IN" sz="1600" spc="-1" strike="noStrike">
-                <a:solidFill>
-                  <a:srgbClr val="ffffff"/>
-                </a:solidFill>
-                <a:latin typeface="Book Antiqua"/>
-              </a:rPr>
-              <a:t>Nishant Shrivastava</a:t>
-            </a:r>
-            <a:endParaRPr b="0" lang="en-US" sz="1600" spc="-1" strike="noStrike">
-              <a:latin typeface="Arial"/>
-            </a:endParaRPr>
-          </a:p>
-          <a:p>
-            <a:pPr>
-              <a:lnSpc>
-                <a:spcPct val="100000"/>
-              </a:lnSpc>
-              <a:spcBef>
-                <a:spcPts val="320"/>
-              </a:spcBef>
-              <a:tabLst>
-                <a:tab algn="l" pos="0"/>
-              </a:tabLst>
-            </a:pPr>
-            <a:r>
-              <a:rPr b="0" lang="en-IN" sz="1600" spc="-1" strike="noStrike">
-                <a:solidFill>
-                  <a:srgbClr val="ffffff"/>
-                </a:solidFill>
-                <a:latin typeface="Book Antiqua"/>
-              </a:rPr>
-              <a:t>Vishnu Kumar</a:t>
-            </a:r>
-            <a:endParaRPr b="0" lang="en-US" sz="1600" spc="-1" strike="noStrike">
-              <a:latin typeface="Arial"/>
-            </a:endParaRPr>
-          </a:p>
-          <a:p>
-            <a:pPr>
-              <a:lnSpc>
-                <a:spcPct val="100000"/>
-              </a:lnSpc>
-              <a:spcBef>
-                <a:spcPts val="320"/>
-              </a:spcBef>
-              <a:tabLst>
-                <a:tab algn="l" pos="0"/>
-              </a:tabLst>
-            </a:pPr>
-            <a:r>
-              <a:rPr b="0" lang="en-IN" sz="1600" spc="-1" strike="noStrike">
-                <a:solidFill>
-                  <a:srgbClr val="ffffff"/>
-                </a:solidFill>
-                <a:latin typeface="Book Antiqua"/>
-              </a:rPr>
-              <a:t>Satyam Anand</a:t>
-            </a:r>
-            <a:endParaRPr b="0" lang="en-US" sz="1600" spc="-1" strike="noStrike">
-              <a:latin typeface="Arial"/>
-            </a:endParaRPr>
-          </a:p>
-          <a:p>
-            <a:pPr>
-              <a:lnSpc>
-                <a:spcPct val="100000"/>
-              </a:lnSpc>
-              <a:spcBef>
-                <a:spcPts val="320"/>
-              </a:spcBef>
-              <a:tabLst>
-                <a:tab algn="l" pos="0"/>
-              </a:tabLst>
-            </a:pPr>
-            <a:r>
-              <a:rPr b="0" lang="en-IN" sz="1600" spc="-1" strike="noStrike">
-                <a:solidFill>
-                  <a:srgbClr val="ffffff"/>
-                </a:solidFill>
-                <a:latin typeface="Book Antiqua"/>
-              </a:rPr>
-              <a:t>Mithlesh Yadav                     </a:t>
-            </a:r>
-            <a:endParaRPr b="0" lang="en-US" sz="1600" spc="-1" strike="noStrike">
-              <a:latin typeface="Arial"/>
-            </a:endParaRPr>
-          </a:p>
-        </p:txBody>
-      </p:sp>
-      <p:sp>
-        <p:nvSpPr>
-          <p:cNvPr id="84" name="TextShape 3"/>
+              <a:t>Subhajit Bhowmik</a:t>
+            </a:r>
+            <a:endParaRPr b="0" lang="en-US" sz="1800" spc="-1" strike="noStrike" u="sng">
+              <a:solidFill>
+                <a:srgbClr val="ffffff"/>
+              </a:solidFill>
+              <a:uFillTx/>
+              <a:latin typeface="Times New Roman"/>
+            </a:endParaRPr>
+          </a:p>
+        </p:txBody>
+      </p:sp>
+      <p:sp>
+        <p:nvSpPr>
+          <p:cNvPr id="78" name="TextShape 3"/>
           <p:cNvSpPr txBox="1"/>
           <p:nvPr/>
         </p:nvSpPr>
         <p:spPr>
           <a:xfrm>
-            <a:off x="914400" y="3200040"/>
-            <a:ext cx="2943360" cy="2972160"/>
+            <a:off x="6172200" y="4800600"/>
+            <a:ext cx="2286000" cy="1608840"/>
           </a:xfrm>
           <a:prstGeom prst="rect">
             <a:avLst/>
@@ -4099,146 +3417,115 @@
         </p:spPr>
         <p:txBody>
           <a:bodyPr lIns="90000" rIns="90000" tIns="45000" bIns="45000">
-            <a:normAutofit/>
-          </a:bodyPr>
-          <a:p>
-            <a:pPr algn="ctr">
-              <a:lnSpc>
-                <a:spcPct val="100000"/>
-              </a:lnSpc>
-              <a:spcBef>
-                <a:spcPts val="320"/>
-              </a:spcBef>
-              <a:tabLst>
-                <a:tab algn="l" pos="0"/>
-              </a:tabLst>
-            </a:pPr>
-            <a:endParaRPr b="0" lang="en-US" sz="3200" spc="-1" strike="noStrike">
-              <a:latin typeface="Arial"/>
-            </a:endParaRPr>
-          </a:p>
-          <a:p>
-            <a:pPr algn="ctr">
-              <a:lnSpc>
-                <a:spcPct val="100000"/>
-              </a:lnSpc>
-              <a:spcBef>
-                <a:spcPts val="320"/>
-              </a:spcBef>
-              <a:tabLst>
-                <a:tab algn="l" pos="0"/>
-              </a:tabLst>
-            </a:pPr>
-            <a:endParaRPr b="0" lang="en-US" sz="3200" spc="-1" strike="noStrike">
-              <a:latin typeface="Arial"/>
-            </a:endParaRPr>
-          </a:p>
-          <a:p>
-            <a:pPr algn="ctr">
-              <a:lnSpc>
-                <a:spcPct val="100000"/>
-              </a:lnSpc>
-              <a:spcBef>
-                <a:spcPts val="320"/>
-              </a:spcBef>
-              <a:tabLst>
-                <a:tab algn="l" pos="0"/>
-              </a:tabLst>
-            </a:pPr>
-            <a:endParaRPr b="0" lang="en-US" sz="3200" spc="-1" strike="noStrike">
-              <a:latin typeface="Arial"/>
-            </a:endParaRPr>
-          </a:p>
-          <a:p>
-            <a:pPr algn="ctr">
-              <a:lnSpc>
-                <a:spcPct val="100000"/>
-              </a:lnSpc>
-              <a:spcBef>
-                <a:spcPts val="320"/>
-              </a:spcBef>
-              <a:tabLst>
-                <a:tab algn="l" pos="0"/>
-              </a:tabLst>
-            </a:pPr>
-            <a:endParaRPr b="0" lang="en-US" sz="3200" spc="-1" strike="noStrike">
-              <a:latin typeface="Arial"/>
-            </a:endParaRPr>
-          </a:p>
-          <a:p>
-            <a:pPr algn="ctr">
-              <a:lnSpc>
-                <a:spcPct val="100000"/>
-              </a:lnSpc>
-              <a:spcBef>
-                <a:spcPts val="320"/>
-              </a:spcBef>
-              <a:tabLst>
-                <a:tab algn="l" pos="0"/>
-              </a:tabLst>
-            </a:pPr>
-            <a:endParaRPr b="0" lang="en-US" sz="3200" spc="-1" strike="noStrike">
-              <a:latin typeface="Arial"/>
-            </a:endParaRPr>
-          </a:p>
-          <a:p>
-            <a:pPr>
-              <a:lnSpc>
-                <a:spcPct val="100000"/>
-              </a:lnSpc>
-              <a:spcBef>
-                <a:spcPts val="320"/>
-              </a:spcBef>
-              <a:tabLst>
-                <a:tab algn="l" pos="0"/>
-              </a:tabLst>
-            </a:pPr>
-            <a:r>
-              <a:rPr b="1" lang="en-IN" sz="1800" spc="-1" strike="noStrike" u="sng">
+            <a:noAutofit/>
+          </a:bodyPr>
+          <a:p>
+            <a:r>
+              <a:rPr b="1" lang="en-US" sz="1800" spc="-1" strike="noStrike" u="sng">
                 <a:solidFill>
                   <a:srgbClr val="ffffff"/>
                 </a:solidFill>
                 <a:uFillTx/>
                 <a:latin typeface="Times New Roman"/>
               </a:rPr>
-              <a:t>Mentored By</a:t>
-            </a:r>
-            <a:r>
-              <a:rPr b="1" lang="en-IN" sz="1800" spc="-1" strike="noStrike">
+              <a:t>Submitted By:</a:t>
+            </a:r>
+            <a:endParaRPr b="1" lang="en-US" sz="1800" spc="-1" strike="noStrike" u="sng">
+              <a:solidFill>
+                <a:srgbClr val="ffffff"/>
+              </a:solidFill>
+              <a:uFillTx/>
+              <a:latin typeface="Times New Roman"/>
+            </a:endParaRPr>
+          </a:p>
+          <a:p>
+            <a:r>
+              <a:rPr b="0" lang="en-US" sz="1800" spc="-1" strike="noStrike">
                 <a:solidFill>
                   <a:srgbClr val="ffffff"/>
                 </a:solidFill>
                 <a:latin typeface="Times New Roman"/>
               </a:rPr>
-              <a:t>:</a:t>
-            </a:r>
-            <a:endParaRPr b="0" lang="en-US" sz="1800" spc="-1" strike="noStrike">
-              <a:latin typeface="Arial"/>
-            </a:endParaRPr>
-          </a:p>
-          <a:p>
-            <a:pPr>
-              <a:lnSpc>
-                <a:spcPct val="100000"/>
-              </a:lnSpc>
-              <a:spcBef>
-                <a:spcPts val="320"/>
-              </a:spcBef>
-              <a:tabLst>
-                <a:tab algn="l" pos="0"/>
-              </a:tabLst>
-            </a:pPr>
-            <a:r>
-              <a:rPr b="0" lang="en-IN" sz="1600" spc="-1" strike="noStrike">
-                <a:solidFill>
-                  <a:srgbClr val="ffffff"/>
-                </a:solidFill>
-                <a:latin typeface="Book Antiqua"/>
-              </a:rPr>
-              <a:t>Subhajit Bhowmik                    </a:t>
-            </a:r>
-            <a:endParaRPr b="0" lang="en-US" sz="1600" spc="-1" strike="noStrike">
-              <a:latin typeface="Arial"/>
+              <a:t>Md Irshad</a:t>
+            </a:r>
+            <a:endParaRPr b="1" lang="en-US" sz="1800" spc="-1" strike="noStrike" u="sng">
+              <a:solidFill>
+                <a:srgbClr val="ffffff"/>
+              </a:solidFill>
+              <a:uFillTx/>
+              <a:latin typeface="Times New Roman"/>
+            </a:endParaRPr>
+          </a:p>
+          <a:p>
+            <a:r>
+              <a:rPr b="0" lang="en-US" sz="1800" spc="-1" strike="noStrike">
+                <a:solidFill>
+                  <a:srgbClr val="ffffff"/>
+                </a:solidFill>
+                <a:latin typeface="Times New Roman"/>
+              </a:rPr>
+              <a:t>Nishant Shrivastava</a:t>
+            </a:r>
+            <a:endParaRPr b="1" lang="en-US" sz="1800" spc="-1" strike="noStrike" u="sng">
+              <a:solidFill>
+                <a:srgbClr val="ffffff"/>
+              </a:solidFill>
+              <a:uFillTx/>
+              <a:latin typeface="Times New Roman"/>
+            </a:endParaRPr>
+          </a:p>
+          <a:p>
+            <a:r>
+              <a:rPr b="0" lang="en-US" sz="1800" spc="-1" strike="noStrike">
+                <a:solidFill>
+                  <a:srgbClr val="ffffff"/>
+                </a:solidFill>
+                <a:latin typeface="Times New Roman"/>
+              </a:rPr>
+              <a:t>Vishnu Kumar</a:t>
+            </a:r>
+            <a:endParaRPr b="1" lang="en-US" sz="1800" spc="-1" strike="noStrike" u="sng">
+              <a:solidFill>
+                <a:srgbClr val="ffffff"/>
+              </a:solidFill>
+              <a:uFillTx/>
+              <a:latin typeface="Times New Roman"/>
+            </a:endParaRPr>
+          </a:p>
+          <a:p>
+            <a:r>
+              <a:rPr b="0" lang="en-US" sz="1800" spc="-1" strike="noStrike">
+                <a:solidFill>
+                  <a:srgbClr val="ffffff"/>
+                </a:solidFill>
+                <a:latin typeface="Times New Roman"/>
+              </a:rPr>
+              <a:t>Satyam Anand</a:t>
+            </a:r>
+            <a:endParaRPr b="1" lang="en-US" sz="1800" spc="-1" strike="noStrike" u="sng">
+              <a:solidFill>
+                <a:srgbClr val="ffffff"/>
+              </a:solidFill>
+              <a:uFillTx/>
+              <a:latin typeface="Times New Roman"/>
+            </a:endParaRPr>
+          </a:p>
+          <a:p>
+            <a:r>
+              <a:rPr b="0" lang="en-US" sz="1800" spc="-1" strike="noStrike">
+                <a:solidFill>
+                  <a:srgbClr val="ffffff"/>
+                </a:solidFill>
+                <a:latin typeface="Times New Roman"/>
+              </a:rPr>
+              <a:t>Mithlesh Yadav</a:t>
+            </a:r>
+            <a:endParaRPr b="1" lang="en-US" sz="1800" spc="-1" strike="noStrike" u="sng">
+              <a:solidFill>
+                <a:srgbClr val="ffffff"/>
+              </a:solidFill>
+              <a:uFillTx/>
+              <a:latin typeface="Times New Roman"/>
             </a:endParaRPr>
           </a:p>
         </p:txBody>
@@ -4275,14 +3562,14 @@
       </p:grpSpPr>
       <p:sp>
         <p:nvSpPr>
-          <p:cNvPr id="129" name="TextShape 1"/>
-          <p:cNvSpPr txBox="1"/>
+          <p:cNvPr id="123" name="CustomShape 1"/>
+          <p:cNvSpPr/>
           <p:nvPr/>
         </p:nvSpPr>
         <p:spPr>
           <a:xfrm>
             <a:off x="457200" y="142920"/>
-            <a:ext cx="8229240" cy="856800"/>
+            <a:ext cx="8228880" cy="856440"/>
           </a:xfrm>
           <a:prstGeom prst="rect">
             <a:avLst/>
@@ -4292,6 +3579,12 @@
             <a:noFill/>
           </a:ln>
         </p:spPr>
+        <p:style>
+          <a:lnRef idx="0"/>
+          <a:fillRef idx="0"/>
+          <a:effectRef idx="0"/>
+          <a:fontRef idx="minor"/>
+        </p:style>
         <p:txBody>
           <a:bodyPr lIns="90000" rIns="90000" tIns="45000" bIns="45000" anchor="ctr">
             <a:noAutofit/>
@@ -4313,24 +3606,21 @@
               <a:t>Result Sets</a:t>
             </a:r>
             <a:endParaRPr b="0" lang="en-US" sz="4100" spc="-1" strike="noStrike">
-              <a:solidFill>
-                <a:srgbClr val="ffffff"/>
-              </a:solidFill>
-              <a:latin typeface="Book Antiqua"/>
-            </a:endParaRPr>
-          </a:p>
-        </p:txBody>
-      </p:sp>
-      <p:sp>
-        <p:nvSpPr>
-          <p:cNvPr id="130" name="TextShape 2"/>
-          <p:cNvSpPr txBox="1"/>
+              <a:latin typeface="Arial"/>
+            </a:endParaRPr>
+          </a:p>
+        </p:txBody>
+      </p:sp>
+      <p:sp>
+        <p:nvSpPr>
+          <p:cNvPr id="124" name="CustomShape 2"/>
+          <p:cNvSpPr/>
           <p:nvPr/>
         </p:nvSpPr>
         <p:spPr>
           <a:xfrm>
             <a:off x="457200" y="928800"/>
-            <a:ext cx="8229240" cy="5786280"/>
+            <a:ext cx="8228880" cy="5785920"/>
           </a:xfrm>
           <a:prstGeom prst="rect">
             <a:avLst/>
@@ -4340,12 +3630,18 @@
             <a:noFill/>
           </a:ln>
         </p:spPr>
+        <p:style>
+          <a:lnRef idx="0"/>
+          <a:fillRef idx="0"/>
+          <a:effectRef idx="0"/>
+          <a:fontRef idx="minor"/>
+        </p:style>
         <p:txBody>
           <a:bodyPr lIns="90000" rIns="90000" tIns="45000" bIns="45000">
             <a:noAutofit/>
           </a:bodyPr>
           <a:p>
-            <a:pPr marL="548640" indent="-411120">
+            <a:pPr marL="548640" indent="-410760">
               <a:lnSpc>
                 <a:spcPct val="100000"/>
               </a:lnSpc>
@@ -4369,10 +3665,7 @@
               <a:t>In the first step we gathered data from online resource to build our model to predict</a:t>
             </a:r>
             <a:endParaRPr b="0" lang="en-US" sz="1800" spc="-1" strike="noStrike">
-              <a:solidFill>
-                <a:srgbClr val="ffffff"/>
-              </a:solidFill>
-              <a:latin typeface="Book Antiqua"/>
+              <a:latin typeface="Arial"/>
             </a:endParaRPr>
           </a:p>
           <a:p>
@@ -4385,10 +3678,7 @@
               </a:spcBef>
             </a:pPr>
             <a:endParaRPr b="0" lang="en-US" sz="1800" spc="-1" strike="noStrike">
-              <a:solidFill>
-                <a:srgbClr val="ffffff"/>
-              </a:solidFill>
-              <a:latin typeface="Book Antiqua"/>
+              <a:latin typeface="Arial"/>
             </a:endParaRPr>
           </a:p>
           <a:p>
@@ -4401,10 +3691,7 @@
               </a:spcBef>
             </a:pPr>
             <a:endParaRPr b="0" lang="en-US" sz="1800" spc="-1" strike="noStrike">
-              <a:solidFill>
-                <a:srgbClr val="ffffff"/>
-              </a:solidFill>
-              <a:latin typeface="Book Antiqua"/>
+              <a:latin typeface="Arial"/>
             </a:endParaRPr>
           </a:p>
           <a:p>
@@ -4417,17 +3704,14 @@
               </a:spcBef>
             </a:pPr>
             <a:endParaRPr b="0" lang="en-US" sz="1800" spc="-1" strike="noStrike">
-              <a:solidFill>
-                <a:srgbClr val="ffffff"/>
-              </a:solidFill>
-              <a:latin typeface="Book Antiqua"/>
+              <a:latin typeface="Arial"/>
             </a:endParaRPr>
           </a:p>
         </p:txBody>
       </p:sp>
       <p:pic>
         <p:nvPicPr>
-          <p:cNvPr id="131" name="Image1" descr=""/>
+          <p:cNvPr id="125" name="Image1" descr=""/>
           <p:cNvPicPr/>
           <p:nvPr/>
         </p:nvPicPr>
@@ -4438,7 +3722,7 @@
         <p:spPr>
           <a:xfrm>
             <a:off x="1071360" y="1571760"/>
-            <a:ext cx="7286400" cy="4714560"/>
+            <a:ext cx="7286040" cy="4714200"/>
           </a:xfrm>
           <a:prstGeom prst="rect">
             <a:avLst/>
@@ -4480,14 +3764,14 @@
       </p:grpSpPr>
       <p:sp>
         <p:nvSpPr>
-          <p:cNvPr id="132" name="TextShape 1"/>
-          <p:cNvSpPr txBox="1"/>
+          <p:cNvPr id="126" name="CustomShape 1"/>
+          <p:cNvSpPr/>
           <p:nvPr/>
         </p:nvSpPr>
         <p:spPr>
           <a:xfrm>
             <a:off x="457200" y="274680"/>
-            <a:ext cx="8229240" cy="225000"/>
+            <a:ext cx="8228880" cy="224640"/>
           </a:xfrm>
           <a:prstGeom prst="rect">
             <a:avLst/>
@@ -4497,6 +3781,12 @@
             <a:noFill/>
           </a:ln>
         </p:spPr>
+        <p:style>
+          <a:lnRef idx="0"/>
+          <a:fillRef idx="0"/>
+          <a:effectRef idx="0"/>
+          <a:fontRef idx="minor"/>
+        </p:style>
         <p:txBody>
           <a:bodyPr lIns="90000" rIns="90000" tIns="45000" bIns="45000" anchor="ctr">
             <a:normAutofit fontScale="11000"/>
@@ -4517,24 +3807,21 @@
               <a:t> </a:t>
             </a:r>
             <a:endParaRPr b="0" lang="en-US" sz="4100" spc="-1" strike="noStrike">
-              <a:solidFill>
-                <a:srgbClr val="ffffff"/>
-              </a:solidFill>
-              <a:latin typeface="Book Antiqua"/>
-            </a:endParaRPr>
-          </a:p>
-        </p:txBody>
-      </p:sp>
-      <p:sp>
-        <p:nvSpPr>
-          <p:cNvPr id="133" name="TextShape 2"/>
-          <p:cNvSpPr txBox="1"/>
+              <a:latin typeface="Arial"/>
+            </a:endParaRPr>
+          </a:p>
+        </p:txBody>
+      </p:sp>
+      <p:sp>
+        <p:nvSpPr>
+          <p:cNvPr id="127" name="CustomShape 2"/>
+          <p:cNvSpPr/>
           <p:nvPr/>
         </p:nvSpPr>
         <p:spPr>
           <a:xfrm>
             <a:off x="457200" y="214200"/>
-            <a:ext cx="8229240" cy="6094800"/>
+            <a:ext cx="8228880" cy="6094440"/>
           </a:xfrm>
           <a:prstGeom prst="rect">
             <a:avLst/>
@@ -4544,12 +3831,18 @@
             <a:noFill/>
           </a:ln>
         </p:spPr>
+        <p:style>
+          <a:lnRef idx="0"/>
+          <a:fillRef idx="0"/>
+          <a:effectRef idx="0"/>
+          <a:fontRef idx="minor"/>
+        </p:style>
         <p:txBody>
           <a:bodyPr lIns="90000" rIns="90000" tIns="45000" bIns="45000">
             <a:normAutofit/>
           </a:bodyPr>
           <a:p>
-            <a:pPr marL="548640" indent="-411120">
+            <a:pPr marL="548640" indent="-410760">
               <a:lnSpc>
                 <a:spcPct val="100000"/>
               </a:lnSpc>
@@ -4573,14 +3866,11 @@
               <a:t>In the beginning we first eliminated some attributes which we cannot calculate.</a:t>
             </a:r>
             <a:endParaRPr b="0" lang="en-US" sz="1800" spc="-1" strike="noStrike">
-              <a:solidFill>
-                <a:srgbClr val="ffffff"/>
-              </a:solidFill>
-              <a:latin typeface="Book Antiqua"/>
-            </a:endParaRPr>
-          </a:p>
-          <a:p>
-            <a:pPr marL="548640" indent="-411120">
+              <a:latin typeface="Arial"/>
+            </a:endParaRPr>
+          </a:p>
+          <a:p>
+            <a:pPr marL="548640" indent="-410760">
               <a:lnSpc>
                 <a:spcPct val="100000"/>
               </a:lnSpc>
@@ -4604,10 +3894,7 @@
               <a:t>After reducing the datasets it became easy to analyze</a:t>
             </a:r>
             <a:endParaRPr b="0" lang="en-US" sz="1800" spc="-1" strike="noStrike">
-              <a:solidFill>
-                <a:srgbClr val="ffffff"/>
-              </a:solidFill>
-              <a:latin typeface="Book Antiqua"/>
+              <a:latin typeface="Arial"/>
             </a:endParaRPr>
           </a:p>
           <a:p>
@@ -4620,10 +3907,7 @@
               </a:spcBef>
             </a:pPr>
             <a:endParaRPr b="0" lang="en-US" sz="1800" spc="-1" strike="noStrike">
-              <a:solidFill>
-                <a:srgbClr val="ffffff"/>
-              </a:solidFill>
-              <a:latin typeface="Book Antiqua"/>
+              <a:latin typeface="Arial"/>
             </a:endParaRPr>
           </a:p>
           <a:p>
@@ -4636,17 +3920,14 @@
               </a:spcBef>
             </a:pPr>
             <a:endParaRPr b="0" lang="en-US" sz="1800" spc="-1" strike="noStrike">
-              <a:solidFill>
-                <a:srgbClr val="ffffff"/>
-              </a:solidFill>
-              <a:latin typeface="Book Antiqua"/>
+              <a:latin typeface="Arial"/>
             </a:endParaRPr>
           </a:p>
         </p:txBody>
       </p:sp>
       <p:pic>
         <p:nvPicPr>
-          <p:cNvPr id="134" name="Image2" descr=""/>
+          <p:cNvPr id="128" name="Image2" descr=""/>
           <p:cNvPicPr/>
           <p:nvPr/>
         </p:nvPicPr>
@@ -4657,7 +3938,7 @@
         <p:spPr>
           <a:xfrm>
             <a:off x="1143000" y="1571760"/>
-            <a:ext cx="6929280" cy="4857480"/>
+            <a:ext cx="6928920" cy="4857120"/>
           </a:xfrm>
           <a:prstGeom prst="rect">
             <a:avLst/>
@@ -4699,14 +3980,14 @@
       </p:grpSpPr>
       <p:sp>
         <p:nvSpPr>
-          <p:cNvPr id="135" name="TextShape 1"/>
-          <p:cNvSpPr txBox="1"/>
+          <p:cNvPr id="129" name="CustomShape 1"/>
+          <p:cNvSpPr/>
           <p:nvPr/>
         </p:nvSpPr>
         <p:spPr>
           <a:xfrm>
             <a:off x="457200" y="274680"/>
-            <a:ext cx="8229240" cy="296640"/>
+            <a:ext cx="8228880" cy="296280"/>
           </a:xfrm>
           <a:prstGeom prst="rect">
             <a:avLst/>
@@ -4716,6 +3997,12 @@
             <a:noFill/>
           </a:ln>
         </p:spPr>
+        <p:style>
+          <a:lnRef idx="0"/>
+          <a:fillRef idx="0"/>
+          <a:effectRef idx="0"/>
+          <a:fontRef idx="minor"/>
+        </p:style>
         <p:txBody>
           <a:bodyPr lIns="90000" rIns="90000" tIns="45000" bIns="45000" anchor="ctr">
             <a:normAutofit fontScale="20000"/>
@@ -4736,24 +4023,21 @@
               <a:t> </a:t>
             </a:r>
             <a:endParaRPr b="0" lang="en-US" sz="4100" spc="-1" strike="noStrike">
-              <a:solidFill>
-                <a:srgbClr val="ffffff"/>
-              </a:solidFill>
-              <a:latin typeface="Book Antiqua"/>
-            </a:endParaRPr>
-          </a:p>
-        </p:txBody>
-      </p:sp>
-      <p:sp>
-        <p:nvSpPr>
-          <p:cNvPr id="136" name="TextShape 2"/>
-          <p:cNvSpPr txBox="1"/>
+              <a:latin typeface="Arial"/>
+            </a:endParaRPr>
+          </a:p>
+        </p:txBody>
+      </p:sp>
+      <p:sp>
+        <p:nvSpPr>
+          <p:cNvPr id="130" name="CustomShape 2"/>
+          <p:cNvSpPr/>
           <p:nvPr/>
         </p:nvSpPr>
         <p:spPr>
           <a:xfrm>
             <a:off x="457200" y="357120"/>
-            <a:ext cx="8229240" cy="5951880"/>
+            <a:ext cx="8228880" cy="5951520"/>
           </a:xfrm>
           <a:prstGeom prst="rect">
             <a:avLst/>
@@ -4763,12 +4047,18 @@
             <a:noFill/>
           </a:ln>
         </p:spPr>
+        <p:style>
+          <a:lnRef idx="0"/>
+          <a:fillRef idx="0"/>
+          <a:effectRef idx="0"/>
+          <a:fontRef idx="minor"/>
+        </p:style>
         <p:txBody>
           <a:bodyPr lIns="90000" rIns="90000" tIns="45000" bIns="45000">
             <a:normAutofit/>
           </a:bodyPr>
           <a:p>
-            <a:pPr marL="548640" indent="-411120">
+            <a:pPr marL="548640" indent="-410760">
               <a:lnSpc>
                 <a:spcPct val="100000"/>
               </a:lnSpc>
@@ -4792,10 +4082,7 @@
               <a:t>There is no missing data points and we have choose some data points which are relevant to us.</a:t>
             </a:r>
             <a:endParaRPr b="0" lang="en-US" sz="1800" spc="-1" strike="noStrike">
-              <a:solidFill>
-                <a:srgbClr val="ffffff"/>
-              </a:solidFill>
-              <a:latin typeface="Book Antiqua"/>
+              <a:latin typeface="Arial"/>
             </a:endParaRPr>
           </a:p>
           <a:p>
@@ -4808,10 +4095,7 @@
               </a:spcBef>
             </a:pPr>
             <a:endParaRPr b="0" lang="en-US" sz="1800" spc="-1" strike="noStrike">
-              <a:solidFill>
-                <a:srgbClr val="ffffff"/>
-              </a:solidFill>
-              <a:latin typeface="Book Antiqua"/>
+              <a:latin typeface="Arial"/>
             </a:endParaRPr>
           </a:p>
           <a:p>
@@ -4824,10 +4108,7 @@
               </a:spcBef>
             </a:pPr>
             <a:endParaRPr b="0" lang="en-US" sz="1800" spc="-1" strike="noStrike">
-              <a:solidFill>
-                <a:srgbClr val="ffffff"/>
-              </a:solidFill>
-              <a:latin typeface="Book Antiqua"/>
+              <a:latin typeface="Arial"/>
             </a:endParaRPr>
           </a:p>
           <a:p>
@@ -4840,10 +4121,7 @@
               </a:spcBef>
             </a:pPr>
             <a:endParaRPr b="0" lang="en-US" sz="1800" spc="-1" strike="noStrike">
-              <a:solidFill>
-                <a:srgbClr val="ffffff"/>
-              </a:solidFill>
-              <a:latin typeface="Book Antiqua"/>
+              <a:latin typeface="Arial"/>
             </a:endParaRPr>
           </a:p>
           <a:p>
@@ -4856,10 +4134,7 @@
               </a:spcBef>
             </a:pPr>
             <a:endParaRPr b="0" lang="en-US" sz="1800" spc="-1" strike="noStrike">
-              <a:solidFill>
-                <a:srgbClr val="ffffff"/>
-              </a:solidFill>
-              <a:latin typeface="Book Antiqua"/>
+              <a:latin typeface="Arial"/>
             </a:endParaRPr>
           </a:p>
           <a:p>
@@ -4872,10 +4147,7 @@
               </a:spcBef>
             </a:pPr>
             <a:endParaRPr b="0" lang="en-US" sz="1800" spc="-1" strike="noStrike">
-              <a:solidFill>
-                <a:srgbClr val="ffffff"/>
-              </a:solidFill>
-              <a:latin typeface="Book Antiqua"/>
+              <a:latin typeface="Arial"/>
             </a:endParaRPr>
           </a:p>
           <a:p>
@@ -4888,10 +4160,7 @@
               </a:spcBef>
             </a:pPr>
             <a:endParaRPr b="0" lang="en-US" sz="1800" spc="-1" strike="noStrike">
-              <a:solidFill>
-                <a:srgbClr val="ffffff"/>
-              </a:solidFill>
-              <a:latin typeface="Book Antiqua"/>
+              <a:latin typeface="Arial"/>
             </a:endParaRPr>
           </a:p>
           <a:p>
@@ -4904,10 +4173,7 @@
               </a:spcBef>
             </a:pPr>
             <a:endParaRPr b="0" lang="en-US" sz="1800" spc="-1" strike="noStrike">
-              <a:solidFill>
-                <a:srgbClr val="ffffff"/>
-              </a:solidFill>
-              <a:latin typeface="Book Antiqua"/>
+              <a:latin typeface="Arial"/>
             </a:endParaRPr>
           </a:p>
           <a:p>
@@ -4920,10 +4186,7 @@
               </a:spcBef>
             </a:pPr>
             <a:endParaRPr b="0" lang="en-US" sz="1800" spc="-1" strike="noStrike">
-              <a:solidFill>
-                <a:srgbClr val="ffffff"/>
-              </a:solidFill>
-              <a:latin typeface="Book Antiqua"/>
+              <a:latin typeface="Arial"/>
             </a:endParaRPr>
           </a:p>
           <a:p>
@@ -4936,10 +4199,7 @@
               </a:spcBef>
             </a:pPr>
             <a:endParaRPr b="0" lang="en-US" sz="1800" spc="-1" strike="noStrike">
-              <a:solidFill>
-                <a:srgbClr val="ffffff"/>
-              </a:solidFill>
-              <a:latin typeface="Book Antiqua"/>
+              <a:latin typeface="Arial"/>
             </a:endParaRPr>
           </a:p>
           <a:p>
@@ -4952,14 +4212,11 @@
               </a:spcBef>
             </a:pPr>
             <a:endParaRPr b="0" lang="en-US" sz="1800" spc="-1" strike="noStrike">
-              <a:solidFill>
-                <a:srgbClr val="ffffff"/>
-              </a:solidFill>
-              <a:latin typeface="Book Antiqua"/>
-            </a:endParaRPr>
-          </a:p>
-          <a:p>
-            <a:pPr marL="548640" indent="-411120">
+              <a:latin typeface="Arial"/>
+            </a:endParaRPr>
+          </a:p>
+          <a:p>
+            <a:pPr marL="548640" indent="-410760">
               <a:lnSpc>
                 <a:spcPct val="100000"/>
               </a:lnSpc>
@@ -4980,14 +4237,11 @@
               <a:t>       </a:t>
             </a:r>
             <a:endParaRPr b="0" lang="en-US" sz="1800" spc="-1" strike="noStrike">
-              <a:solidFill>
-                <a:srgbClr val="ffffff"/>
-              </a:solidFill>
-              <a:latin typeface="Book Antiqua"/>
-            </a:endParaRPr>
-          </a:p>
-          <a:p>
-            <a:pPr marL="548640" indent="-411120">
+              <a:latin typeface="Arial"/>
+            </a:endParaRPr>
+          </a:p>
+          <a:p>
+            <a:pPr marL="548640" indent="-410760">
               <a:lnSpc>
                 <a:spcPct val="100000"/>
               </a:lnSpc>
@@ -5008,14 +4262,11 @@
               <a:t>        </a:t>
             </a:r>
             <a:endParaRPr b="0" lang="en-US" sz="1800" spc="-1" strike="noStrike">
-              <a:solidFill>
-                <a:srgbClr val="ffffff"/>
-              </a:solidFill>
-              <a:latin typeface="Book Antiqua"/>
-            </a:endParaRPr>
-          </a:p>
-          <a:p>
-            <a:pPr marL="548640" indent="-411120">
+              <a:latin typeface="Arial"/>
+            </a:endParaRPr>
+          </a:p>
+          <a:p>
+            <a:pPr marL="548640" indent="-410760">
               <a:lnSpc>
                 <a:spcPct val="100000"/>
               </a:lnSpc>
@@ -5027,14 +4278,11 @@
               </a:tabLst>
             </a:pPr>
             <a:endParaRPr b="0" lang="en-US" sz="1800" spc="-1" strike="noStrike">
-              <a:solidFill>
-                <a:srgbClr val="ffffff"/>
-              </a:solidFill>
-              <a:latin typeface="Book Antiqua"/>
-            </a:endParaRPr>
-          </a:p>
-          <a:p>
-            <a:pPr marL="548640" indent="-411120">
+              <a:latin typeface="Arial"/>
+            </a:endParaRPr>
+          </a:p>
+          <a:p>
+            <a:pPr marL="548640" indent="-410760">
               <a:lnSpc>
                 <a:spcPct val="100000"/>
               </a:lnSpc>
@@ -5064,14 +4312,11 @@
               <a:t>Data Analysis</a:t>
             </a:r>
             <a:endParaRPr b="0" lang="en-US" sz="1800" spc="-1" strike="noStrike">
-              <a:solidFill>
-                <a:srgbClr val="ffffff"/>
-              </a:solidFill>
-              <a:latin typeface="Book Antiqua"/>
-            </a:endParaRPr>
-          </a:p>
-          <a:p>
-            <a:pPr marL="548640" indent="-411120">
+              <a:latin typeface="Arial"/>
+            </a:endParaRPr>
+          </a:p>
+          <a:p>
+            <a:pPr marL="548640" indent="-410760">
               <a:lnSpc>
                 <a:spcPct val="100000"/>
               </a:lnSpc>
@@ -5098,17 +4343,14 @@
               <a:t>By Performing analysis we found that data is not much gender biased it’s distribution is quite acceptable for prediction</a:t>
             </a:r>
             <a:endParaRPr b="0" lang="en-US" sz="1800" spc="-1" strike="noStrike">
-              <a:solidFill>
-                <a:srgbClr val="ffffff"/>
-              </a:solidFill>
-              <a:latin typeface="Book Antiqua"/>
+              <a:latin typeface="Arial"/>
             </a:endParaRPr>
           </a:p>
         </p:txBody>
       </p:sp>
       <p:pic>
         <p:nvPicPr>
-          <p:cNvPr id="137" name="Image3" descr=""/>
+          <p:cNvPr id="131" name="Image3" descr=""/>
           <p:cNvPicPr/>
           <p:nvPr/>
         </p:nvPicPr>
@@ -5119,7 +4361,7 @@
         <p:spPr>
           <a:xfrm>
             <a:off x="1071360" y="1000080"/>
-            <a:ext cx="7143480" cy="4142880"/>
+            <a:ext cx="7143120" cy="4142520"/>
           </a:xfrm>
           <a:prstGeom prst="rect">
             <a:avLst/>
@@ -5161,14 +4403,14 @@
       </p:grpSpPr>
       <p:sp>
         <p:nvSpPr>
-          <p:cNvPr id="138" name="TextShape 1"/>
-          <p:cNvSpPr txBox="1"/>
+          <p:cNvPr id="132" name="CustomShape 1"/>
+          <p:cNvSpPr/>
           <p:nvPr/>
         </p:nvSpPr>
         <p:spPr>
           <a:xfrm>
             <a:off x="457200" y="274680"/>
-            <a:ext cx="8229240" cy="296640"/>
+            <a:ext cx="8228880" cy="296280"/>
           </a:xfrm>
           <a:prstGeom prst="rect">
             <a:avLst/>
@@ -5178,6 +4420,12 @@
             <a:noFill/>
           </a:ln>
         </p:spPr>
+        <p:style>
+          <a:lnRef idx="0"/>
+          <a:fillRef idx="0"/>
+          <a:effectRef idx="0"/>
+          <a:fontRef idx="minor"/>
+        </p:style>
         <p:txBody>
           <a:bodyPr lIns="90000" rIns="90000" tIns="45000" bIns="45000" anchor="ctr">
             <a:normAutofit fontScale="20000"/>
@@ -5198,24 +4446,21 @@
               <a:t> </a:t>
             </a:r>
             <a:endParaRPr b="0" lang="en-US" sz="4100" spc="-1" strike="noStrike">
-              <a:solidFill>
-                <a:srgbClr val="ffffff"/>
-              </a:solidFill>
-              <a:latin typeface="Book Antiqua"/>
-            </a:endParaRPr>
-          </a:p>
-        </p:txBody>
-      </p:sp>
-      <p:sp>
-        <p:nvSpPr>
-          <p:cNvPr id="139" name="TextShape 2"/>
-          <p:cNvSpPr txBox="1"/>
+              <a:latin typeface="Arial"/>
+            </a:endParaRPr>
+          </a:p>
+        </p:txBody>
+      </p:sp>
+      <p:sp>
+        <p:nvSpPr>
+          <p:cNvPr id="133" name="CustomShape 2"/>
+          <p:cNvSpPr/>
           <p:nvPr/>
         </p:nvSpPr>
         <p:spPr>
           <a:xfrm>
             <a:off x="457200" y="285840"/>
-            <a:ext cx="8229240" cy="6023160"/>
+            <a:ext cx="8228880" cy="6022800"/>
           </a:xfrm>
           <a:prstGeom prst="rect">
             <a:avLst/>
@@ -5225,12 +4470,18 @@
             <a:noFill/>
           </a:ln>
         </p:spPr>
+        <p:style>
+          <a:lnRef idx="0"/>
+          <a:fillRef idx="0"/>
+          <a:effectRef idx="0"/>
+          <a:fontRef idx="minor"/>
+        </p:style>
         <p:txBody>
           <a:bodyPr lIns="90000" rIns="90000" tIns="45000" bIns="45000">
             <a:normAutofit/>
           </a:bodyPr>
           <a:p>
-            <a:pPr marL="548640" indent="-411120">
+            <a:pPr marL="548640" indent="-410760">
               <a:lnSpc>
                 <a:spcPct val="100000"/>
               </a:lnSpc>
@@ -5260,14 +4511,11 @@
               <a:t>Visualizing Correlations</a:t>
             </a:r>
             <a:endParaRPr b="0" lang="en-US" sz="1800" spc="-1" strike="noStrike">
-              <a:solidFill>
-                <a:srgbClr val="ffffff"/>
-              </a:solidFill>
-              <a:latin typeface="Book Antiqua"/>
-            </a:endParaRPr>
-          </a:p>
-          <a:p>
-            <a:pPr marL="548640" indent="-411120">
+              <a:latin typeface="Arial"/>
+            </a:endParaRPr>
+          </a:p>
+          <a:p>
+            <a:pPr marL="548640" indent="-410760">
               <a:lnSpc>
                 <a:spcPct val="100000"/>
               </a:lnSpc>
@@ -5288,14 +4536,11 @@
               <a:t> </a:t>
             </a:r>
             <a:endParaRPr b="0" lang="en-US" sz="1800" spc="-1" strike="noStrike">
-              <a:solidFill>
-                <a:srgbClr val="ffffff"/>
-              </a:solidFill>
-              <a:latin typeface="Book Antiqua"/>
-            </a:endParaRPr>
-          </a:p>
-          <a:p>
-            <a:pPr marL="548640" indent="-411120">
+              <a:latin typeface="Arial"/>
+            </a:endParaRPr>
+          </a:p>
+          <a:p>
+            <a:pPr marL="548640" indent="-410760">
               <a:lnSpc>
                 <a:spcPct val="100000"/>
               </a:lnSpc>
@@ -5322,14 +4567,11 @@
               <a:t>Heat-map calculated by taking Pearson's coefficient as [-1, 1]</a:t>
             </a:r>
             <a:endParaRPr b="0" lang="en-US" sz="1800" spc="-1" strike="noStrike">
-              <a:solidFill>
-                <a:srgbClr val="ffffff"/>
-              </a:solidFill>
-              <a:latin typeface="Book Antiqua"/>
-            </a:endParaRPr>
-          </a:p>
-          <a:p>
-            <a:pPr marL="548640" indent="-411120">
+              <a:latin typeface="Arial"/>
+            </a:endParaRPr>
+          </a:p>
+          <a:p>
+            <a:pPr marL="548640" indent="-410760">
               <a:lnSpc>
                 <a:spcPct val="100000"/>
               </a:lnSpc>
@@ -5374,10 +4616,7 @@
               <a:t> blood pressure has a little amount of impact in heart attack</a:t>
             </a:r>
             <a:endParaRPr b="0" lang="en-US" sz="1800" spc="-1" strike="noStrike">
-              <a:solidFill>
-                <a:srgbClr val="ffffff"/>
-              </a:solidFill>
-              <a:latin typeface="Book Antiqua"/>
+              <a:latin typeface="Arial"/>
             </a:endParaRPr>
           </a:p>
           <a:p>
@@ -5393,17 +4632,14 @@
               </a:tabLst>
             </a:pPr>
             <a:endParaRPr b="0" lang="en-US" sz="1800" spc="-1" strike="noStrike">
-              <a:solidFill>
-                <a:srgbClr val="ffffff"/>
-              </a:solidFill>
-              <a:latin typeface="Book Antiqua"/>
+              <a:latin typeface="Arial"/>
             </a:endParaRPr>
           </a:p>
         </p:txBody>
       </p:sp>
       <p:pic>
         <p:nvPicPr>
-          <p:cNvPr id="140" name="Image4" descr=""/>
+          <p:cNvPr id="134" name="Image4" descr=""/>
           <p:cNvPicPr/>
           <p:nvPr/>
         </p:nvPicPr>
@@ -5414,7 +4650,7 @@
         <p:spPr>
           <a:xfrm>
             <a:off x="1143000" y="2357280"/>
-            <a:ext cx="7143480" cy="4142880"/>
+            <a:ext cx="7143120" cy="4142520"/>
           </a:xfrm>
           <a:prstGeom prst="rect">
             <a:avLst/>
@@ -5456,14 +4692,14 @@
       </p:grpSpPr>
       <p:sp>
         <p:nvSpPr>
-          <p:cNvPr id="141" name="TextShape 1"/>
-          <p:cNvSpPr txBox="1"/>
+          <p:cNvPr id="135" name="CustomShape 1"/>
+          <p:cNvSpPr/>
           <p:nvPr/>
         </p:nvSpPr>
         <p:spPr>
           <a:xfrm>
             <a:off x="457200" y="274680"/>
-            <a:ext cx="8229240" cy="45360"/>
+            <a:ext cx="8228880" cy="45000"/>
           </a:xfrm>
           <a:prstGeom prst="rect">
             <a:avLst/>
@@ -5473,6 +4709,12 @@
             <a:noFill/>
           </a:ln>
         </p:spPr>
+        <p:style>
+          <a:lnRef idx="0"/>
+          <a:fillRef idx="0"/>
+          <a:effectRef idx="0"/>
+          <a:fontRef idx="minor"/>
+        </p:style>
         <p:txBody>
           <a:bodyPr lIns="90000" rIns="90000" tIns="45000" bIns="45000" anchor="ctr">
             <a:normAutofit/>
@@ -5493,24 +4735,21 @@
               <a:t> </a:t>
             </a:r>
             <a:endParaRPr b="0" lang="en-US" sz="4100" spc="-1" strike="noStrike">
-              <a:solidFill>
-                <a:srgbClr val="ffffff"/>
-              </a:solidFill>
-              <a:latin typeface="Book Antiqua"/>
-            </a:endParaRPr>
-          </a:p>
-        </p:txBody>
-      </p:sp>
-      <p:sp>
-        <p:nvSpPr>
-          <p:cNvPr id="142" name="TextShape 2"/>
-          <p:cNvSpPr txBox="1"/>
+              <a:latin typeface="Arial"/>
+            </a:endParaRPr>
+          </a:p>
+        </p:txBody>
+      </p:sp>
+      <p:sp>
+        <p:nvSpPr>
+          <p:cNvPr id="136" name="CustomShape 2"/>
+          <p:cNvSpPr/>
           <p:nvPr/>
         </p:nvSpPr>
         <p:spPr>
           <a:xfrm>
             <a:off x="457200" y="428760"/>
-            <a:ext cx="8229240" cy="5880240"/>
+            <a:ext cx="8228880" cy="5879880"/>
           </a:xfrm>
           <a:prstGeom prst="rect">
             <a:avLst/>
@@ -5520,6 +4759,12 @@
             <a:noFill/>
           </a:ln>
         </p:spPr>
+        <p:style>
+          <a:lnRef idx="0"/>
+          <a:fillRef idx="0"/>
+          <a:effectRef idx="0"/>
+          <a:fontRef idx="minor"/>
+        </p:style>
         <p:txBody>
           <a:bodyPr lIns="90000" rIns="90000" tIns="45000" bIns="45000">
             <a:normAutofit/>
@@ -5543,14 +4788,11 @@
               <a:t>Choosing ML model Support Vector Machines (SVM)</a:t>
             </a:r>
             <a:endParaRPr b="0" lang="en-US" sz="1800" spc="-1" strike="noStrike">
-              <a:solidFill>
-                <a:srgbClr val="ffffff"/>
-              </a:solidFill>
-              <a:latin typeface="Book Antiqua"/>
-            </a:endParaRPr>
-          </a:p>
-          <a:p>
-            <a:pPr marL="548640" indent="-411120">
+              <a:latin typeface="Arial"/>
+            </a:endParaRPr>
+          </a:p>
+          <a:p>
+            <a:pPr marL="548640" indent="-410760">
               <a:lnSpc>
                 <a:spcPct val="100000"/>
               </a:lnSpc>
@@ -5571,14 +4813,11 @@
               <a:t> </a:t>
             </a:r>
             <a:endParaRPr b="0" lang="en-US" sz="1800" spc="-1" strike="noStrike">
-              <a:solidFill>
-                <a:srgbClr val="ffffff"/>
-              </a:solidFill>
-              <a:latin typeface="Book Antiqua"/>
-            </a:endParaRPr>
-          </a:p>
-          <a:p>
-            <a:pPr marL="548640" indent="-411120">
+              <a:latin typeface="Arial"/>
+            </a:endParaRPr>
+          </a:p>
+          <a:p>
+            <a:pPr marL="548640" indent="-410760">
               <a:lnSpc>
                 <a:spcPct val="100000"/>
               </a:lnSpc>
@@ -5605,10 +4844,7 @@
               <a:t>In order to work with data points we need to scales those points within the range of -1 and 1. For the ease in calculation and correct prediction</a:t>
             </a:r>
             <a:endParaRPr b="0" lang="en-US" sz="1800" spc="-1" strike="noStrike">
-              <a:solidFill>
-                <a:srgbClr val="ffffff"/>
-              </a:solidFill>
-              <a:latin typeface="Book Antiqua"/>
+              <a:latin typeface="Arial"/>
             </a:endParaRPr>
           </a:p>
           <a:p>
@@ -5624,17 +4860,14 @@
               </a:tabLst>
             </a:pPr>
             <a:endParaRPr b="0" lang="en-US" sz="1800" spc="-1" strike="noStrike">
-              <a:solidFill>
-                <a:srgbClr val="ffffff"/>
-              </a:solidFill>
-              <a:latin typeface="Book Antiqua"/>
+              <a:latin typeface="Arial"/>
             </a:endParaRPr>
           </a:p>
         </p:txBody>
       </p:sp>
       <p:pic>
         <p:nvPicPr>
-          <p:cNvPr id="143" name="Image5" descr=""/>
+          <p:cNvPr id="137" name="Image5" descr=""/>
           <p:cNvPicPr/>
           <p:nvPr/>
         </p:nvPicPr>
@@ -5645,7 +4878,7 @@
         <p:spPr>
           <a:xfrm>
             <a:off x="1071360" y="1759680"/>
-            <a:ext cx="6929280" cy="4669560"/>
+            <a:ext cx="6928920" cy="4669200"/>
           </a:xfrm>
           <a:prstGeom prst="rect">
             <a:avLst/>
@@ -5687,14 +4920,14 @@
       </p:grpSpPr>
       <p:sp>
         <p:nvSpPr>
-          <p:cNvPr id="144" name="TextShape 1"/>
-          <p:cNvSpPr txBox="1"/>
+          <p:cNvPr id="138" name="CustomShape 1"/>
+          <p:cNvSpPr/>
           <p:nvPr/>
         </p:nvSpPr>
         <p:spPr>
           <a:xfrm>
             <a:off x="457200" y="274680"/>
-            <a:ext cx="8229240" cy="296640"/>
+            <a:ext cx="8228880" cy="296280"/>
           </a:xfrm>
           <a:prstGeom prst="rect">
             <a:avLst/>
@@ -5704,6 +4937,12 @@
             <a:noFill/>
           </a:ln>
         </p:spPr>
+        <p:style>
+          <a:lnRef idx="0"/>
+          <a:fillRef idx="0"/>
+          <a:effectRef idx="0"/>
+          <a:fontRef idx="minor"/>
+        </p:style>
         <p:txBody>
           <a:bodyPr lIns="90000" rIns="90000" tIns="45000" bIns="45000" anchor="ctr">
             <a:normAutofit fontScale="20000"/>
@@ -5724,24 +4963,21 @@
               <a:t> </a:t>
             </a:r>
             <a:endParaRPr b="0" lang="en-US" sz="4100" spc="-1" strike="noStrike">
-              <a:solidFill>
-                <a:srgbClr val="ffffff"/>
-              </a:solidFill>
-              <a:latin typeface="Book Antiqua"/>
-            </a:endParaRPr>
-          </a:p>
-        </p:txBody>
-      </p:sp>
-      <p:sp>
-        <p:nvSpPr>
-          <p:cNvPr id="145" name="TextShape 2"/>
-          <p:cNvSpPr txBox="1"/>
+              <a:latin typeface="Arial"/>
+            </a:endParaRPr>
+          </a:p>
+        </p:txBody>
+      </p:sp>
+      <p:sp>
+        <p:nvSpPr>
+          <p:cNvPr id="139" name="CustomShape 2"/>
+          <p:cNvSpPr/>
           <p:nvPr/>
         </p:nvSpPr>
         <p:spPr>
           <a:xfrm>
             <a:off x="457200" y="500040"/>
-            <a:ext cx="8229240" cy="5808960"/>
+            <a:ext cx="8228880" cy="5808600"/>
           </a:xfrm>
           <a:prstGeom prst="rect">
             <a:avLst/>
@@ -5751,6 +4987,12 @@
             <a:noFill/>
           </a:ln>
         </p:spPr>
+        <p:style>
+          <a:lnRef idx="0"/>
+          <a:fillRef idx="0"/>
+          <a:effectRef idx="0"/>
+          <a:fontRef idx="minor"/>
+        </p:style>
         <p:txBody>
           <a:bodyPr lIns="90000" rIns="90000" tIns="45000" bIns="45000">
             <a:normAutofit/>
@@ -5774,14 +5016,11 @@
               <a:t>Classification Report</a:t>
             </a:r>
             <a:endParaRPr b="0" lang="en-US" sz="1800" spc="-1" strike="noStrike">
-              <a:solidFill>
-                <a:srgbClr val="ffffff"/>
-              </a:solidFill>
-              <a:latin typeface="Book Antiqua"/>
-            </a:endParaRPr>
-          </a:p>
-          <a:p>
-            <a:pPr marL="548640" indent="-411120">
+              <a:latin typeface="Arial"/>
+            </a:endParaRPr>
+          </a:p>
+          <a:p>
+            <a:pPr marL="548640" indent="-410760">
               <a:lnSpc>
                 <a:spcPct val="100000"/>
               </a:lnSpc>
@@ -5841,10 +5080,7 @@
               <a:t>nd the accuracy of our model is also acceptable as we have less data right now.</a:t>
             </a:r>
             <a:endParaRPr b="0" lang="en-US" sz="1800" spc="-1" strike="noStrike">
-              <a:solidFill>
-                <a:srgbClr val="ffffff"/>
-              </a:solidFill>
-              <a:latin typeface="Book Antiqua"/>
+              <a:latin typeface="Arial"/>
             </a:endParaRPr>
           </a:p>
           <a:p>
@@ -5857,17 +5093,14 @@
               </a:spcBef>
             </a:pPr>
             <a:endParaRPr b="0" lang="en-US" sz="1800" spc="-1" strike="noStrike">
-              <a:solidFill>
-                <a:srgbClr val="ffffff"/>
-              </a:solidFill>
-              <a:latin typeface="Book Antiqua"/>
+              <a:latin typeface="Arial"/>
             </a:endParaRPr>
           </a:p>
         </p:txBody>
       </p:sp>
       <p:pic>
         <p:nvPicPr>
-          <p:cNvPr id="146" name="Image6" descr=""/>
+          <p:cNvPr id="140" name="Image6" descr=""/>
           <p:cNvPicPr/>
           <p:nvPr/>
         </p:nvPicPr>
@@ -5878,7 +5111,7 @@
         <p:spPr>
           <a:xfrm>
             <a:off x="1071360" y="1643040"/>
-            <a:ext cx="7214760" cy="4571640"/>
+            <a:ext cx="7214400" cy="4571280"/>
           </a:xfrm>
           <a:prstGeom prst="rect">
             <a:avLst/>
@@ -5920,14 +5153,14 @@
       </p:grpSpPr>
       <p:sp>
         <p:nvSpPr>
-          <p:cNvPr id="147" name="TextShape 1"/>
-          <p:cNvSpPr txBox="1"/>
+          <p:cNvPr id="141" name="CustomShape 1"/>
+          <p:cNvSpPr/>
           <p:nvPr/>
         </p:nvSpPr>
         <p:spPr>
           <a:xfrm>
             <a:off x="457200" y="274680"/>
-            <a:ext cx="8229240" cy="225000"/>
+            <a:ext cx="8228880" cy="224640"/>
           </a:xfrm>
           <a:prstGeom prst="rect">
             <a:avLst/>
@@ -5937,6 +5170,12 @@
             <a:noFill/>
           </a:ln>
         </p:spPr>
+        <p:style>
+          <a:lnRef idx="0"/>
+          <a:fillRef idx="0"/>
+          <a:effectRef idx="0"/>
+          <a:fontRef idx="minor"/>
+        </p:style>
         <p:txBody>
           <a:bodyPr lIns="90000" rIns="90000" tIns="45000" bIns="45000" anchor="ctr">
             <a:normAutofit fontScale="11000"/>
@@ -5957,24 +5196,21 @@
               <a:t> </a:t>
             </a:r>
             <a:endParaRPr b="0" lang="en-US" sz="4100" spc="-1" strike="noStrike">
-              <a:solidFill>
-                <a:srgbClr val="ffffff"/>
-              </a:solidFill>
-              <a:latin typeface="Book Antiqua"/>
-            </a:endParaRPr>
-          </a:p>
-        </p:txBody>
-      </p:sp>
-      <p:sp>
-        <p:nvSpPr>
-          <p:cNvPr id="148" name="TextShape 2"/>
-          <p:cNvSpPr txBox="1"/>
+              <a:latin typeface="Arial"/>
+            </a:endParaRPr>
+          </a:p>
+        </p:txBody>
+      </p:sp>
+      <p:sp>
+        <p:nvSpPr>
+          <p:cNvPr id="142" name="CustomShape 2"/>
+          <p:cNvSpPr/>
           <p:nvPr/>
         </p:nvSpPr>
         <p:spPr>
           <a:xfrm>
             <a:off x="457200" y="214200"/>
-            <a:ext cx="8229240" cy="6094800"/>
+            <a:ext cx="8228880" cy="6094440"/>
           </a:xfrm>
           <a:prstGeom prst="rect">
             <a:avLst/>
@@ -5984,6 +5220,12 @@
             <a:noFill/>
           </a:ln>
         </p:spPr>
+        <p:style>
+          <a:lnRef idx="0"/>
+          <a:fillRef idx="0"/>
+          <a:effectRef idx="0"/>
+          <a:fontRef idx="minor"/>
+        </p:style>
         <p:txBody>
           <a:bodyPr lIns="90000" rIns="90000" tIns="45000" bIns="45000">
             <a:normAutofit/>
@@ -6007,14 +5249,11 @@
               <a:t>ROC-AUC Curve</a:t>
             </a:r>
             <a:endParaRPr b="0" lang="en-US" sz="1800" spc="-1" strike="noStrike">
-              <a:solidFill>
-                <a:srgbClr val="ffffff"/>
-              </a:solidFill>
-              <a:latin typeface="Book Antiqua"/>
-            </a:endParaRPr>
-          </a:p>
-          <a:p>
-            <a:pPr marL="548640" indent="-411120">
+              <a:latin typeface="Arial"/>
+            </a:endParaRPr>
+          </a:p>
+          <a:p>
+            <a:pPr marL="548640" indent="-410760">
               <a:lnSpc>
                 <a:spcPct val="100000"/>
               </a:lnSpc>
@@ -6038,10 +5277,7 @@
               <a:t>Our training and testing data are somewhat working the same as we are expecting from our calculation. </a:t>
             </a:r>
             <a:endParaRPr b="0" lang="en-US" sz="1800" spc="-1" strike="noStrike">
-              <a:solidFill>
-                <a:srgbClr val="ffffff"/>
-              </a:solidFill>
-              <a:latin typeface="Book Antiqua"/>
+              <a:latin typeface="Arial"/>
             </a:endParaRPr>
           </a:p>
           <a:p>
@@ -6054,10 +5290,7 @@
               </a:spcBef>
             </a:pPr>
             <a:endParaRPr b="0" lang="en-US" sz="1800" spc="-1" strike="noStrike">
-              <a:solidFill>
-                <a:srgbClr val="ffffff"/>
-              </a:solidFill>
-              <a:latin typeface="Book Antiqua"/>
+              <a:latin typeface="Arial"/>
             </a:endParaRPr>
           </a:p>
           <a:p>
@@ -6070,17 +5303,14 @@
               </a:spcBef>
             </a:pPr>
             <a:endParaRPr b="0" lang="en-US" sz="1800" spc="-1" strike="noStrike">
-              <a:solidFill>
-                <a:srgbClr val="ffffff"/>
-              </a:solidFill>
-              <a:latin typeface="Book Antiqua"/>
+              <a:latin typeface="Arial"/>
             </a:endParaRPr>
           </a:p>
         </p:txBody>
       </p:sp>
       <p:pic>
         <p:nvPicPr>
-          <p:cNvPr id="149" name="Image7" descr=""/>
+          <p:cNvPr id="143" name="Image7" descr=""/>
           <p:cNvPicPr/>
           <p:nvPr/>
         </p:nvPicPr>
@@ -6091,7 +5321,7 @@
         <p:spPr>
           <a:xfrm>
             <a:off x="1000080" y="1285920"/>
-            <a:ext cx="7071840" cy="5000400"/>
+            <a:ext cx="7071480" cy="5000040"/>
           </a:xfrm>
           <a:prstGeom prst="rect">
             <a:avLst/>
@@ -6133,14 +5363,14 @@
       </p:grpSpPr>
       <p:sp>
         <p:nvSpPr>
-          <p:cNvPr id="150" name="TextShape 1"/>
-          <p:cNvSpPr txBox="1"/>
+          <p:cNvPr id="144" name="CustomShape 1"/>
+          <p:cNvSpPr/>
           <p:nvPr/>
         </p:nvSpPr>
         <p:spPr>
           <a:xfrm>
             <a:off x="457200" y="274680"/>
-            <a:ext cx="8229240" cy="367920"/>
+            <a:ext cx="8228880" cy="367560"/>
           </a:xfrm>
           <a:prstGeom prst="rect">
             <a:avLst/>
@@ -6150,6 +5380,12 @@
             <a:noFill/>
           </a:ln>
         </p:spPr>
+        <p:style>
+          <a:lnRef idx="0"/>
+          <a:fillRef idx="0"/>
+          <a:effectRef idx="0"/>
+          <a:fontRef idx="minor"/>
+        </p:style>
         <p:txBody>
           <a:bodyPr lIns="90000" rIns="90000" tIns="45000" bIns="45000" anchor="ctr">
             <a:normAutofit fontScale="32000"/>
@@ -6170,24 +5406,21 @@
               <a:t> </a:t>
             </a:r>
             <a:endParaRPr b="0" lang="en-US" sz="4100" spc="-1" strike="noStrike">
-              <a:solidFill>
-                <a:srgbClr val="ffffff"/>
-              </a:solidFill>
-              <a:latin typeface="Book Antiqua"/>
-            </a:endParaRPr>
-          </a:p>
-        </p:txBody>
-      </p:sp>
-      <p:sp>
-        <p:nvSpPr>
-          <p:cNvPr id="151" name="TextShape 2"/>
-          <p:cNvSpPr txBox="1"/>
+              <a:latin typeface="Arial"/>
+            </a:endParaRPr>
+          </a:p>
+        </p:txBody>
+      </p:sp>
+      <p:sp>
+        <p:nvSpPr>
+          <p:cNvPr id="145" name="CustomShape 2"/>
+          <p:cNvSpPr/>
           <p:nvPr/>
         </p:nvSpPr>
         <p:spPr>
           <a:xfrm>
             <a:off x="457200" y="357120"/>
-            <a:ext cx="8229240" cy="5951880"/>
+            <a:ext cx="8228880" cy="5951520"/>
           </a:xfrm>
           <a:prstGeom prst="rect">
             <a:avLst/>
@@ -6197,6 +5430,12 @@
             <a:noFill/>
           </a:ln>
         </p:spPr>
+        <p:style>
+          <a:lnRef idx="0"/>
+          <a:fillRef idx="0"/>
+          <a:effectRef idx="0"/>
+          <a:fontRef idx="minor"/>
+        </p:style>
         <p:txBody>
           <a:bodyPr lIns="90000" rIns="90000" tIns="45000" bIns="45000">
             <a:normAutofit/>
@@ -6220,14 +5459,11 @@
               <a:t>Testing out the model</a:t>
             </a:r>
             <a:endParaRPr b="0" lang="en-US" sz="1800" spc="-1" strike="noStrike">
-              <a:solidFill>
-                <a:srgbClr val="ffffff"/>
-              </a:solidFill>
-              <a:latin typeface="Book Antiqua"/>
-            </a:endParaRPr>
-          </a:p>
-          <a:p>
-            <a:pPr marL="548640" indent="-411120">
+              <a:latin typeface="Arial"/>
+            </a:endParaRPr>
+          </a:p>
+          <a:p>
+            <a:pPr marL="548640" indent="-410760">
               <a:lnSpc>
                 <a:spcPct val="100000"/>
               </a:lnSpc>
@@ -6251,10 +5487,7 @@
               <a:t>Our model prediction accuracy is good enough as the data grows up model needs to be re-tuned.</a:t>
             </a:r>
             <a:endParaRPr b="0" lang="en-US" sz="1800" spc="-1" strike="noStrike">
-              <a:solidFill>
-                <a:srgbClr val="ffffff"/>
-              </a:solidFill>
-              <a:latin typeface="Book Antiqua"/>
+              <a:latin typeface="Arial"/>
             </a:endParaRPr>
           </a:p>
           <a:p>
@@ -6267,17 +5500,14 @@
               </a:spcBef>
             </a:pPr>
             <a:endParaRPr b="0" lang="en-US" sz="1800" spc="-1" strike="noStrike">
-              <a:solidFill>
-                <a:srgbClr val="ffffff"/>
-              </a:solidFill>
-              <a:latin typeface="Book Antiqua"/>
+              <a:latin typeface="Arial"/>
             </a:endParaRPr>
           </a:p>
         </p:txBody>
       </p:sp>
       <p:pic>
         <p:nvPicPr>
-          <p:cNvPr id="152" name="Image8" descr=""/>
+          <p:cNvPr id="146" name="Image8" descr=""/>
           <p:cNvPicPr/>
           <p:nvPr/>
         </p:nvPicPr>
@@ -6288,7 +5518,7 @@
         <p:spPr>
           <a:xfrm>
             <a:off x="1071360" y="1428840"/>
-            <a:ext cx="7071840" cy="4857480"/>
+            <a:ext cx="7071480" cy="4857120"/>
           </a:xfrm>
           <a:prstGeom prst="rect">
             <a:avLst/>
@@ -6330,14 +5560,14 @@
       </p:grpSpPr>
       <p:sp>
         <p:nvSpPr>
-          <p:cNvPr id="153" name="TextShape 1"/>
-          <p:cNvSpPr txBox="1"/>
+          <p:cNvPr id="147" name="CustomShape 1"/>
+          <p:cNvSpPr/>
           <p:nvPr/>
         </p:nvSpPr>
         <p:spPr>
           <a:xfrm>
             <a:off x="457200" y="274680"/>
-            <a:ext cx="8229240" cy="725040"/>
+            <a:ext cx="8228880" cy="724680"/>
           </a:xfrm>
           <a:prstGeom prst="rect">
             <a:avLst/>
@@ -6347,6 +5577,12 @@
             <a:noFill/>
           </a:ln>
         </p:spPr>
+        <p:style>
+          <a:lnRef idx="0"/>
+          <a:fillRef idx="0"/>
+          <a:effectRef idx="0"/>
+          <a:fontRef idx="minor"/>
+        </p:style>
         <p:txBody>
           <a:bodyPr lIns="90000" rIns="90000" tIns="45000" bIns="45000" anchor="ctr">
             <a:noAutofit/>
@@ -6368,24 +5604,21 @@
               <a:t>Discussion</a:t>
             </a:r>
             <a:endParaRPr b="0" lang="en-US" sz="4100" spc="-1" strike="noStrike">
-              <a:solidFill>
-                <a:srgbClr val="ffffff"/>
-              </a:solidFill>
-              <a:latin typeface="Book Antiqua"/>
-            </a:endParaRPr>
-          </a:p>
-        </p:txBody>
-      </p:sp>
-      <p:sp>
-        <p:nvSpPr>
-          <p:cNvPr id="154" name="TextShape 2"/>
-          <p:cNvSpPr txBox="1"/>
+              <a:latin typeface="Arial"/>
+            </a:endParaRPr>
+          </a:p>
+        </p:txBody>
+      </p:sp>
+      <p:sp>
+        <p:nvSpPr>
+          <p:cNvPr id="148" name="CustomShape 2"/>
+          <p:cNvSpPr/>
           <p:nvPr/>
         </p:nvSpPr>
         <p:spPr>
           <a:xfrm>
             <a:off x="457200" y="1071720"/>
-            <a:ext cx="8229240" cy="5237280"/>
+            <a:ext cx="8228880" cy="5236920"/>
           </a:xfrm>
           <a:prstGeom prst="rect">
             <a:avLst/>
@@ -6395,12 +5628,18 @@
             <a:noFill/>
           </a:ln>
         </p:spPr>
+        <p:style>
+          <a:lnRef idx="0"/>
+          <a:fillRef idx="0"/>
+          <a:effectRef idx="0"/>
+          <a:fontRef idx="minor"/>
+        </p:style>
         <p:txBody>
           <a:bodyPr lIns="90000" rIns="90000" tIns="45000" bIns="45000">
             <a:normAutofit/>
           </a:bodyPr>
           <a:p>
-            <a:pPr marL="548640" indent="-411120">
+            <a:pPr marL="548640" indent="-410760">
               <a:lnSpc>
                 <a:spcPct val="100000"/>
               </a:lnSpc>
@@ -6433,10 +5672,7 @@
               <a:t>.</a:t>
             </a:r>
             <a:endParaRPr b="0" lang="en-US" sz="1800" spc="-1" strike="noStrike">
-              <a:solidFill>
-                <a:srgbClr val="ffffff"/>
-              </a:solidFill>
-              <a:latin typeface="Book Antiqua"/>
+              <a:latin typeface="Arial"/>
             </a:endParaRPr>
           </a:p>
           <a:p>
@@ -6449,14 +5685,11 @@
               </a:spcBef>
             </a:pPr>
             <a:endParaRPr b="0" lang="en-US" sz="1800" spc="-1" strike="noStrike">
-              <a:solidFill>
-                <a:srgbClr val="ffffff"/>
-              </a:solidFill>
-              <a:latin typeface="Book Antiqua"/>
-            </a:endParaRPr>
-          </a:p>
-          <a:p>
-            <a:pPr marL="548640" indent="-411120">
+              <a:latin typeface="Arial"/>
+            </a:endParaRPr>
+          </a:p>
+          <a:p>
+            <a:pPr marL="548640" indent="-410760">
               <a:lnSpc>
                 <a:spcPct val="100000"/>
               </a:lnSpc>
@@ -6480,10 +5713,7 @@
               <a:t>There were various variables which should be selected because it plays some vital roles in so many cases but since our project is a model, we took only those variables, on which our model depends more.</a:t>
             </a:r>
             <a:endParaRPr b="0" lang="en-US" sz="1800" spc="-1" strike="noStrike">
-              <a:solidFill>
-                <a:srgbClr val="ffffff"/>
-              </a:solidFill>
-              <a:latin typeface="Book Antiqua"/>
+              <a:latin typeface="Arial"/>
             </a:endParaRPr>
           </a:p>
           <a:p>
@@ -6496,14 +5726,11 @@
               </a:spcBef>
             </a:pPr>
             <a:endParaRPr b="0" lang="en-US" sz="1800" spc="-1" strike="noStrike">
-              <a:solidFill>
-                <a:srgbClr val="ffffff"/>
-              </a:solidFill>
-              <a:latin typeface="Book Antiqua"/>
-            </a:endParaRPr>
-          </a:p>
-          <a:p>
-            <a:pPr marL="548640" indent="-411120">
+              <a:latin typeface="Arial"/>
+            </a:endParaRPr>
+          </a:p>
+          <a:p>
+            <a:pPr marL="548640" indent="-410760">
               <a:lnSpc>
                 <a:spcPct val="100000"/>
               </a:lnSpc>
@@ -6527,10 +5754,7 @@
               <a:t>Well in terms of hardware, we can also choose other resources like Raspberry Pi which would be good for our project but the fact is that, due to less accessibility, we are using  Arduino with a Wi-Fi board in upcoming semester.</a:t>
             </a:r>
             <a:endParaRPr b="0" lang="en-US" sz="1800" spc="-1" strike="noStrike">
-              <a:solidFill>
-                <a:srgbClr val="ffffff"/>
-              </a:solidFill>
-              <a:latin typeface="Book Antiqua"/>
+              <a:latin typeface="Arial"/>
             </a:endParaRPr>
           </a:p>
           <a:p>
@@ -6543,14 +5767,11 @@
               </a:spcBef>
             </a:pPr>
             <a:endParaRPr b="0" lang="en-US" sz="1800" spc="-1" strike="noStrike">
-              <a:solidFill>
-                <a:srgbClr val="ffffff"/>
-              </a:solidFill>
-              <a:latin typeface="Book Antiqua"/>
-            </a:endParaRPr>
-          </a:p>
-          <a:p>
-            <a:pPr marL="548640" indent="-411120">
+              <a:latin typeface="Arial"/>
+            </a:endParaRPr>
+          </a:p>
+          <a:p>
+            <a:pPr marL="548640" indent="-410760">
               <a:lnSpc>
                 <a:spcPct val="100000"/>
               </a:lnSpc>
@@ -6574,10 +5795,7 @@
               <a:t>If this project raises upto our expectations, then we will consider all the points and try to find an optimal solution to both hardware and software resources and also increase the number of variables and sensors.</a:t>
             </a:r>
             <a:endParaRPr b="0" lang="en-US" sz="1800" spc="-1" strike="noStrike">
-              <a:solidFill>
-                <a:srgbClr val="ffffff"/>
-              </a:solidFill>
-              <a:latin typeface="Book Antiqua"/>
+              <a:latin typeface="Arial"/>
             </a:endParaRPr>
           </a:p>
         </p:txBody>
@@ -6614,14 +5832,14 @@
       </p:grpSpPr>
       <p:sp>
         <p:nvSpPr>
-          <p:cNvPr id="155" name="TextShape 1"/>
-          <p:cNvSpPr txBox="1"/>
+          <p:cNvPr id="149" name="CustomShape 1"/>
+          <p:cNvSpPr/>
           <p:nvPr/>
         </p:nvSpPr>
         <p:spPr>
           <a:xfrm>
             <a:off x="457200" y="274680"/>
-            <a:ext cx="8229240" cy="1142640"/>
+            <a:ext cx="8228880" cy="1142280"/>
           </a:xfrm>
           <a:prstGeom prst="rect">
             <a:avLst/>
@@ -6631,6 +5849,12 @@
             <a:noFill/>
           </a:ln>
         </p:spPr>
+        <p:style>
+          <a:lnRef idx="0"/>
+          <a:fillRef idx="0"/>
+          <a:effectRef idx="0"/>
+          <a:fontRef idx="minor"/>
+        </p:style>
         <p:txBody>
           <a:bodyPr lIns="90000" rIns="90000" tIns="45000" bIns="45000" anchor="ctr">
             <a:noAutofit/>
@@ -6652,24 +5876,21 @@
               <a:t>Future Work</a:t>
             </a:r>
             <a:endParaRPr b="0" lang="en-US" sz="4100" spc="-1" strike="noStrike">
-              <a:solidFill>
-                <a:srgbClr val="ffffff"/>
-              </a:solidFill>
-              <a:latin typeface="Book Antiqua"/>
-            </a:endParaRPr>
-          </a:p>
-        </p:txBody>
-      </p:sp>
-      <p:sp>
-        <p:nvSpPr>
-          <p:cNvPr id="156" name="TextShape 2"/>
-          <p:cNvSpPr txBox="1"/>
+              <a:latin typeface="Arial"/>
+            </a:endParaRPr>
+          </a:p>
+        </p:txBody>
+      </p:sp>
+      <p:sp>
+        <p:nvSpPr>
+          <p:cNvPr id="150" name="CustomShape 2"/>
+          <p:cNvSpPr/>
           <p:nvPr/>
         </p:nvSpPr>
         <p:spPr>
           <a:xfrm>
             <a:off x="457200" y="1600200"/>
-            <a:ext cx="8229240" cy="4708800"/>
+            <a:ext cx="8228880" cy="4708440"/>
           </a:xfrm>
           <a:prstGeom prst="rect">
             <a:avLst/>
@@ -6679,12 +5900,18 @@
             <a:noFill/>
           </a:ln>
         </p:spPr>
+        <p:style>
+          <a:lnRef idx="0"/>
+          <a:fillRef idx="0"/>
+          <a:effectRef idx="0"/>
+          <a:fontRef idx="minor"/>
+        </p:style>
         <p:txBody>
           <a:bodyPr lIns="90000" rIns="90000" tIns="45000" bIns="45000">
             <a:noAutofit/>
           </a:bodyPr>
           <a:p>
-            <a:pPr marL="548640" indent="-411120">
+            <a:pPr marL="548640" indent="-410760">
               <a:lnSpc>
                 <a:spcPct val="100000"/>
               </a:lnSpc>
@@ -6708,14 +5935,11 @@
               <a:t>Hardware Development</a:t>
             </a:r>
             <a:endParaRPr b="0" lang="en-US" sz="2800" spc="-1" strike="noStrike">
-              <a:solidFill>
-                <a:srgbClr val="ffffff"/>
-              </a:solidFill>
-              <a:latin typeface="Book Antiqua"/>
-            </a:endParaRPr>
-          </a:p>
-          <a:p>
-            <a:pPr marL="548640" indent="-411120">
+              <a:latin typeface="Arial"/>
+            </a:endParaRPr>
+          </a:p>
+          <a:p>
+            <a:pPr marL="548640" indent="-410760">
               <a:lnSpc>
                 <a:spcPct val="100000"/>
               </a:lnSpc>
@@ -6739,14 +5963,11 @@
               <a:t>Arduino program</a:t>
             </a:r>
             <a:endParaRPr b="0" lang="en-US" sz="2800" spc="-1" strike="noStrike">
-              <a:solidFill>
-                <a:srgbClr val="ffffff"/>
-              </a:solidFill>
-              <a:latin typeface="Book Antiqua"/>
-            </a:endParaRPr>
-          </a:p>
-          <a:p>
-            <a:pPr marL="548640" indent="-411120">
+              <a:latin typeface="Arial"/>
+            </a:endParaRPr>
+          </a:p>
+          <a:p>
+            <a:pPr marL="548640" indent="-410760">
               <a:lnSpc>
                 <a:spcPct val="100000"/>
               </a:lnSpc>
@@ -6770,14 +5991,11 @@
               <a:t>Web Application (Frontend and Backend)</a:t>
             </a:r>
             <a:endParaRPr b="0" lang="en-US" sz="2800" spc="-1" strike="noStrike">
-              <a:solidFill>
-                <a:srgbClr val="ffffff"/>
-              </a:solidFill>
-              <a:latin typeface="Book Antiqua"/>
-            </a:endParaRPr>
-          </a:p>
-          <a:p>
-            <a:pPr marL="548640" indent="-411120">
+              <a:latin typeface="Arial"/>
+            </a:endParaRPr>
+          </a:p>
+          <a:p>
+            <a:pPr marL="548640" indent="-410760">
               <a:lnSpc>
                 <a:spcPct val="100000"/>
               </a:lnSpc>
@@ -6801,10 +6019,7 @@
               <a:t>Deployment</a:t>
             </a:r>
             <a:endParaRPr b="0" lang="en-US" sz="2800" spc="-1" strike="noStrike">
-              <a:solidFill>
-                <a:srgbClr val="ffffff"/>
-              </a:solidFill>
-              <a:latin typeface="Book Antiqua"/>
+              <a:latin typeface="Arial"/>
             </a:endParaRPr>
           </a:p>
         </p:txBody>
@@ -6841,14 +6056,14 @@
       </p:grpSpPr>
       <p:sp>
         <p:nvSpPr>
-          <p:cNvPr id="85" name="TextShape 1"/>
-          <p:cNvSpPr txBox="1"/>
+          <p:cNvPr id="79" name="CustomShape 1"/>
+          <p:cNvSpPr/>
           <p:nvPr/>
         </p:nvSpPr>
         <p:spPr>
           <a:xfrm>
             <a:off x="457200" y="274680"/>
-            <a:ext cx="8229240" cy="1142640"/>
+            <a:ext cx="8228880" cy="1142280"/>
           </a:xfrm>
           <a:prstGeom prst="rect">
             <a:avLst/>
@@ -6858,6 +6073,12 @@
             <a:noFill/>
           </a:ln>
         </p:spPr>
+        <p:style>
+          <a:lnRef idx="0"/>
+          <a:fillRef idx="0"/>
+          <a:effectRef idx="0"/>
+          <a:fontRef idx="minor"/>
+        </p:style>
         <p:txBody>
           <a:bodyPr lIns="90000" rIns="90000" tIns="45000" bIns="45000" anchor="ctr">
             <a:noAutofit/>
@@ -6879,24 +6100,21 @@
               <a:t>ABSTRACT</a:t>
             </a:r>
             <a:endParaRPr b="0" lang="en-US" sz="4100" spc="-1" strike="noStrike">
-              <a:solidFill>
-                <a:srgbClr val="ffffff"/>
-              </a:solidFill>
-              <a:latin typeface="Book Antiqua"/>
-            </a:endParaRPr>
-          </a:p>
-        </p:txBody>
-      </p:sp>
-      <p:sp>
-        <p:nvSpPr>
-          <p:cNvPr id="86" name="TextShape 2"/>
-          <p:cNvSpPr txBox="1"/>
+              <a:latin typeface="Arial"/>
+            </a:endParaRPr>
+          </a:p>
+        </p:txBody>
+      </p:sp>
+      <p:sp>
+        <p:nvSpPr>
+          <p:cNvPr id="80" name="CustomShape 2"/>
+          <p:cNvSpPr/>
           <p:nvPr/>
         </p:nvSpPr>
         <p:spPr>
           <a:xfrm>
             <a:off x="457200" y="1600200"/>
-            <a:ext cx="8229240" cy="5043240"/>
+            <a:ext cx="8228880" cy="5042880"/>
           </a:xfrm>
           <a:prstGeom prst="rect">
             <a:avLst/>
@@ -6906,12 +6124,18 @@
             <a:noFill/>
           </a:ln>
         </p:spPr>
+        <p:style>
+          <a:lnRef idx="0"/>
+          <a:fillRef idx="0"/>
+          <a:effectRef idx="0"/>
+          <a:fontRef idx="minor"/>
+        </p:style>
         <p:txBody>
           <a:bodyPr lIns="90000" rIns="90000" tIns="45000" bIns="45000">
-            <a:normAutofit fontScale="94000"/>
-          </a:bodyPr>
-          <a:p>
-            <a:pPr marL="548640" indent="-411120">
+            <a:normAutofit fontScale="97000"/>
+          </a:bodyPr>
+          <a:p>
+            <a:pPr marL="548640" indent="-410760">
               <a:lnSpc>
                 <a:spcPct val="100000"/>
               </a:lnSpc>
@@ -6935,10 +6159,7 @@
               <a:t>Cardiovascular disease is one of the most fatal conditions in the present world.</a:t>
             </a:r>
             <a:endParaRPr b="0" lang="en-US" sz="1800" spc="-1" strike="noStrike">
-              <a:solidFill>
-                <a:srgbClr val="ffffff"/>
-              </a:solidFill>
-              <a:latin typeface="Book Antiqua"/>
+              <a:latin typeface="Arial"/>
             </a:endParaRPr>
           </a:p>
           <a:p>
@@ -6951,14 +6172,11 @@
               </a:spcBef>
             </a:pPr>
             <a:endParaRPr b="0" lang="en-US" sz="1800" spc="-1" strike="noStrike">
-              <a:solidFill>
-                <a:srgbClr val="ffffff"/>
-              </a:solidFill>
-              <a:latin typeface="Book Antiqua"/>
-            </a:endParaRPr>
-          </a:p>
-          <a:p>
-            <a:pPr marL="548640" indent="-411120">
+              <a:latin typeface="Arial"/>
+            </a:endParaRPr>
+          </a:p>
+          <a:p>
+            <a:pPr marL="548640" indent="-410760">
               <a:lnSpc>
                 <a:spcPct val="100000"/>
               </a:lnSpc>
@@ -6982,10 +6200,7 @@
               <a:t>Statistical data display the lethality of this disease by revealing the percentage of deaths worldwide caused due to heart attacks.</a:t>
             </a:r>
             <a:endParaRPr b="0" lang="en-US" sz="1800" spc="-1" strike="noStrike">
-              <a:solidFill>
-                <a:srgbClr val="ffffff"/>
-              </a:solidFill>
-              <a:latin typeface="Book Antiqua"/>
+              <a:latin typeface="Arial"/>
             </a:endParaRPr>
           </a:p>
           <a:p>
@@ -6998,14 +6213,11 @@
               </a:spcBef>
             </a:pPr>
             <a:endParaRPr b="0" lang="en-US" sz="1800" spc="-1" strike="noStrike">
-              <a:solidFill>
-                <a:srgbClr val="ffffff"/>
-              </a:solidFill>
-              <a:latin typeface="Book Antiqua"/>
-            </a:endParaRPr>
-          </a:p>
-          <a:p>
-            <a:pPr marL="548640" indent="-411120">
+              <a:latin typeface="Arial"/>
+            </a:endParaRPr>
+          </a:p>
+          <a:p>
+            <a:pPr marL="548640" indent="-410760">
               <a:lnSpc>
                 <a:spcPct val="100000"/>
               </a:lnSpc>
@@ -7029,10 +6241,7 @@
               <a:t>Thus, there is an implicit necessity to predict the condition at the earliest.</a:t>
             </a:r>
             <a:endParaRPr b="0" lang="en-US" sz="1800" spc="-1" strike="noStrike">
-              <a:solidFill>
-                <a:srgbClr val="ffffff"/>
-              </a:solidFill>
-              <a:latin typeface="Book Antiqua"/>
+              <a:latin typeface="Arial"/>
             </a:endParaRPr>
           </a:p>
           <a:p>
@@ -7045,14 +6254,11 @@
               </a:spcBef>
             </a:pPr>
             <a:endParaRPr b="0" lang="en-US" sz="1800" spc="-1" strike="noStrike">
-              <a:solidFill>
-                <a:srgbClr val="ffffff"/>
-              </a:solidFill>
-              <a:latin typeface="Book Antiqua"/>
-            </a:endParaRPr>
-          </a:p>
-          <a:p>
-            <a:pPr marL="548640" indent="-411120">
+              <a:latin typeface="Arial"/>
+            </a:endParaRPr>
+          </a:p>
+          <a:p>
+            <a:pPr marL="548640" indent="-410760">
               <a:lnSpc>
                 <a:spcPct val="100000"/>
               </a:lnSpc>
@@ -7076,10 +6282,7 @@
               <a:t>By utilizing the patients medical records, a new system is proposed to predict the chances of a person encounters with ‘Heart Attack’.</a:t>
             </a:r>
             <a:endParaRPr b="0" lang="en-US" sz="1800" spc="-1" strike="noStrike">
-              <a:solidFill>
-                <a:srgbClr val="ffffff"/>
-              </a:solidFill>
-              <a:latin typeface="Book Antiqua"/>
+              <a:latin typeface="Arial"/>
             </a:endParaRPr>
           </a:p>
           <a:p>
@@ -7092,14 +6295,11 @@
               </a:spcBef>
             </a:pPr>
             <a:endParaRPr b="0" lang="en-US" sz="1800" spc="-1" strike="noStrike">
-              <a:solidFill>
-                <a:srgbClr val="ffffff"/>
-              </a:solidFill>
-              <a:latin typeface="Book Antiqua"/>
-            </a:endParaRPr>
-          </a:p>
-          <a:p>
-            <a:pPr marL="548640" indent="-411120">
+              <a:latin typeface="Arial"/>
+            </a:endParaRPr>
+          </a:p>
+          <a:p>
+            <a:pPr marL="548640" indent="-410760">
               <a:lnSpc>
                 <a:spcPct val="100000"/>
               </a:lnSpc>
@@ -7123,10 +6323,7 @@
               <a:t>Variables such as Age, Sex, Blood Pressure, Heart Rate, Cholesterol Level etc. are fed into this model which is used to predict the risk of person having Heart Attack.</a:t>
             </a:r>
             <a:endParaRPr b="0" lang="en-US" sz="1800" spc="-1" strike="noStrike">
-              <a:solidFill>
-                <a:srgbClr val="ffffff"/>
-              </a:solidFill>
-              <a:latin typeface="Book Antiqua"/>
+              <a:latin typeface="Arial"/>
             </a:endParaRPr>
           </a:p>
           <a:p>
@@ -7139,14 +6336,11 @@
               </a:spcBef>
             </a:pPr>
             <a:endParaRPr b="0" lang="en-US" sz="1800" spc="-1" strike="noStrike">
-              <a:solidFill>
-                <a:srgbClr val="ffffff"/>
-              </a:solidFill>
-              <a:latin typeface="Book Antiqua"/>
-            </a:endParaRPr>
-          </a:p>
-          <a:p>
-            <a:pPr marL="548640" indent="-411120">
+              <a:latin typeface="Arial"/>
+            </a:endParaRPr>
+          </a:p>
+          <a:p>
+            <a:pPr marL="548640" indent="-410760">
               <a:lnSpc>
                 <a:spcPct val="100000"/>
               </a:lnSpc>
@@ -7170,10 +6364,7 @@
               <a:t>Our model is based on SVM (Support Vector Machine) Algorithm which has given the highest accuracy among other algorithms.</a:t>
             </a:r>
             <a:endParaRPr b="0" lang="en-US" sz="1800" spc="-1" strike="noStrike">
-              <a:solidFill>
-                <a:srgbClr val="ffffff"/>
-              </a:solidFill>
-              <a:latin typeface="Book Antiqua"/>
+              <a:latin typeface="Arial"/>
             </a:endParaRPr>
           </a:p>
           <a:p>
@@ -7186,14 +6377,11 @@
               </a:spcBef>
             </a:pPr>
             <a:endParaRPr b="0" lang="en-US" sz="1800" spc="-1" strike="noStrike">
-              <a:solidFill>
-                <a:srgbClr val="ffffff"/>
-              </a:solidFill>
-              <a:latin typeface="Book Antiqua"/>
-            </a:endParaRPr>
-          </a:p>
-          <a:p>
-            <a:pPr marL="548640" indent="-411120">
+              <a:latin typeface="Arial"/>
+            </a:endParaRPr>
+          </a:p>
+          <a:p>
+            <a:pPr marL="548640" indent="-410760">
               <a:lnSpc>
                 <a:spcPct val="100000"/>
               </a:lnSpc>
@@ -7226,10 +6414,7 @@
               <a:t>.</a:t>
             </a:r>
             <a:endParaRPr b="0" lang="en-US" sz="2000" spc="-1" strike="noStrike">
-              <a:solidFill>
-                <a:srgbClr val="ffffff"/>
-              </a:solidFill>
-              <a:latin typeface="Book Antiqua"/>
+              <a:latin typeface="Arial"/>
             </a:endParaRPr>
           </a:p>
           <a:p>
@@ -7242,10 +6427,7 @@
               </a:spcBef>
             </a:pPr>
             <a:endParaRPr b="0" lang="en-US" sz="2000" spc="-1" strike="noStrike">
-              <a:solidFill>
-                <a:srgbClr val="ffffff"/>
-              </a:solidFill>
-              <a:latin typeface="Book Antiqua"/>
+              <a:latin typeface="Arial"/>
             </a:endParaRPr>
           </a:p>
         </p:txBody>
@@ -7282,14 +6464,14 @@
       </p:grpSpPr>
       <p:sp>
         <p:nvSpPr>
-          <p:cNvPr id="157" name="TextShape 1"/>
-          <p:cNvSpPr txBox="1"/>
+          <p:cNvPr id="151" name="CustomShape 1"/>
+          <p:cNvSpPr/>
           <p:nvPr/>
         </p:nvSpPr>
         <p:spPr>
           <a:xfrm>
             <a:off x="457200" y="274680"/>
-            <a:ext cx="8229240" cy="1142640"/>
+            <a:ext cx="8228880" cy="1142280"/>
           </a:xfrm>
           <a:prstGeom prst="rect">
             <a:avLst/>
@@ -7299,6 +6481,12 @@
             <a:noFill/>
           </a:ln>
         </p:spPr>
+        <p:style>
+          <a:lnRef idx="0"/>
+          <a:fillRef idx="0"/>
+          <a:effectRef idx="0"/>
+          <a:fontRef idx="minor"/>
+        </p:style>
         <p:txBody>
           <a:bodyPr lIns="90000" rIns="90000" tIns="45000" bIns="45000" anchor="ctr">
             <a:noAutofit/>
@@ -7320,24 +6508,21 @@
               <a:t>References and Bibliography</a:t>
             </a:r>
             <a:endParaRPr b="0" lang="en-US" sz="4100" spc="-1" strike="noStrike">
-              <a:solidFill>
-                <a:srgbClr val="ffffff"/>
-              </a:solidFill>
-              <a:latin typeface="Book Antiqua"/>
-            </a:endParaRPr>
-          </a:p>
-        </p:txBody>
-      </p:sp>
-      <p:sp>
-        <p:nvSpPr>
-          <p:cNvPr id="158" name="TextShape 2"/>
-          <p:cNvSpPr txBox="1"/>
+              <a:latin typeface="Arial"/>
+            </a:endParaRPr>
+          </a:p>
+        </p:txBody>
+      </p:sp>
+      <p:sp>
+        <p:nvSpPr>
+          <p:cNvPr id="152" name="CustomShape 2"/>
+          <p:cNvSpPr/>
           <p:nvPr/>
         </p:nvSpPr>
         <p:spPr>
           <a:xfrm>
             <a:off x="457200" y="1600200"/>
-            <a:ext cx="8229240" cy="4708800"/>
+            <a:ext cx="8228880" cy="4708440"/>
           </a:xfrm>
           <a:prstGeom prst="rect">
             <a:avLst/>
@@ -7347,12 +6532,18 @@
             <a:noFill/>
           </a:ln>
         </p:spPr>
+        <p:style>
+          <a:lnRef idx="0"/>
+          <a:fillRef idx="0"/>
+          <a:effectRef idx="0"/>
+          <a:fontRef idx="minor"/>
+        </p:style>
         <p:txBody>
           <a:bodyPr lIns="90000" rIns="90000" tIns="45000" bIns="45000">
             <a:normAutofit fontScale="45000"/>
           </a:bodyPr>
           <a:p>
-            <a:pPr marL="548640" indent="-411120">
+            <a:pPr marL="548640" indent="-410760">
               <a:lnSpc>
                 <a:spcPct val="100000"/>
               </a:lnSpc>
@@ -7376,14 +6567,11 @@
               <a:t>Sample References: </a:t>
             </a:r>
             <a:endParaRPr b="0" lang="en-US" sz="2600" spc="-1" strike="noStrike">
-              <a:solidFill>
-                <a:srgbClr val="ffffff"/>
-              </a:solidFill>
-              <a:latin typeface="Book Antiqua"/>
-            </a:endParaRPr>
-          </a:p>
-          <a:p>
-            <a:pPr marL="548640" indent="-411120">
+              <a:latin typeface="Arial"/>
+            </a:endParaRPr>
+          </a:p>
+          <a:p>
+            <a:pPr marL="548640" indent="-410760">
               <a:lnSpc>
                 <a:spcPct val="100000"/>
               </a:lnSpc>
@@ -7407,14 +6595,11 @@
               <a:t>1. M. Sanjeev Arulampalam, Simon Maskell, Neil Gordon, and Tim Clapp, “A tutorial on </a:t>
             </a:r>
             <a:endParaRPr b="0" lang="en-US" sz="2600" spc="-1" strike="noStrike">
-              <a:solidFill>
-                <a:srgbClr val="ffffff"/>
-              </a:solidFill>
-              <a:latin typeface="Book Antiqua"/>
-            </a:endParaRPr>
-          </a:p>
-          <a:p>
-            <a:pPr marL="548640" indent="-411120">
+              <a:latin typeface="Arial"/>
+            </a:endParaRPr>
+          </a:p>
+          <a:p>
+            <a:pPr marL="548640" indent="-410760">
               <a:lnSpc>
                 <a:spcPct val="100000"/>
               </a:lnSpc>
@@ -7438,14 +6623,11 @@
               <a:t>particle filters for online nonlinear/non-Gaussian Bayesian tracking”, IEEE Transactions </a:t>
             </a:r>
             <a:endParaRPr b="0" lang="en-US" sz="2600" spc="-1" strike="noStrike">
-              <a:solidFill>
-                <a:srgbClr val="ffffff"/>
-              </a:solidFill>
-              <a:latin typeface="Book Antiqua"/>
-            </a:endParaRPr>
-          </a:p>
-          <a:p>
-            <a:pPr marL="548640" indent="-411120">
+              <a:latin typeface="Arial"/>
+            </a:endParaRPr>
+          </a:p>
+          <a:p>
+            <a:pPr marL="548640" indent="-410760">
               <a:lnSpc>
                 <a:spcPct val="100000"/>
               </a:lnSpc>
@@ -7469,14 +6651,11 @@
               <a:t>on Signal Processing, Vol. 50, No. 2, pp:174-188, Feb’ 2002. </a:t>
             </a:r>
             <a:endParaRPr b="0" lang="en-US" sz="2600" spc="-1" strike="noStrike">
-              <a:solidFill>
-                <a:srgbClr val="ffffff"/>
-              </a:solidFill>
-              <a:latin typeface="Book Antiqua"/>
-            </a:endParaRPr>
-          </a:p>
-          <a:p>
-            <a:pPr marL="548640" indent="-411120">
+              <a:latin typeface="Arial"/>
+            </a:endParaRPr>
+          </a:p>
+          <a:p>
+            <a:pPr marL="548640" indent="-410760">
               <a:lnSpc>
                 <a:spcPct val="100000"/>
               </a:lnSpc>
@@ -7500,14 +6679,11 @@
               <a:t>2. R. N. Banavar, J. L. Speyer, “Properties of Risk-Sensitive Filters/Estimators”, IEEE </a:t>
             </a:r>
             <a:endParaRPr b="0" lang="en-US" sz="2600" spc="-1" strike="noStrike">
-              <a:solidFill>
-                <a:srgbClr val="ffffff"/>
-              </a:solidFill>
-              <a:latin typeface="Book Antiqua"/>
-            </a:endParaRPr>
-          </a:p>
-          <a:p>
-            <a:pPr marL="548640" indent="-411120">
+              <a:latin typeface="Arial"/>
+            </a:endParaRPr>
+          </a:p>
+          <a:p>
+            <a:pPr marL="548640" indent="-410760">
               <a:lnSpc>
                 <a:spcPct val="100000"/>
               </a:lnSpc>
@@ -7531,14 +6707,11 @@
               <a:t>Proceedings of Control Theory Application, Vol.145, No. 1, January 1998. </a:t>
             </a:r>
             <a:endParaRPr b="0" lang="en-US" sz="2600" spc="-1" strike="noStrike">
-              <a:solidFill>
-                <a:srgbClr val="ffffff"/>
-              </a:solidFill>
-              <a:latin typeface="Book Antiqua"/>
-            </a:endParaRPr>
-          </a:p>
-          <a:p>
-            <a:pPr marL="548640" indent="-411120">
+              <a:latin typeface="Arial"/>
+            </a:endParaRPr>
+          </a:p>
+          <a:p>
+            <a:pPr marL="548640" indent="-410760">
               <a:lnSpc>
                 <a:spcPct val="100000"/>
               </a:lnSpc>
@@ -7562,14 +6735,11 @@
               <a:t>3. R. G. Brown, and P. Y. C. Hwang, Introduction to Random Signals and Applied </a:t>
             </a:r>
             <a:endParaRPr b="0" lang="en-US" sz="2600" spc="-1" strike="noStrike">
-              <a:solidFill>
-                <a:srgbClr val="ffffff"/>
-              </a:solidFill>
-              <a:latin typeface="Book Antiqua"/>
-            </a:endParaRPr>
-          </a:p>
-          <a:p>
-            <a:pPr marL="548640" indent="-411120">
+              <a:latin typeface="Arial"/>
+            </a:endParaRPr>
+          </a:p>
+          <a:p>
+            <a:pPr marL="548640" indent="-410760">
               <a:lnSpc>
                 <a:spcPct val="100000"/>
               </a:lnSpc>
@@ -7593,14 +6763,11 @@
               <a:t>Kalman Filtering with Matlab Exercises and Solutions, 3rd Edition, John Wiley &amp; Sons, </a:t>
             </a:r>
             <a:endParaRPr b="0" lang="en-US" sz="2600" spc="-1" strike="noStrike">
-              <a:solidFill>
-                <a:srgbClr val="ffffff"/>
-              </a:solidFill>
-              <a:latin typeface="Book Antiqua"/>
-            </a:endParaRPr>
-          </a:p>
-          <a:p>
-            <a:pPr marL="548640" indent="-411120">
+              <a:latin typeface="Arial"/>
+            </a:endParaRPr>
+          </a:p>
+          <a:p>
+            <a:pPr marL="548640" indent="-410760">
               <a:lnSpc>
                 <a:spcPct val="100000"/>
               </a:lnSpc>
@@ -7624,14 +6791,11 @@
               <a:t>Inc, 1997. </a:t>
             </a:r>
             <a:endParaRPr b="0" lang="en-US" sz="2600" spc="-1" strike="noStrike">
-              <a:solidFill>
-                <a:srgbClr val="ffffff"/>
-              </a:solidFill>
-              <a:latin typeface="Book Antiqua"/>
-            </a:endParaRPr>
-          </a:p>
-          <a:p>
-            <a:pPr marL="548640" indent="-411120">
+              <a:latin typeface="Arial"/>
+            </a:endParaRPr>
+          </a:p>
+          <a:p>
+            <a:pPr marL="548640" indent="-410760">
               <a:lnSpc>
                 <a:spcPct val="100000"/>
               </a:lnSpc>
@@ -7655,14 +6819,11 @@
               <a:t>4. Universal Description, Discovery and Integration, UDDI ; http://www.uddi.org; October </a:t>
             </a:r>
             <a:endParaRPr b="0" lang="en-US" sz="2600" spc="-1" strike="noStrike">
-              <a:solidFill>
-                <a:srgbClr val="ffffff"/>
-              </a:solidFill>
-              <a:latin typeface="Book Antiqua"/>
-            </a:endParaRPr>
-          </a:p>
-          <a:p>
-            <a:pPr marL="548640" indent="-411120">
+              <a:latin typeface="Arial"/>
+            </a:endParaRPr>
+          </a:p>
+          <a:p>
+            <a:pPr marL="548640" indent="-410760">
               <a:lnSpc>
                 <a:spcPct val="100000"/>
               </a:lnSpc>
@@ -7686,14 +6847,11 @@
               <a:t>5, 2007. </a:t>
             </a:r>
             <a:endParaRPr b="0" lang="en-US" sz="2600" spc="-1" strike="noStrike">
-              <a:solidFill>
-                <a:srgbClr val="ffffff"/>
-              </a:solidFill>
-              <a:latin typeface="Book Antiqua"/>
-            </a:endParaRPr>
-          </a:p>
-          <a:p>
-            <a:pPr marL="548640" indent="-411120">
+              <a:latin typeface="Arial"/>
+            </a:endParaRPr>
+          </a:p>
+          <a:p>
+            <a:pPr marL="548640" indent="-410760">
               <a:lnSpc>
                 <a:spcPct val="100000"/>
               </a:lnSpc>
@@ -7705,10 +6863,7 @@
               </a:tabLst>
             </a:pPr>
             <a:endParaRPr b="0" lang="en-US" sz="2600" spc="-1" strike="noStrike">
-              <a:solidFill>
-                <a:srgbClr val="ffffff"/>
-              </a:solidFill>
-              <a:latin typeface="Book Antiqua"/>
+              <a:latin typeface="Arial"/>
             </a:endParaRPr>
           </a:p>
         </p:txBody>
@@ -7745,14 +6900,14 @@
       </p:grpSpPr>
       <p:sp>
         <p:nvSpPr>
-          <p:cNvPr id="159" name="TextShape 1"/>
-          <p:cNvSpPr txBox="1"/>
+          <p:cNvPr id="153" name="CustomShape 1"/>
+          <p:cNvSpPr/>
           <p:nvPr/>
         </p:nvSpPr>
         <p:spPr>
           <a:xfrm>
             <a:off x="457200" y="274680"/>
-            <a:ext cx="8229240" cy="653760"/>
+            <a:ext cx="8228880" cy="653400"/>
           </a:xfrm>
           <a:prstGeom prst="rect">
             <a:avLst/>
@@ -7762,6 +6917,12 @@
             <a:noFill/>
           </a:ln>
         </p:spPr>
+        <p:style>
+          <a:lnRef idx="0"/>
+          <a:fillRef idx="0"/>
+          <a:effectRef idx="0"/>
+          <a:fontRef idx="minor"/>
+        </p:style>
         <p:txBody>
           <a:bodyPr lIns="90000" rIns="90000" tIns="45000" bIns="45000" anchor="ctr">
             <a:normAutofit fontScale="94000"/>
@@ -7783,24 +6944,21 @@
               <a:t>Code</a:t>
             </a:r>
             <a:endParaRPr b="0" lang="en-US" sz="4100" spc="-1" strike="noStrike">
-              <a:solidFill>
-                <a:srgbClr val="ffffff"/>
-              </a:solidFill>
-              <a:latin typeface="Book Antiqua"/>
-            </a:endParaRPr>
-          </a:p>
-        </p:txBody>
-      </p:sp>
-      <p:sp>
-        <p:nvSpPr>
-          <p:cNvPr id="160" name="TextShape 2"/>
-          <p:cNvSpPr txBox="1"/>
+              <a:latin typeface="Arial"/>
+            </a:endParaRPr>
+          </a:p>
+        </p:txBody>
+      </p:sp>
+      <p:sp>
+        <p:nvSpPr>
+          <p:cNvPr id="154" name="CustomShape 2"/>
+          <p:cNvSpPr/>
           <p:nvPr/>
         </p:nvSpPr>
         <p:spPr>
           <a:xfrm>
             <a:off x="457200" y="1143000"/>
-            <a:ext cx="8229240" cy="5166000"/>
+            <a:ext cx="8228880" cy="5165640"/>
           </a:xfrm>
           <a:prstGeom prst="rect">
             <a:avLst/>
@@ -7810,12 +6968,18 @@
             <a:noFill/>
           </a:ln>
         </p:spPr>
+        <p:style>
+          <a:lnRef idx="0"/>
+          <a:fillRef idx="0"/>
+          <a:effectRef idx="0"/>
+          <a:fontRef idx="minor"/>
+        </p:style>
         <p:txBody>
           <a:bodyPr lIns="90000" rIns="90000" tIns="45000" bIns="45000">
             <a:normAutofit/>
           </a:bodyPr>
           <a:p>
-            <a:pPr marL="548640" indent="-411120">
+            <a:pPr marL="548640" indent="-410760">
               <a:lnSpc>
                 <a:spcPct val="100000"/>
               </a:lnSpc>
@@ -7839,14 +7003,11 @@
               <a:t># We need to scale the values for better accuracy in prediction</a:t>
             </a:r>
             <a:endParaRPr b="0" lang="en-US" sz="1400" spc="-1" strike="noStrike">
-              <a:solidFill>
-                <a:srgbClr val="ffffff"/>
-              </a:solidFill>
-              <a:latin typeface="Book Antiqua"/>
-            </a:endParaRPr>
-          </a:p>
-          <a:p>
-            <a:pPr marL="548640" indent="-411120">
+              <a:latin typeface="Arial"/>
+            </a:endParaRPr>
+          </a:p>
+          <a:p>
+            <a:pPr marL="548640" indent="-410760">
               <a:lnSpc>
                 <a:spcPct val="100000"/>
               </a:lnSpc>
@@ -7870,14 +7031,11 @@
               <a:t>from sklearn.metrics import classification_report, auc, confusion_matrix, plot_roc_curve</a:t>
             </a:r>
             <a:endParaRPr b="0" lang="en-US" sz="1400" spc="-1" strike="noStrike">
-              <a:solidFill>
-                <a:srgbClr val="ffffff"/>
-              </a:solidFill>
-              <a:latin typeface="Book Antiqua"/>
-            </a:endParaRPr>
-          </a:p>
-          <a:p>
-            <a:pPr marL="548640" indent="-411120">
+              <a:latin typeface="Arial"/>
+            </a:endParaRPr>
+          </a:p>
+          <a:p>
+            <a:pPr marL="548640" indent="-410760">
               <a:lnSpc>
                 <a:spcPct val="100000"/>
               </a:lnSpc>
@@ -7901,14 +7059,11 @@
               <a:t>from sklearn.preprocessing import MinMaxScaler</a:t>
             </a:r>
             <a:endParaRPr b="0" lang="en-US" sz="1400" spc="-1" strike="noStrike">
-              <a:solidFill>
-                <a:srgbClr val="ffffff"/>
-              </a:solidFill>
-              <a:latin typeface="Book Antiqua"/>
-            </a:endParaRPr>
-          </a:p>
-          <a:p>
-            <a:pPr marL="548640" indent="-411120">
+              <a:latin typeface="Arial"/>
+            </a:endParaRPr>
+          </a:p>
+          <a:p>
+            <a:pPr marL="548640" indent="-410760">
               <a:lnSpc>
                 <a:spcPct val="100000"/>
               </a:lnSpc>
@@ -7932,14 +7087,11 @@
               <a:t>Scaler = MinMaxScaler()</a:t>
             </a:r>
             <a:endParaRPr b="0" lang="en-US" sz="1400" spc="-1" strike="noStrike">
-              <a:solidFill>
-                <a:srgbClr val="ffffff"/>
-              </a:solidFill>
-              <a:latin typeface="Book Antiqua"/>
-            </a:endParaRPr>
-          </a:p>
-          <a:p>
-            <a:pPr marL="548640" indent="-411120">
+              <a:latin typeface="Arial"/>
+            </a:endParaRPr>
+          </a:p>
+          <a:p>
+            <a:pPr marL="548640" indent="-410760">
               <a:lnSpc>
                 <a:spcPct val="100000"/>
               </a:lnSpc>
@@ -7963,14 +7115,11 @@
               <a:t>X_train = Scaler.fit_transform(X_train)</a:t>
             </a:r>
             <a:endParaRPr b="0" lang="en-US" sz="1400" spc="-1" strike="noStrike">
-              <a:solidFill>
-                <a:srgbClr val="ffffff"/>
-              </a:solidFill>
-              <a:latin typeface="Book Antiqua"/>
-            </a:endParaRPr>
-          </a:p>
-          <a:p>
-            <a:pPr marL="548640" indent="-411120">
+              <a:latin typeface="Arial"/>
+            </a:endParaRPr>
+          </a:p>
+          <a:p>
+            <a:pPr marL="548640" indent="-410760">
               <a:lnSpc>
                 <a:spcPct val="100000"/>
               </a:lnSpc>
@@ -7994,14 +7143,11 @@
               <a:t>X_test = Scaler.fit_transform(X_test)</a:t>
             </a:r>
             <a:endParaRPr b="0" lang="en-US" sz="1400" spc="-1" strike="noStrike">
-              <a:solidFill>
-                <a:srgbClr val="ffffff"/>
-              </a:solidFill>
-              <a:latin typeface="Book Antiqua"/>
-            </a:endParaRPr>
-          </a:p>
-          <a:p>
-            <a:pPr marL="548640" indent="-411120">
+              <a:latin typeface="Arial"/>
+            </a:endParaRPr>
+          </a:p>
+          <a:p>
+            <a:pPr marL="548640" indent="-410760">
               <a:lnSpc>
                 <a:spcPct val="100000"/>
               </a:lnSpc>
@@ -8025,14 +7171,11 @@
               <a:t>model_svc = SVC(probability=True)</a:t>
             </a:r>
             <a:endParaRPr b="0" lang="en-US" sz="1400" spc="-1" strike="noStrike">
-              <a:solidFill>
-                <a:srgbClr val="ffffff"/>
-              </a:solidFill>
-              <a:latin typeface="Book Antiqua"/>
-            </a:endParaRPr>
-          </a:p>
-          <a:p>
-            <a:pPr marL="548640" indent="-411120">
+              <a:latin typeface="Arial"/>
+            </a:endParaRPr>
+          </a:p>
+          <a:p>
+            <a:pPr marL="548640" indent="-410760">
               <a:lnSpc>
                 <a:spcPct val="100000"/>
               </a:lnSpc>
@@ -8056,14 +7199,11 @@
               <a:t>model_svc.fit(X_train, y_train)</a:t>
             </a:r>
             <a:endParaRPr b="0" lang="en-US" sz="1400" spc="-1" strike="noStrike">
-              <a:solidFill>
-                <a:srgbClr val="ffffff"/>
-              </a:solidFill>
-              <a:latin typeface="Book Antiqua"/>
-            </a:endParaRPr>
-          </a:p>
-          <a:p>
-            <a:pPr marL="548640" indent="-411120">
+              <a:latin typeface="Arial"/>
+            </a:endParaRPr>
+          </a:p>
+          <a:p>
+            <a:pPr marL="548640" indent="-410760">
               <a:lnSpc>
                 <a:spcPct val="100000"/>
               </a:lnSpc>
@@ -8087,14 +7227,11 @@
               <a:t>y_pred = model_svc.predict(X_test)</a:t>
             </a:r>
             <a:endParaRPr b="0" lang="en-US" sz="1400" spc="-1" strike="noStrike">
-              <a:solidFill>
-                <a:srgbClr val="ffffff"/>
-              </a:solidFill>
-              <a:latin typeface="Book Antiqua"/>
-            </a:endParaRPr>
-          </a:p>
-          <a:p>
-            <a:pPr marL="548640" indent="-411120">
+              <a:latin typeface="Arial"/>
+            </a:endParaRPr>
+          </a:p>
+          <a:p>
+            <a:pPr marL="548640" indent="-410760">
               <a:lnSpc>
                 <a:spcPct val="100000"/>
               </a:lnSpc>
@@ -8118,14 +7255,11 @@
               <a:t>print(classification_report(y_test, y_pred, target_names=['Yes', 'No']))</a:t>
             </a:r>
             <a:endParaRPr b="0" lang="en-US" sz="1400" spc="-1" strike="noStrike">
-              <a:solidFill>
-                <a:srgbClr val="ffffff"/>
-              </a:solidFill>
-              <a:latin typeface="Book Antiqua"/>
-            </a:endParaRPr>
-          </a:p>
-          <a:p>
-            <a:pPr marL="548640" indent="-411120">
+              <a:latin typeface="Arial"/>
+            </a:endParaRPr>
+          </a:p>
+          <a:p>
+            <a:pPr marL="548640" indent="-410760">
               <a:lnSpc>
                 <a:spcPct val="100000"/>
               </a:lnSpc>
@@ -8149,14 +7283,11 @@
               <a:t>from sklearn.metrics import plot_confusion_matrix, plot_roc_curve, plot_precision_recall_curve</a:t>
             </a:r>
             <a:endParaRPr b="0" lang="en-US" sz="1400" spc="-1" strike="noStrike">
-              <a:solidFill>
-                <a:srgbClr val="ffffff"/>
-              </a:solidFill>
-              <a:latin typeface="Book Antiqua"/>
-            </a:endParaRPr>
-          </a:p>
-          <a:p>
-            <a:pPr marL="548640" indent="-411120">
+              <a:latin typeface="Arial"/>
+            </a:endParaRPr>
+          </a:p>
+          <a:p>
+            <a:pPr marL="548640" indent="-410760">
               <a:lnSpc>
                 <a:spcPct val="100000"/>
               </a:lnSpc>
@@ -8180,14 +7311,11 @@
               <a:t>fig,ax = plt.subplots()</a:t>
             </a:r>
             <a:endParaRPr b="0" lang="en-US" sz="1400" spc="-1" strike="noStrike">
-              <a:solidFill>
-                <a:srgbClr val="ffffff"/>
-              </a:solidFill>
-              <a:latin typeface="Book Antiqua"/>
-            </a:endParaRPr>
-          </a:p>
-          <a:p>
-            <a:pPr marL="548640" indent="-411120">
+              <a:latin typeface="Arial"/>
+            </a:endParaRPr>
+          </a:p>
+          <a:p>
+            <a:pPr marL="548640" indent="-410760">
               <a:lnSpc>
                 <a:spcPct val="100000"/>
               </a:lnSpc>
@@ -8211,14 +7339,11 @@
               <a:t>ax.plot([0, 1], [0, 1], linestyle='--', lw=2, color='r',label='Chance', alpha=.8)</a:t>
             </a:r>
             <a:endParaRPr b="0" lang="en-US" sz="1400" spc="-1" strike="noStrike">
-              <a:solidFill>
-                <a:srgbClr val="ffffff"/>
-              </a:solidFill>
-              <a:latin typeface="Book Antiqua"/>
-            </a:endParaRPr>
-          </a:p>
-          <a:p>
-            <a:pPr marL="548640" indent="-411120">
+              <a:latin typeface="Arial"/>
+            </a:endParaRPr>
+          </a:p>
+          <a:p>
+            <a:pPr marL="548640" indent="-410760">
               <a:lnSpc>
                 <a:spcPct val="100000"/>
               </a:lnSpc>
@@ -8242,14 +7367,11 @@
               <a:t>plot_roc_curve(model_svc, X_test, y_test, ax=ax)</a:t>
             </a:r>
             <a:endParaRPr b="0" lang="en-US" sz="1400" spc="-1" strike="noStrike">
-              <a:solidFill>
-                <a:srgbClr val="ffffff"/>
-              </a:solidFill>
-              <a:latin typeface="Book Antiqua"/>
-            </a:endParaRPr>
-          </a:p>
-          <a:p>
-            <a:pPr marL="548640" indent="-411120">
+              <a:latin typeface="Arial"/>
+            </a:endParaRPr>
+          </a:p>
+          <a:p>
+            <a:pPr marL="548640" indent="-410760">
               <a:lnSpc>
                 <a:spcPct val="100000"/>
               </a:lnSpc>
@@ -8273,14 +7395,11 @@
               <a:t>plot_roc_curve(model_svc, X_train, y_train, ax=ax, alpha=0.3)</a:t>
             </a:r>
             <a:endParaRPr b="0" lang="en-US" sz="1400" spc="-1" strike="noStrike">
-              <a:solidFill>
-                <a:srgbClr val="ffffff"/>
-              </a:solidFill>
-              <a:latin typeface="Book Antiqua"/>
-            </a:endParaRPr>
-          </a:p>
-          <a:p>
-            <a:pPr marL="548640" indent="-411120">
+              <a:latin typeface="Arial"/>
+            </a:endParaRPr>
+          </a:p>
+          <a:p>
+            <a:pPr marL="548640" indent="-410760">
               <a:lnSpc>
                 <a:spcPct val="100000"/>
               </a:lnSpc>
@@ -8304,14 +7423,11 @@
               <a:t>plot_confusion_matrix(model_svc, X_test, y_test)</a:t>
             </a:r>
             <a:endParaRPr b="0" lang="en-US" sz="1400" spc="-1" strike="noStrike">
-              <a:solidFill>
-                <a:srgbClr val="ffffff"/>
-              </a:solidFill>
-              <a:latin typeface="Book Antiqua"/>
-            </a:endParaRPr>
-          </a:p>
-          <a:p>
-            <a:pPr marL="548640" indent="-411120">
+              <a:latin typeface="Arial"/>
+            </a:endParaRPr>
+          </a:p>
+          <a:p>
+            <a:pPr marL="548640" indent="-410760">
               <a:lnSpc>
                 <a:spcPct val="100000"/>
               </a:lnSpc>
@@ -8335,14 +7451,11 @@
               <a:t>import pickle</a:t>
             </a:r>
             <a:endParaRPr b="0" lang="en-US" sz="1400" spc="-1" strike="noStrike">
-              <a:solidFill>
-                <a:srgbClr val="ffffff"/>
-              </a:solidFill>
-              <a:latin typeface="Book Antiqua"/>
-            </a:endParaRPr>
-          </a:p>
-          <a:p>
-            <a:pPr marL="548640" indent="-411120">
+              <a:latin typeface="Arial"/>
+            </a:endParaRPr>
+          </a:p>
+          <a:p>
+            <a:pPr marL="548640" indent="-410760">
               <a:lnSpc>
                 <a:spcPct val="100000"/>
               </a:lnSpc>
@@ -8366,14 +7479,11 @@
               <a:t># Saving the model</a:t>
             </a:r>
             <a:endParaRPr b="0" lang="en-US" sz="1400" spc="-1" strike="noStrike">
-              <a:solidFill>
-                <a:srgbClr val="ffffff"/>
-              </a:solidFill>
-              <a:latin typeface="Book Antiqua"/>
-            </a:endParaRPr>
-          </a:p>
-          <a:p>
-            <a:pPr marL="548640" indent="-411120">
+              <a:latin typeface="Arial"/>
+            </a:endParaRPr>
+          </a:p>
+          <a:p>
+            <a:pPr marL="548640" indent="-410760">
               <a:lnSpc>
                 <a:spcPct val="100000"/>
               </a:lnSpc>
@@ -8397,14 +7507,11 @@
               <a:t>filename='model_svc.pkl'</a:t>
             </a:r>
             <a:endParaRPr b="0" lang="en-US" sz="1400" spc="-1" strike="noStrike">
-              <a:solidFill>
-                <a:srgbClr val="ffffff"/>
-              </a:solidFill>
-              <a:latin typeface="Book Antiqua"/>
-            </a:endParaRPr>
-          </a:p>
-          <a:p>
-            <a:pPr marL="548640" indent="-411120">
+              <a:latin typeface="Arial"/>
+            </a:endParaRPr>
+          </a:p>
+          <a:p>
+            <a:pPr marL="548640" indent="-410760">
               <a:lnSpc>
                 <a:spcPct val="100000"/>
               </a:lnSpc>
@@ -8428,14 +7535,11 @@
               <a:t>pickle.dump(model_svc, open(filename, 'wb'))</a:t>
             </a:r>
             <a:endParaRPr b="0" lang="en-US" sz="1400" spc="-1" strike="noStrike">
-              <a:solidFill>
-                <a:srgbClr val="ffffff"/>
-              </a:solidFill>
-              <a:latin typeface="Book Antiqua"/>
-            </a:endParaRPr>
-          </a:p>
-          <a:p>
-            <a:pPr marL="548640" indent="-411120">
+              <a:latin typeface="Arial"/>
+            </a:endParaRPr>
+          </a:p>
+          <a:p>
+            <a:pPr marL="548640" indent="-410760">
               <a:lnSpc>
                 <a:spcPct val="100000"/>
               </a:lnSpc>
@@ -8459,10 +7563,7 @@
               <a:t>df_prepared.to_csv('prepared_data.csv', index=False)</a:t>
             </a:r>
             <a:endParaRPr b="0" lang="en-US" sz="1400" spc="-1" strike="noStrike">
-              <a:solidFill>
-                <a:srgbClr val="ffffff"/>
-              </a:solidFill>
-              <a:latin typeface="Book Antiqua"/>
+              <a:latin typeface="Arial"/>
             </a:endParaRPr>
           </a:p>
         </p:txBody>
@@ -8499,14 +7600,14 @@
       </p:grpSpPr>
       <p:sp>
         <p:nvSpPr>
-          <p:cNvPr id="161" name="TextShape 1"/>
-          <p:cNvSpPr txBox="1"/>
+          <p:cNvPr id="155" name="CustomShape 1"/>
+          <p:cNvSpPr/>
           <p:nvPr/>
         </p:nvSpPr>
         <p:spPr>
           <a:xfrm>
             <a:off x="457200" y="274680"/>
-            <a:ext cx="8229240" cy="296640"/>
+            <a:ext cx="8228880" cy="296280"/>
           </a:xfrm>
           <a:prstGeom prst="rect">
             <a:avLst/>
@@ -8516,6 +7617,12 @@
             <a:noFill/>
           </a:ln>
         </p:spPr>
+        <p:style>
+          <a:lnRef idx="0"/>
+          <a:fillRef idx="0"/>
+          <a:effectRef idx="0"/>
+          <a:fontRef idx="minor"/>
+        </p:style>
         <p:txBody>
           <a:bodyPr lIns="90000" rIns="90000" tIns="45000" bIns="45000" anchor="ctr">
             <a:normAutofit fontScale="20000"/>
@@ -8536,17 +7643,14 @@
               <a:t> </a:t>
             </a:r>
             <a:endParaRPr b="0" lang="en-US" sz="4100" spc="-1" strike="noStrike">
-              <a:solidFill>
-                <a:srgbClr val="ffffff"/>
-              </a:solidFill>
-              <a:latin typeface="Book Antiqua"/>
+              <a:latin typeface="Arial"/>
             </a:endParaRPr>
           </a:p>
         </p:txBody>
       </p:sp>
       <p:pic>
         <p:nvPicPr>
-          <p:cNvPr id="162" name="Content Placeholder 3" descr="bigstock-Thank-You-202535.jpg"/>
+          <p:cNvPr id="156" name="Content Placeholder 3" descr="bigstock-Thank-You-202535.jpg"/>
           <p:cNvPicPr/>
           <p:nvPr/>
         </p:nvPicPr>
@@ -8557,7 +7661,7 @@
         <p:spPr>
           <a:xfrm>
             <a:off x="499680" y="571680"/>
-            <a:ext cx="8143920" cy="5736960"/>
+            <a:ext cx="8143560" cy="5736600"/>
           </a:xfrm>
           <a:prstGeom prst="rect">
             <a:avLst/>
@@ -8599,14 +7703,14 @@
       </p:grpSpPr>
       <p:sp>
         <p:nvSpPr>
-          <p:cNvPr id="87" name="TextShape 1"/>
-          <p:cNvSpPr txBox="1"/>
+          <p:cNvPr id="81" name="CustomShape 1"/>
+          <p:cNvSpPr/>
           <p:nvPr/>
         </p:nvSpPr>
         <p:spPr>
           <a:xfrm>
             <a:off x="457200" y="274680"/>
-            <a:ext cx="8229240" cy="1142640"/>
+            <a:ext cx="8228880" cy="1142280"/>
           </a:xfrm>
           <a:prstGeom prst="rect">
             <a:avLst/>
@@ -8616,6 +7720,12 @@
             <a:noFill/>
           </a:ln>
         </p:spPr>
+        <p:style>
+          <a:lnRef idx="0"/>
+          <a:fillRef idx="0"/>
+          <a:effectRef idx="0"/>
+          <a:fontRef idx="minor"/>
+        </p:style>
         <p:txBody>
           <a:bodyPr lIns="90000" rIns="90000" tIns="45000" bIns="45000" anchor="ctr">
             <a:noAutofit/>
@@ -8637,24 +7747,21 @@
               <a:t>INTRODUCTION</a:t>
             </a:r>
             <a:endParaRPr b="0" lang="en-US" sz="4100" spc="-1" strike="noStrike">
-              <a:solidFill>
-                <a:srgbClr val="ffffff"/>
-              </a:solidFill>
-              <a:latin typeface="Book Antiqua"/>
-            </a:endParaRPr>
-          </a:p>
-        </p:txBody>
-      </p:sp>
-      <p:sp>
-        <p:nvSpPr>
-          <p:cNvPr id="88" name="TextShape 2"/>
-          <p:cNvSpPr txBox="1"/>
+              <a:latin typeface="Arial"/>
+            </a:endParaRPr>
+          </a:p>
+        </p:txBody>
+      </p:sp>
+      <p:sp>
+        <p:nvSpPr>
+          <p:cNvPr id="82" name="CustomShape 2"/>
+          <p:cNvSpPr/>
           <p:nvPr/>
         </p:nvSpPr>
         <p:spPr>
           <a:xfrm>
             <a:off x="457200" y="1600200"/>
-            <a:ext cx="8229240" cy="4708800"/>
+            <a:ext cx="8228880" cy="4708440"/>
           </a:xfrm>
           <a:prstGeom prst="rect">
             <a:avLst/>
@@ -8664,12 +7771,18 @@
             <a:noFill/>
           </a:ln>
         </p:spPr>
+        <p:style>
+          <a:lnRef idx="0"/>
+          <a:fillRef idx="0"/>
+          <a:effectRef idx="0"/>
+          <a:fontRef idx="minor"/>
+        </p:style>
         <p:txBody>
           <a:bodyPr lIns="90000" rIns="90000" tIns="45000" bIns="45000">
             <a:normAutofit/>
           </a:bodyPr>
           <a:p>
-            <a:pPr marL="548640" indent="-411120">
+            <a:pPr marL="548640" indent="-410760">
               <a:lnSpc>
                 <a:spcPct val="100000"/>
               </a:lnSpc>
@@ -8693,10 +7806,7 @@
               <a:t>Heart diseases is one of the main reasons for death worldwide.</a:t>
             </a:r>
             <a:endParaRPr b="0" lang="en-US" sz="1800" spc="-1" strike="noStrike">
-              <a:solidFill>
-                <a:srgbClr val="ffffff"/>
-              </a:solidFill>
-              <a:latin typeface="Book Antiqua"/>
+              <a:latin typeface="Arial"/>
             </a:endParaRPr>
           </a:p>
           <a:p>
@@ -8709,14 +7819,11 @@
               </a:spcBef>
             </a:pPr>
             <a:endParaRPr b="0" lang="en-US" sz="1800" spc="-1" strike="noStrike">
-              <a:solidFill>
-                <a:srgbClr val="ffffff"/>
-              </a:solidFill>
-              <a:latin typeface="Book Antiqua"/>
-            </a:endParaRPr>
-          </a:p>
-          <a:p>
-            <a:pPr marL="548640" indent="-411120">
+              <a:latin typeface="Arial"/>
+            </a:endParaRPr>
+          </a:p>
+          <a:p>
+            <a:pPr marL="548640" indent="-410760">
               <a:lnSpc>
                 <a:spcPct val="100000"/>
               </a:lnSpc>
@@ -8740,10 +7847,7 @@
               <a:t>Among which 80% of the deaths are due to heart attack.</a:t>
             </a:r>
             <a:endParaRPr b="0" lang="en-US" sz="1800" spc="-1" strike="noStrike">
-              <a:solidFill>
-                <a:srgbClr val="ffffff"/>
-              </a:solidFill>
-              <a:latin typeface="Book Antiqua"/>
+              <a:latin typeface="Arial"/>
             </a:endParaRPr>
           </a:p>
           <a:p>
@@ -8756,14 +7860,11 @@
               </a:spcBef>
             </a:pPr>
             <a:endParaRPr b="0" lang="en-US" sz="1800" spc="-1" strike="noStrike">
-              <a:solidFill>
-                <a:srgbClr val="ffffff"/>
-              </a:solidFill>
-              <a:latin typeface="Book Antiqua"/>
-            </a:endParaRPr>
-          </a:p>
-          <a:p>
-            <a:pPr marL="548640" indent="-411120">
+              <a:latin typeface="Arial"/>
+            </a:endParaRPr>
+          </a:p>
+          <a:p>
+            <a:pPr marL="548640" indent="-410760">
               <a:lnSpc>
                 <a:spcPct val="100000"/>
               </a:lnSpc>
@@ -8787,10 +7888,7 @@
               <a:t>Detection of cardiac abnormalities at the early stages can save a lot of life and can help doctors to design an effective treatment plan which ultimately reduces the mortality rate due to heart attacks.</a:t>
             </a:r>
             <a:endParaRPr b="0" lang="en-US" sz="1800" spc="-1" strike="noStrike">
-              <a:solidFill>
-                <a:srgbClr val="ffffff"/>
-              </a:solidFill>
-              <a:latin typeface="Book Antiqua"/>
+              <a:latin typeface="Arial"/>
             </a:endParaRPr>
           </a:p>
           <a:p>
@@ -8803,14 +7901,11 @@
               </a:spcBef>
             </a:pPr>
             <a:endParaRPr b="0" lang="en-US" sz="1800" spc="-1" strike="noStrike">
-              <a:solidFill>
-                <a:srgbClr val="ffffff"/>
-              </a:solidFill>
-              <a:latin typeface="Book Antiqua"/>
-            </a:endParaRPr>
-          </a:p>
-          <a:p>
-            <a:pPr marL="548640" indent="-411120">
+              <a:latin typeface="Arial"/>
+            </a:endParaRPr>
+          </a:p>
+          <a:p>
+            <a:pPr marL="548640" indent="-410760">
               <a:lnSpc>
                 <a:spcPct val="100000"/>
               </a:lnSpc>
@@ -8834,10 +7929,7 @@
               <a:t>We have used medical datasets of real patients which was available at the open source by healthcare industries and survey organizations.</a:t>
             </a:r>
             <a:endParaRPr b="0" lang="en-US" sz="1800" spc="-1" strike="noStrike">
-              <a:solidFill>
-                <a:srgbClr val="ffffff"/>
-              </a:solidFill>
-              <a:latin typeface="Book Antiqua"/>
+              <a:latin typeface="Arial"/>
             </a:endParaRPr>
           </a:p>
           <a:p>
@@ -8850,14 +7942,11 @@
               </a:spcBef>
             </a:pPr>
             <a:endParaRPr b="0" lang="en-US" sz="1800" spc="-1" strike="noStrike">
-              <a:solidFill>
-                <a:srgbClr val="ffffff"/>
-              </a:solidFill>
-              <a:latin typeface="Book Antiqua"/>
-            </a:endParaRPr>
-          </a:p>
-          <a:p>
-            <a:pPr marL="548640" indent="-411120">
+              <a:latin typeface="Arial"/>
+            </a:endParaRPr>
+          </a:p>
+          <a:p>
+            <a:pPr marL="548640" indent="-410760">
               <a:lnSpc>
                 <a:spcPct val="100000"/>
               </a:lnSpc>
@@ -8881,10 +7970,7 @@
               <a:t>Data mining  provides a number of  techniques which discover hidden patterns or similarities from those data.</a:t>
             </a:r>
             <a:endParaRPr b="0" lang="en-US" sz="1800" spc="-1" strike="noStrike">
-              <a:solidFill>
-                <a:srgbClr val="ffffff"/>
-              </a:solidFill>
-              <a:latin typeface="Book Antiqua"/>
+              <a:latin typeface="Arial"/>
             </a:endParaRPr>
           </a:p>
           <a:p>
@@ -8897,14 +7983,11 @@
               </a:spcBef>
             </a:pPr>
             <a:endParaRPr b="0" lang="en-US" sz="1800" spc="-1" strike="noStrike">
-              <a:solidFill>
-                <a:srgbClr val="ffffff"/>
-              </a:solidFill>
-              <a:latin typeface="Book Antiqua"/>
-            </a:endParaRPr>
-          </a:p>
-          <a:p>
-            <a:pPr marL="548640" indent="-411120">
+              <a:latin typeface="Arial"/>
+            </a:endParaRPr>
+          </a:p>
+          <a:p>
+            <a:pPr marL="548640" indent="-410760">
               <a:lnSpc>
                 <a:spcPct val="100000"/>
               </a:lnSpc>
@@ -8928,10 +8011,7 @@
               <a:t>Machine Learning is a discovery method for analysing big data from an assorted perspective and encapsulating it into useful informations.</a:t>
             </a:r>
             <a:endParaRPr b="0" lang="en-US" sz="1800" spc="-1" strike="noStrike">
-              <a:solidFill>
-                <a:srgbClr val="ffffff"/>
-              </a:solidFill>
-              <a:latin typeface="Book Antiqua"/>
+              <a:latin typeface="Arial"/>
             </a:endParaRPr>
           </a:p>
         </p:txBody>
@@ -8968,14 +8048,14 @@
       </p:grpSpPr>
       <p:sp>
         <p:nvSpPr>
-          <p:cNvPr id="89" name="TextShape 1"/>
-          <p:cNvSpPr txBox="1"/>
+          <p:cNvPr id="83" name="CustomShape 1"/>
+          <p:cNvSpPr/>
           <p:nvPr/>
         </p:nvSpPr>
         <p:spPr>
           <a:xfrm>
             <a:off x="457200" y="274680"/>
-            <a:ext cx="8229240" cy="1142640"/>
+            <a:ext cx="8228880" cy="1142280"/>
           </a:xfrm>
           <a:prstGeom prst="rect">
             <a:avLst/>
@@ -8985,6 +8065,12 @@
             <a:noFill/>
           </a:ln>
         </p:spPr>
+        <p:style>
+          <a:lnRef idx="0"/>
+          <a:fillRef idx="0"/>
+          <a:effectRef idx="0"/>
+          <a:fontRef idx="minor"/>
+        </p:style>
         <p:txBody>
           <a:bodyPr lIns="90000" rIns="90000" tIns="45000" bIns="45000" anchor="ctr">
             <a:noAutofit/>
@@ -9005,24 +8091,21 @@
               <a:t> </a:t>
             </a:r>
             <a:endParaRPr b="0" lang="en-US" sz="4100" spc="-1" strike="noStrike">
-              <a:solidFill>
-                <a:srgbClr val="ffffff"/>
-              </a:solidFill>
-              <a:latin typeface="Book Antiqua"/>
-            </a:endParaRPr>
-          </a:p>
-        </p:txBody>
-      </p:sp>
-      <p:sp>
-        <p:nvSpPr>
-          <p:cNvPr id="90" name="TextShape 2"/>
-          <p:cNvSpPr txBox="1"/>
+              <a:latin typeface="Arial"/>
+            </a:endParaRPr>
+          </a:p>
+        </p:txBody>
+      </p:sp>
+      <p:sp>
+        <p:nvSpPr>
+          <p:cNvPr id="84" name="CustomShape 2"/>
+          <p:cNvSpPr/>
           <p:nvPr/>
         </p:nvSpPr>
         <p:spPr>
           <a:xfrm>
             <a:off x="457560" y="357120"/>
-            <a:ext cx="8229240" cy="5951880"/>
+            <a:ext cx="8228880" cy="5951520"/>
           </a:xfrm>
           <a:prstGeom prst="rect">
             <a:avLst/>
@@ -9032,12 +8115,18 @@
             <a:noFill/>
           </a:ln>
         </p:spPr>
+        <p:style>
+          <a:lnRef idx="0"/>
+          <a:fillRef idx="0"/>
+          <a:effectRef idx="0"/>
+          <a:fontRef idx="minor"/>
+        </p:style>
         <p:txBody>
           <a:bodyPr lIns="90000" rIns="90000" tIns="45000" bIns="45000">
             <a:normAutofit/>
           </a:bodyPr>
           <a:p>
-            <a:pPr marL="548640" indent="-411120">
+            <a:pPr marL="548640" indent="-410760">
               <a:lnSpc>
                 <a:spcPct val="100000"/>
               </a:lnSpc>
@@ -9061,10 +8150,7 @@
               <a:t>We chose this project because we wanted to utilize our skills of Machine Learning and Internet of Things.</a:t>
             </a:r>
             <a:endParaRPr b="0" lang="en-US" sz="1800" spc="-1" strike="noStrike">
-              <a:solidFill>
-                <a:srgbClr val="ffffff"/>
-              </a:solidFill>
-              <a:latin typeface="Book Antiqua"/>
+              <a:latin typeface="Arial"/>
             </a:endParaRPr>
           </a:p>
           <a:p>
@@ -9077,14 +8163,11 @@
               </a:spcBef>
             </a:pPr>
             <a:endParaRPr b="0" lang="en-US" sz="1800" spc="-1" strike="noStrike">
-              <a:solidFill>
-                <a:srgbClr val="ffffff"/>
-              </a:solidFill>
-              <a:latin typeface="Book Antiqua"/>
-            </a:endParaRPr>
-          </a:p>
-          <a:p>
-            <a:pPr marL="548640" indent="-411120">
+              <a:latin typeface="Arial"/>
+            </a:endParaRPr>
+          </a:p>
+          <a:p>
+            <a:pPr marL="548640" indent="-410760">
               <a:lnSpc>
                 <a:spcPct val="100000"/>
               </a:lnSpc>
@@ -9108,10 +8191,7 @@
               <a:t>We built a machine learning model which is the core of this project.</a:t>
             </a:r>
             <a:endParaRPr b="0" lang="en-US" sz="1800" spc="-1" strike="noStrike">
-              <a:solidFill>
-                <a:srgbClr val="ffffff"/>
-              </a:solidFill>
-              <a:latin typeface="Book Antiqua"/>
+              <a:latin typeface="Arial"/>
             </a:endParaRPr>
           </a:p>
           <a:p>
@@ -9124,14 +8204,11 @@
               </a:spcBef>
             </a:pPr>
             <a:endParaRPr b="0" lang="en-US" sz="1800" spc="-1" strike="noStrike">
-              <a:solidFill>
-                <a:srgbClr val="ffffff"/>
-              </a:solidFill>
-              <a:latin typeface="Book Antiqua"/>
-            </a:endParaRPr>
-          </a:p>
-          <a:p>
-            <a:pPr marL="548640" indent="-411120">
+              <a:latin typeface="Arial"/>
+            </a:endParaRPr>
+          </a:p>
+          <a:p>
+            <a:pPr marL="548640" indent="-410760">
               <a:lnSpc>
                 <a:spcPct val="100000"/>
               </a:lnSpc>
@@ -9155,10 +8232,7 @@
               <a:t>Sensors collect data from patients and our machine learning model analyses those data and produces a result whether that person is having a risk of heart attack or not.</a:t>
             </a:r>
             <a:endParaRPr b="0" lang="en-US" sz="1800" spc="-1" strike="noStrike">
-              <a:solidFill>
-                <a:srgbClr val="ffffff"/>
-              </a:solidFill>
-              <a:latin typeface="Book Antiqua"/>
+              <a:latin typeface="Arial"/>
             </a:endParaRPr>
           </a:p>
           <a:p>
@@ -9171,14 +8245,11 @@
               </a:spcBef>
             </a:pPr>
             <a:endParaRPr b="0" lang="en-US" sz="1800" spc="-1" strike="noStrike">
-              <a:solidFill>
-                <a:srgbClr val="ffffff"/>
-              </a:solidFill>
-              <a:latin typeface="Book Antiqua"/>
-            </a:endParaRPr>
-          </a:p>
-          <a:p>
-            <a:pPr marL="548640" indent="-411120">
+              <a:latin typeface="Arial"/>
+            </a:endParaRPr>
+          </a:p>
+          <a:p>
+            <a:pPr marL="548640" indent="-410760">
               <a:lnSpc>
                 <a:spcPct val="100000"/>
               </a:lnSpc>
@@ -9202,10 +8273,7 @@
               <a:t>After finishing things up, we will perform some testing to the web application and we are making it to be stored at cloud server.</a:t>
             </a:r>
             <a:endParaRPr b="0" lang="en-US" sz="1800" spc="-1" strike="noStrike">
-              <a:solidFill>
-                <a:srgbClr val="ffffff"/>
-              </a:solidFill>
-              <a:latin typeface="Book Antiqua"/>
+              <a:latin typeface="Arial"/>
             </a:endParaRPr>
           </a:p>
           <a:p>
@@ -9218,24 +8286,21 @@
               </a:spcBef>
             </a:pPr>
             <a:endParaRPr b="0" lang="en-US" sz="1800" spc="-1" strike="noStrike">
-              <a:solidFill>
-                <a:srgbClr val="ffffff"/>
-              </a:solidFill>
-              <a:latin typeface="Book Antiqua"/>
-            </a:endParaRPr>
-          </a:p>
-        </p:txBody>
-      </p:sp>
-      <p:sp>
-        <p:nvSpPr>
-          <p:cNvPr id="91" name="CustomShape 3"/>
+              <a:latin typeface="Arial"/>
+            </a:endParaRPr>
+          </a:p>
+        </p:txBody>
+      </p:sp>
+      <p:sp>
+        <p:nvSpPr>
+          <p:cNvPr id="85" name="CustomShape 3"/>
           <p:cNvSpPr/>
           <p:nvPr/>
         </p:nvSpPr>
         <p:spPr>
           <a:xfrm>
             <a:off x="3143160" y="3929040"/>
-            <a:ext cx="2675160" cy="2071440"/>
+            <a:ext cx="2674800" cy="2071080"/>
           </a:xfrm>
           <a:prstGeom prst="roundRect">
             <a:avLst>
@@ -9262,14 +8327,14 @@
       </p:sp>
       <p:sp>
         <p:nvSpPr>
-          <p:cNvPr id="92" name="TextShape 4"/>
-          <p:cNvSpPr txBox="1"/>
+          <p:cNvPr id="86" name="CustomShape 4"/>
+          <p:cNvSpPr/>
           <p:nvPr/>
         </p:nvSpPr>
         <p:spPr>
           <a:xfrm>
             <a:off x="4114800" y="6054480"/>
-            <a:ext cx="914400" cy="346320"/>
+            <a:ext cx="914040" cy="345960"/>
           </a:xfrm>
           <a:prstGeom prst="rect">
             <a:avLst/>
@@ -9279,18 +8344,29 @@
             <a:noFill/>
           </a:ln>
         </p:spPr>
+        <p:style>
+          <a:lnRef idx="0"/>
+          <a:fillRef idx="0"/>
+          <a:effectRef idx="0"/>
+          <a:fontRef idx="minor"/>
+        </p:style>
         <p:txBody>
           <a:bodyPr lIns="90000" rIns="90000" tIns="45000" bIns="45000">
             <a:noAutofit/>
           </a:bodyPr>
           <a:p>
+            <a:pPr>
+              <a:lnSpc>
+                <a:spcPct val="100000"/>
+              </a:lnSpc>
+            </a:pPr>
             <a:r>
               <a:rPr b="1" lang="en-US" sz="1800" spc="-1" strike="noStrike">
                 <a:latin typeface="Arial"/>
               </a:rPr>
               <a:t>Fig 1</a:t>
             </a:r>
-            <a:endParaRPr b="1" lang="en-US" sz="1800" spc="-1" strike="noStrike">
+            <a:endParaRPr b="0" lang="en-US" sz="1800" spc="-1" strike="noStrike">
               <a:latin typeface="Arial"/>
             </a:endParaRPr>
           </a:p>
@@ -9328,14 +8404,14 @@
       </p:grpSpPr>
       <p:sp>
         <p:nvSpPr>
-          <p:cNvPr id="93" name="TextShape 1"/>
-          <p:cNvSpPr txBox="1"/>
+          <p:cNvPr id="87" name="CustomShape 1"/>
+          <p:cNvSpPr/>
           <p:nvPr/>
         </p:nvSpPr>
         <p:spPr>
           <a:xfrm>
             <a:off x="457200" y="274680"/>
-            <a:ext cx="8229240" cy="1142640"/>
+            <a:ext cx="8228880" cy="1142280"/>
           </a:xfrm>
           <a:prstGeom prst="rect">
             <a:avLst/>
@@ -9345,6 +8421,12 @@
             <a:noFill/>
           </a:ln>
         </p:spPr>
+        <p:style>
+          <a:lnRef idx="0"/>
+          <a:fillRef idx="0"/>
+          <a:effectRef idx="0"/>
+          <a:fontRef idx="minor"/>
+        </p:style>
         <p:txBody>
           <a:bodyPr lIns="90000" rIns="90000" tIns="45000" bIns="45000" anchor="ctr">
             <a:noAutofit/>
@@ -9376,24 +8458,21 @@
               <a:t> BLOCK DIAGRAM</a:t>
             </a:r>
             <a:endParaRPr b="0" lang="en-US" sz="4100" spc="-1" strike="noStrike">
-              <a:solidFill>
-                <a:srgbClr val="ffffff"/>
-              </a:solidFill>
-              <a:latin typeface="Book Antiqua"/>
-            </a:endParaRPr>
-          </a:p>
-        </p:txBody>
-      </p:sp>
-      <p:sp>
-        <p:nvSpPr>
-          <p:cNvPr id="94" name="TextShape 2"/>
-          <p:cNvSpPr txBox="1"/>
+              <a:latin typeface="Arial"/>
+            </a:endParaRPr>
+          </a:p>
+        </p:txBody>
+      </p:sp>
+      <p:sp>
+        <p:nvSpPr>
+          <p:cNvPr id="88" name="CustomShape 2"/>
+          <p:cNvSpPr/>
           <p:nvPr/>
         </p:nvSpPr>
         <p:spPr>
           <a:xfrm>
             <a:off x="500040" y="1571760"/>
-            <a:ext cx="8229240" cy="4708800"/>
+            <a:ext cx="8228880" cy="4708440"/>
           </a:xfrm>
           <a:prstGeom prst="rect">
             <a:avLst/>
@@ -9403,12 +8482,18 @@
             <a:noFill/>
           </a:ln>
         </p:spPr>
+        <p:style>
+          <a:lnRef idx="0"/>
+          <a:fillRef idx="0"/>
+          <a:effectRef idx="0"/>
+          <a:fontRef idx="minor"/>
+        </p:style>
         <p:txBody>
           <a:bodyPr lIns="90000" rIns="90000" tIns="45000" bIns="45000">
             <a:noAutofit/>
           </a:bodyPr>
           <a:p>
-            <a:pPr marL="548640" indent="-411120">
+            <a:pPr marL="548640" indent="-410760">
               <a:lnSpc>
                 <a:spcPct val="100000"/>
               </a:lnSpc>
@@ -9432,24 +8517,21 @@
               <a:t> </a:t>
             </a:r>
             <a:endParaRPr b="0" lang="en-US" sz="2800" spc="-1" strike="noStrike">
-              <a:solidFill>
-                <a:srgbClr val="ffffff"/>
-              </a:solidFill>
-              <a:latin typeface="Book Antiqua"/>
-            </a:endParaRPr>
-          </a:p>
-        </p:txBody>
-      </p:sp>
-      <p:sp>
-        <p:nvSpPr>
-          <p:cNvPr id="95" name="CustomShape 3"/>
+              <a:latin typeface="Arial"/>
+            </a:endParaRPr>
+          </a:p>
+        </p:txBody>
+      </p:sp>
+      <p:sp>
+        <p:nvSpPr>
+          <p:cNvPr id="89" name="CustomShape 3"/>
           <p:cNvSpPr/>
           <p:nvPr/>
         </p:nvSpPr>
         <p:spPr>
           <a:xfrm>
             <a:off x="1000080" y="1928880"/>
-            <a:ext cx="1356840" cy="856800"/>
+            <a:ext cx="1356480" cy="856440"/>
           </a:xfrm>
           <a:prstGeom prst="rect">
             <a:avLst/>
@@ -9494,6 +8576,7 @@
                   <a:srgbClr val="ffffff"/>
                 </a:solidFill>
                 <a:latin typeface="Book Antiqua"/>
+                <a:ea typeface="DejaVu Sans"/>
               </a:rPr>
               <a:t>User</a:t>
             </a:r>
@@ -9505,14 +8588,14 @@
       </p:sp>
       <p:sp>
         <p:nvSpPr>
-          <p:cNvPr id="96" name="CustomShape 4"/>
+          <p:cNvPr id="90" name="CustomShape 4"/>
           <p:cNvSpPr/>
           <p:nvPr/>
         </p:nvSpPr>
         <p:spPr>
           <a:xfrm>
             <a:off x="3571920" y="1928880"/>
-            <a:ext cx="1499760" cy="856800"/>
+            <a:ext cx="1499400" cy="856440"/>
           </a:xfrm>
           <a:prstGeom prst="rect">
             <a:avLst/>
@@ -9557,6 +8640,7 @@
                   <a:srgbClr val="ffffff"/>
                 </a:solidFill>
                 <a:latin typeface="Book Antiqua"/>
+                <a:ea typeface="DejaVu Sans"/>
               </a:rPr>
               <a:t>Sensors</a:t>
             </a:r>
@@ -9568,14 +8652,14 @@
       </p:sp>
       <p:sp>
         <p:nvSpPr>
-          <p:cNvPr id="97" name="CustomShape 5"/>
+          <p:cNvPr id="91" name="CustomShape 5"/>
           <p:cNvSpPr/>
           <p:nvPr/>
         </p:nvSpPr>
         <p:spPr>
           <a:xfrm>
             <a:off x="6143760" y="1928880"/>
-            <a:ext cx="2428560" cy="4000320"/>
+            <a:ext cx="2428200" cy="3999960"/>
           </a:xfrm>
           <a:prstGeom prst="rect">
             <a:avLst/>
@@ -9620,6 +8704,7 @@
                   <a:srgbClr val="ffffff"/>
                 </a:solidFill>
                 <a:latin typeface="Book Antiqua"/>
+                <a:ea typeface="DejaVu Sans"/>
               </a:rPr>
               <a:t>Machine</a:t>
             </a:r>
@@ -9639,6 +8724,7 @@
                   <a:srgbClr val="ffffff"/>
                 </a:solidFill>
                 <a:latin typeface="Book Antiqua"/>
+                <a:ea typeface="DejaVu Sans"/>
               </a:rPr>
               <a:t>Learning</a:t>
             </a:r>
@@ -9658,6 +8744,7 @@
                   <a:srgbClr val="ffffff"/>
                 </a:solidFill>
                 <a:latin typeface="Book Antiqua"/>
+                <a:ea typeface="DejaVu Sans"/>
               </a:rPr>
               <a:t>Model</a:t>
             </a:r>
@@ -9669,14 +8756,14 @@
       </p:sp>
       <p:sp>
         <p:nvSpPr>
-          <p:cNvPr id="98" name="CustomShape 6"/>
+          <p:cNvPr id="92" name="CustomShape 6"/>
           <p:cNvSpPr/>
           <p:nvPr/>
         </p:nvSpPr>
         <p:spPr>
           <a:xfrm>
             <a:off x="1714320" y="4643280"/>
-            <a:ext cx="2356920" cy="1213920"/>
+            <a:ext cx="2356560" cy="1213560"/>
           </a:xfrm>
           <a:prstGeom prst="rect">
             <a:avLst/>
@@ -9721,6 +8808,7 @@
                   <a:srgbClr val="ffffff"/>
                 </a:solidFill>
                 <a:latin typeface="Book Antiqua"/>
+                <a:ea typeface="DejaVu Sans"/>
               </a:rPr>
               <a:t>Cloud Server</a:t>
             </a:r>
@@ -9732,14 +8820,14 @@
       </p:sp>
       <p:sp>
         <p:nvSpPr>
-          <p:cNvPr id="99" name="CustomShape 7"/>
+          <p:cNvPr id="93" name="CustomShape 7"/>
           <p:cNvSpPr/>
           <p:nvPr/>
         </p:nvSpPr>
         <p:spPr>
           <a:xfrm>
             <a:off x="5143680" y="2286000"/>
-            <a:ext cx="928440" cy="213840"/>
+            <a:ext cx="928080" cy="213480"/>
           </a:xfrm>
           <a:prstGeom prst="rightArrow">
             <a:avLst>
@@ -9774,14 +8862,14 @@
       </p:sp>
       <p:sp>
         <p:nvSpPr>
-          <p:cNvPr id="100" name="CustomShape 8"/>
+          <p:cNvPr id="94" name="CustomShape 8"/>
           <p:cNvSpPr/>
           <p:nvPr/>
         </p:nvSpPr>
         <p:spPr>
           <a:xfrm>
             <a:off x="2428920" y="2286000"/>
-            <a:ext cx="1071360" cy="213840"/>
+            <a:ext cx="1071000" cy="213480"/>
           </a:xfrm>
           <a:prstGeom prst="rightArrow">
             <a:avLst>
@@ -9816,14 +8904,14 @@
       </p:sp>
       <p:sp>
         <p:nvSpPr>
-          <p:cNvPr id="101" name="CustomShape 9"/>
+          <p:cNvPr id="95" name="CustomShape 9"/>
           <p:cNvSpPr/>
           <p:nvPr/>
         </p:nvSpPr>
         <p:spPr>
           <a:xfrm>
             <a:off x="4143240" y="5143680"/>
-            <a:ext cx="1928520" cy="213840"/>
+            <a:ext cx="1928160" cy="213480"/>
           </a:xfrm>
           <a:prstGeom prst="leftArrow">
             <a:avLst>
@@ -9858,14 +8946,14 @@
       </p:sp>
       <p:sp>
         <p:nvSpPr>
-          <p:cNvPr id="102" name="TextShape 10"/>
-          <p:cNvSpPr txBox="1"/>
+          <p:cNvPr id="96" name="CustomShape 10"/>
+          <p:cNvSpPr/>
           <p:nvPr/>
         </p:nvSpPr>
         <p:spPr>
           <a:xfrm>
             <a:off x="4114800" y="6054480"/>
-            <a:ext cx="914400" cy="346320"/>
+            <a:ext cx="914040" cy="345960"/>
           </a:xfrm>
           <a:prstGeom prst="rect">
             <a:avLst/>
@@ -9875,18 +8963,29 @@
             <a:noFill/>
           </a:ln>
         </p:spPr>
+        <p:style>
+          <a:lnRef idx="0"/>
+          <a:fillRef idx="0"/>
+          <a:effectRef idx="0"/>
+          <a:fontRef idx="minor"/>
+        </p:style>
         <p:txBody>
           <a:bodyPr lIns="90000" rIns="90000" tIns="45000" bIns="45000">
             <a:noAutofit/>
           </a:bodyPr>
           <a:p>
+            <a:pPr>
+              <a:lnSpc>
+                <a:spcPct val="100000"/>
+              </a:lnSpc>
+            </a:pPr>
             <a:r>
               <a:rPr b="1" lang="en-US" sz="1800" spc="-1" strike="noStrike">
                 <a:latin typeface="Arial"/>
               </a:rPr>
               <a:t>Fig 2</a:t>
             </a:r>
-            <a:endParaRPr b="1" lang="en-US" sz="1800" spc="-1" strike="noStrike">
+            <a:endParaRPr b="0" lang="en-US" sz="1800" spc="-1" strike="noStrike">
               <a:latin typeface="Arial"/>
             </a:endParaRPr>
           </a:p>
@@ -9924,14 +9023,14 @@
       </p:grpSpPr>
       <p:sp>
         <p:nvSpPr>
-          <p:cNvPr id="103" name="TextShape 1"/>
-          <p:cNvSpPr txBox="1"/>
+          <p:cNvPr id="97" name="CustomShape 1"/>
+          <p:cNvSpPr/>
           <p:nvPr/>
         </p:nvSpPr>
         <p:spPr>
           <a:xfrm>
             <a:off x="457200" y="274680"/>
-            <a:ext cx="8229240" cy="439200"/>
+            <a:ext cx="8228880" cy="438840"/>
           </a:xfrm>
           <a:prstGeom prst="rect">
             <a:avLst/>
@@ -9941,6 +9040,12 @@
             <a:noFill/>
           </a:ln>
         </p:spPr>
+        <p:style>
+          <a:lnRef idx="0"/>
+          <a:fillRef idx="0"/>
+          <a:effectRef idx="0"/>
+          <a:fontRef idx="minor"/>
+        </p:style>
         <p:txBody>
           <a:bodyPr lIns="90000" rIns="90000" tIns="45000" bIns="45000" anchor="ctr">
             <a:normAutofit fontScale="45000"/>
@@ -9961,24 +9066,21 @@
               <a:t> </a:t>
             </a:r>
             <a:endParaRPr b="0" lang="en-US" sz="4100" spc="-1" strike="noStrike">
-              <a:solidFill>
-                <a:srgbClr val="ffffff"/>
-              </a:solidFill>
-              <a:latin typeface="Book Antiqua"/>
-            </a:endParaRPr>
-          </a:p>
-        </p:txBody>
-      </p:sp>
-      <p:sp>
-        <p:nvSpPr>
-          <p:cNvPr id="104" name="TextShape 2"/>
-          <p:cNvSpPr txBox="1"/>
+              <a:latin typeface="Arial"/>
+            </a:endParaRPr>
+          </a:p>
+        </p:txBody>
+      </p:sp>
+      <p:sp>
+        <p:nvSpPr>
+          <p:cNvPr id="98" name="CustomShape 2"/>
+          <p:cNvSpPr/>
           <p:nvPr/>
         </p:nvSpPr>
         <p:spPr>
           <a:xfrm>
             <a:off x="457200" y="214200"/>
-            <a:ext cx="8229240" cy="6094800"/>
+            <a:ext cx="8228880" cy="6094440"/>
           </a:xfrm>
           <a:prstGeom prst="rect">
             <a:avLst/>
@@ -9988,12 +9090,18 @@
             <a:noFill/>
           </a:ln>
         </p:spPr>
+        <p:style>
+          <a:lnRef idx="0"/>
+          <a:fillRef idx="0"/>
+          <a:effectRef idx="0"/>
+          <a:fontRef idx="minor"/>
+        </p:style>
         <p:txBody>
           <a:bodyPr lIns="90000" rIns="90000" tIns="45000" bIns="45000">
             <a:normAutofit/>
           </a:bodyPr>
           <a:p>
-            <a:pPr marL="548640" indent="-411120">
+            <a:pPr marL="548640" indent="-410760">
               <a:lnSpc>
                 <a:spcPct val="100000"/>
               </a:lnSpc>
@@ -10017,10 +9125,7 @@
               <a:t>We will take some data from users through some sensors.</a:t>
             </a:r>
             <a:endParaRPr b="0" lang="en-US" sz="1800" spc="-1" strike="noStrike">
-              <a:solidFill>
-                <a:srgbClr val="ffffff"/>
-              </a:solidFill>
-              <a:latin typeface="Book Antiqua"/>
+              <a:latin typeface="Arial"/>
             </a:endParaRPr>
           </a:p>
           <a:p>
@@ -10033,14 +9138,11 @@
               </a:spcBef>
             </a:pPr>
             <a:endParaRPr b="0" lang="en-US" sz="1800" spc="-1" strike="noStrike">
-              <a:solidFill>
-                <a:srgbClr val="ffffff"/>
-              </a:solidFill>
-              <a:latin typeface="Book Antiqua"/>
-            </a:endParaRPr>
-          </a:p>
-          <a:p>
-            <a:pPr marL="548640" indent="-411120">
+              <a:latin typeface="Arial"/>
+            </a:endParaRPr>
+          </a:p>
+          <a:p>
+            <a:pPr marL="548640" indent="-410760">
               <a:lnSpc>
                 <a:spcPct val="100000"/>
               </a:lnSpc>
@@ -10064,10 +9166,7 @@
               <a:t>After analysing those data, it will be sent to our Machine Learning Model.</a:t>
             </a:r>
             <a:endParaRPr b="0" lang="en-US" sz="1800" spc="-1" strike="noStrike">
-              <a:solidFill>
-                <a:srgbClr val="ffffff"/>
-              </a:solidFill>
-              <a:latin typeface="Book Antiqua"/>
+              <a:latin typeface="Arial"/>
             </a:endParaRPr>
           </a:p>
           <a:p>
@@ -10080,14 +9179,11 @@
               </a:spcBef>
             </a:pPr>
             <a:endParaRPr b="0" lang="en-US" sz="1800" spc="-1" strike="noStrike">
-              <a:solidFill>
-                <a:srgbClr val="ffffff"/>
-              </a:solidFill>
-              <a:latin typeface="Book Antiqua"/>
-            </a:endParaRPr>
-          </a:p>
-          <a:p>
-            <a:pPr marL="548640" indent="-411120">
+              <a:latin typeface="Arial"/>
+            </a:endParaRPr>
+          </a:p>
+          <a:p>
+            <a:pPr marL="548640" indent="-410760">
               <a:lnSpc>
                 <a:spcPct val="100000"/>
               </a:lnSpc>
@@ -10111,10 +9207,7 @@
               <a:t>The model then produce a result after testing and analysing from the dataset which were used to train the model.</a:t>
             </a:r>
             <a:endParaRPr b="0" lang="en-US" sz="1800" spc="-1" strike="noStrike">
-              <a:solidFill>
-                <a:srgbClr val="ffffff"/>
-              </a:solidFill>
-              <a:latin typeface="Book Antiqua"/>
+              <a:latin typeface="Arial"/>
             </a:endParaRPr>
           </a:p>
           <a:p>
@@ -10127,14 +9220,11 @@
               </a:spcBef>
             </a:pPr>
             <a:endParaRPr b="0" lang="en-US" sz="1800" spc="-1" strike="noStrike">
-              <a:solidFill>
-                <a:srgbClr val="ffffff"/>
-              </a:solidFill>
-              <a:latin typeface="Book Antiqua"/>
-            </a:endParaRPr>
-          </a:p>
-          <a:p>
-            <a:pPr marL="548640" indent="-411120">
+              <a:latin typeface="Arial"/>
+            </a:endParaRPr>
+          </a:p>
+          <a:p>
+            <a:pPr marL="548640" indent="-410760">
               <a:lnSpc>
                 <a:spcPct val="100000"/>
               </a:lnSpc>
@@ -10158,10 +9248,7 @@
               <a:t>Then the data will be saved on a cloud server.</a:t>
             </a:r>
             <a:endParaRPr b="0" lang="en-US" sz="1800" spc="-1" strike="noStrike">
-              <a:solidFill>
-                <a:srgbClr val="ffffff"/>
-              </a:solidFill>
-              <a:latin typeface="Book Antiqua"/>
+              <a:latin typeface="Arial"/>
             </a:endParaRPr>
           </a:p>
           <a:p>
@@ -10174,14 +9261,11 @@
               </a:spcBef>
             </a:pPr>
             <a:endParaRPr b="0" lang="en-US" sz="1800" spc="-1" strike="noStrike">
-              <a:solidFill>
-                <a:srgbClr val="ffffff"/>
-              </a:solidFill>
-              <a:latin typeface="Book Antiqua"/>
-            </a:endParaRPr>
-          </a:p>
-          <a:p>
-            <a:pPr marL="548640" indent="-411120">
+              <a:latin typeface="Arial"/>
+            </a:endParaRPr>
+          </a:p>
+          <a:p>
+            <a:pPr marL="548640" indent="-410760">
               <a:lnSpc>
                 <a:spcPct val="100000"/>
               </a:lnSpc>
@@ -10205,10 +9289,7 @@
               <a:t>Saving data on Cloud helps it to be safe and easy to access over a long period.</a:t>
             </a:r>
             <a:endParaRPr b="0" lang="en-US" sz="1800" spc="-1" strike="noStrike">
-              <a:solidFill>
-                <a:srgbClr val="ffffff"/>
-              </a:solidFill>
-              <a:latin typeface="Book Antiqua"/>
+              <a:latin typeface="Arial"/>
             </a:endParaRPr>
           </a:p>
           <a:p>
@@ -10221,24 +9302,21 @@
               </a:spcBef>
             </a:pPr>
             <a:endParaRPr b="0" lang="en-US" sz="1800" spc="-1" strike="noStrike">
-              <a:solidFill>
-                <a:srgbClr val="ffffff"/>
-              </a:solidFill>
-              <a:latin typeface="Book Antiqua"/>
-            </a:endParaRPr>
-          </a:p>
-        </p:txBody>
-      </p:sp>
-      <p:sp>
-        <p:nvSpPr>
-          <p:cNvPr id="105" name="CustomShape 3"/>
+              <a:latin typeface="Arial"/>
+            </a:endParaRPr>
+          </a:p>
+        </p:txBody>
+      </p:sp>
+      <p:sp>
+        <p:nvSpPr>
+          <p:cNvPr id="99" name="CustomShape 3"/>
           <p:cNvSpPr/>
           <p:nvPr/>
         </p:nvSpPr>
         <p:spPr>
           <a:xfrm>
             <a:off x="2928960" y="3643200"/>
-            <a:ext cx="3071520" cy="2499840"/>
+            <a:ext cx="3071160" cy="2499480"/>
           </a:xfrm>
           <a:prstGeom prst="roundRect">
             <a:avLst>
@@ -10265,14 +9343,14 @@
       </p:sp>
       <p:sp>
         <p:nvSpPr>
-          <p:cNvPr id="106" name="TextShape 4"/>
-          <p:cNvSpPr txBox="1"/>
+          <p:cNvPr id="100" name="CustomShape 4"/>
+          <p:cNvSpPr/>
           <p:nvPr/>
         </p:nvSpPr>
         <p:spPr>
           <a:xfrm>
             <a:off x="4114800" y="6172200"/>
-            <a:ext cx="914400" cy="346320"/>
+            <a:ext cx="914040" cy="345960"/>
           </a:xfrm>
           <a:prstGeom prst="rect">
             <a:avLst/>
@@ -10282,18 +9360,29 @@
             <a:noFill/>
           </a:ln>
         </p:spPr>
+        <p:style>
+          <a:lnRef idx="0"/>
+          <a:fillRef idx="0"/>
+          <a:effectRef idx="0"/>
+          <a:fontRef idx="minor"/>
+        </p:style>
         <p:txBody>
           <a:bodyPr lIns="90000" rIns="90000" tIns="45000" bIns="45000">
             <a:noAutofit/>
           </a:bodyPr>
           <a:p>
+            <a:pPr>
+              <a:lnSpc>
+                <a:spcPct val="100000"/>
+              </a:lnSpc>
+            </a:pPr>
             <a:r>
               <a:rPr b="1" lang="en-US" sz="1800" spc="-1" strike="noStrike">
                 <a:latin typeface="Arial"/>
               </a:rPr>
               <a:t>Fig 3</a:t>
             </a:r>
-            <a:endParaRPr b="1" lang="en-US" sz="1800" spc="-1" strike="noStrike">
+            <a:endParaRPr b="0" lang="en-US" sz="1800" spc="-1" strike="noStrike">
               <a:latin typeface="Arial"/>
             </a:endParaRPr>
           </a:p>
@@ -10331,14 +9420,14 @@
       </p:grpSpPr>
       <p:sp>
         <p:nvSpPr>
-          <p:cNvPr id="107" name="TextShape 1"/>
-          <p:cNvSpPr txBox="1"/>
+          <p:cNvPr id="101" name="CustomShape 1"/>
+          <p:cNvSpPr/>
           <p:nvPr/>
         </p:nvSpPr>
         <p:spPr>
           <a:xfrm>
             <a:off x="457200" y="274680"/>
-            <a:ext cx="8229240" cy="1142640"/>
+            <a:ext cx="8228880" cy="1142280"/>
           </a:xfrm>
           <a:prstGeom prst="rect">
             <a:avLst/>
@@ -10348,6 +9437,12 @@
             <a:noFill/>
           </a:ln>
         </p:spPr>
+        <p:style>
+          <a:lnRef idx="0"/>
+          <a:fillRef idx="0"/>
+          <a:effectRef idx="0"/>
+          <a:fontRef idx="minor"/>
+        </p:style>
         <p:txBody>
           <a:bodyPr lIns="90000" rIns="90000" tIns="45000" bIns="45000" anchor="ctr">
             <a:normAutofit fontScale="85000"/>
@@ -10389,24 +9484,21 @@
               <a:t> Semester work with Block Diagram</a:t>
             </a:r>
             <a:endParaRPr b="0" lang="en-US" sz="4100" spc="-1" strike="noStrike">
-              <a:solidFill>
-                <a:srgbClr val="ffffff"/>
-              </a:solidFill>
-              <a:latin typeface="Book Antiqua"/>
-            </a:endParaRPr>
-          </a:p>
-        </p:txBody>
-      </p:sp>
-      <p:sp>
-        <p:nvSpPr>
-          <p:cNvPr id="108" name="TextShape 2"/>
-          <p:cNvSpPr txBox="1"/>
+              <a:latin typeface="Arial"/>
+            </a:endParaRPr>
+          </a:p>
+        </p:txBody>
+      </p:sp>
+      <p:sp>
+        <p:nvSpPr>
+          <p:cNvPr id="102" name="CustomShape 2"/>
+          <p:cNvSpPr/>
           <p:nvPr/>
         </p:nvSpPr>
         <p:spPr>
           <a:xfrm>
             <a:off x="457200" y="1600200"/>
-            <a:ext cx="8229240" cy="4708800"/>
+            <a:ext cx="8228880" cy="4708440"/>
           </a:xfrm>
           <a:prstGeom prst="rect">
             <a:avLst/>
@@ -10416,12 +9508,18 @@
             <a:noFill/>
           </a:ln>
         </p:spPr>
+        <p:style>
+          <a:lnRef idx="0"/>
+          <a:fillRef idx="0"/>
+          <a:effectRef idx="0"/>
+          <a:fontRef idx="minor"/>
+        </p:style>
         <p:txBody>
           <a:bodyPr lIns="90000" rIns="90000" tIns="45000" bIns="45000">
             <a:noAutofit/>
           </a:bodyPr>
           <a:p>
-            <a:pPr marL="548640" indent="-411120">
+            <a:pPr marL="548640" indent="-410760">
               <a:lnSpc>
                 <a:spcPct val="100000"/>
               </a:lnSpc>
@@ -10445,24 +9543,21 @@
               <a:t> </a:t>
             </a:r>
             <a:endParaRPr b="0" lang="en-US" sz="2800" spc="-1" strike="noStrike">
-              <a:solidFill>
-                <a:srgbClr val="ffffff"/>
-              </a:solidFill>
-              <a:latin typeface="Book Antiqua"/>
-            </a:endParaRPr>
-          </a:p>
-        </p:txBody>
-      </p:sp>
-      <p:sp>
-        <p:nvSpPr>
-          <p:cNvPr id="109" name="CustomShape 3"/>
+              <a:latin typeface="Arial"/>
+            </a:endParaRPr>
+          </a:p>
+        </p:txBody>
+      </p:sp>
+      <p:sp>
+        <p:nvSpPr>
+          <p:cNvPr id="103" name="CustomShape 3"/>
           <p:cNvSpPr/>
           <p:nvPr/>
         </p:nvSpPr>
         <p:spPr>
           <a:xfrm>
             <a:off x="642960" y="1714320"/>
-            <a:ext cx="1856880" cy="856800"/>
+            <a:ext cx="1856520" cy="856440"/>
           </a:xfrm>
           <a:prstGeom prst="rect">
             <a:avLst/>
@@ -10507,6 +9602,7 @@
                   <a:srgbClr val="ffffff"/>
                 </a:solidFill>
                 <a:latin typeface="Book Antiqua"/>
+                <a:ea typeface="DejaVu Sans"/>
               </a:rPr>
               <a:t>Medical</a:t>
             </a:r>
@@ -10526,6 +9622,7 @@
                   <a:srgbClr val="ffffff"/>
                 </a:solidFill>
                 <a:latin typeface="Book Antiqua"/>
+                <a:ea typeface="DejaVu Sans"/>
               </a:rPr>
               <a:t>Dataset</a:t>
             </a:r>
@@ -10537,14 +9634,14 @@
       </p:sp>
       <p:sp>
         <p:nvSpPr>
-          <p:cNvPr id="110" name="CustomShape 4"/>
+          <p:cNvPr id="104" name="CustomShape 4"/>
           <p:cNvSpPr/>
           <p:nvPr/>
         </p:nvSpPr>
         <p:spPr>
           <a:xfrm>
             <a:off x="3357720" y="1714320"/>
-            <a:ext cx="2071440" cy="856800"/>
+            <a:ext cx="2071080" cy="856440"/>
           </a:xfrm>
           <a:prstGeom prst="rect">
             <a:avLst/>
@@ -10589,6 +9686,7 @@
                   <a:srgbClr val="ffffff"/>
                 </a:solidFill>
                 <a:latin typeface="Book Antiqua"/>
+                <a:ea typeface="DejaVu Sans"/>
               </a:rPr>
               <a:t>Data Preprocessing</a:t>
             </a:r>
@@ -10600,14 +9698,14 @@
       </p:sp>
       <p:sp>
         <p:nvSpPr>
-          <p:cNvPr id="111" name="CustomShape 5"/>
+          <p:cNvPr id="105" name="CustomShape 5"/>
           <p:cNvSpPr/>
           <p:nvPr/>
         </p:nvSpPr>
         <p:spPr>
           <a:xfrm>
             <a:off x="6429240" y="1714320"/>
-            <a:ext cx="1999800" cy="928440"/>
+            <a:ext cx="1999440" cy="928080"/>
           </a:xfrm>
           <a:prstGeom prst="rect">
             <a:avLst/>
@@ -10652,6 +9750,7 @@
                   <a:srgbClr val="ffffff"/>
                 </a:solidFill>
                 <a:latin typeface="Book Antiqua"/>
+                <a:ea typeface="DejaVu Sans"/>
               </a:rPr>
               <a:t>SVM Algorithm</a:t>
             </a:r>
@@ -10663,14 +9762,14 @@
       </p:sp>
       <p:sp>
         <p:nvSpPr>
-          <p:cNvPr id="112" name="CustomShape 6"/>
+          <p:cNvPr id="106" name="CustomShape 6"/>
           <p:cNvSpPr/>
           <p:nvPr/>
         </p:nvSpPr>
         <p:spPr>
           <a:xfrm>
             <a:off x="6429240" y="3571920"/>
-            <a:ext cx="2071440" cy="2785680"/>
+            <a:ext cx="2071080" cy="2785320"/>
           </a:xfrm>
           <a:prstGeom prst="rect">
             <a:avLst/>
@@ -10715,6 +9814,7 @@
                   <a:srgbClr val="ffffff"/>
                 </a:solidFill>
                 <a:latin typeface="Book Antiqua"/>
+                <a:ea typeface="DejaVu Sans"/>
               </a:rPr>
               <a:t>Random</a:t>
             </a:r>
@@ -10734,6 +9834,7 @@
                   <a:srgbClr val="ffffff"/>
                 </a:solidFill>
                 <a:latin typeface="Book Antiqua"/>
+                <a:ea typeface="DejaVu Sans"/>
               </a:rPr>
               <a:t> </a:t>
             </a:r>
@@ -10743,6 +9844,7 @@
                   <a:srgbClr val="ffffff"/>
                 </a:solidFill>
                 <a:latin typeface="Book Antiqua"/>
+                <a:ea typeface="DejaVu Sans"/>
               </a:rPr>
               <a:t>Shuffling</a:t>
             </a:r>
@@ -10754,14 +9856,14 @@
       </p:sp>
       <p:sp>
         <p:nvSpPr>
-          <p:cNvPr id="113" name="CustomShape 7"/>
+          <p:cNvPr id="107" name="CustomShape 7"/>
           <p:cNvSpPr/>
           <p:nvPr/>
         </p:nvSpPr>
         <p:spPr>
           <a:xfrm>
             <a:off x="2428920" y="3714840"/>
-            <a:ext cx="1642680" cy="928440"/>
+            <a:ext cx="1642320" cy="928080"/>
           </a:xfrm>
           <a:prstGeom prst="rect">
             <a:avLst/>
@@ -10806,6 +9908,7 @@
                   <a:srgbClr val="ffffff"/>
                 </a:solidFill>
                 <a:latin typeface="Book Antiqua"/>
+                <a:ea typeface="DejaVu Sans"/>
               </a:rPr>
               <a:t>Training Set</a:t>
             </a:r>
@@ -10817,14 +9920,14 @@
       </p:sp>
       <p:sp>
         <p:nvSpPr>
-          <p:cNvPr id="114" name="CustomShape 8"/>
+          <p:cNvPr id="108" name="CustomShape 8"/>
           <p:cNvSpPr/>
           <p:nvPr/>
         </p:nvSpPr>
         <p:spPr>
           <a:xfrm>
             <a:off x="3500280" y="5357880"/>
-            <a:ext cx="1642680" cy="999720"/>
+            <a:ext cx="1642320" cy="999360"/>
           </a:xfrm>
           <a:prstGeom prst="rect">
             <a:avLst/>
@@ -10869,6 +9972,7 @@
                   <a:srgbClr val="ffffff"/>
                 </a:solidFill>
                 <a:latin typeface="Book Antiqua"/>
+                <a:ea typeface="DejaVu Sans"/>
               </a:rPr>
               <a:t>Testing Set</a:t>
             </a:r>
@@ -10880,14 +9984,14 @@
       </p:sp>
       <p:sp>
         <p:nvSpPr>
-          <p:cNvPr id="115" name="CustomShape 9"/>
+          <p:cNvPr id="109" name="CustomShape 9"/>
           <p:cNvSpPr/>
           <p:nvPr/>
         </p:nvSpPr>
         <p:spPr>
           <a:xfrm>
             <a:off x="500040" y="5500800"/>
-            <a:ext cx="2214360" cy="713880"/>
+            <a:ext cx="2214000" cy="713520"/>
           </a:xfrm>
           <a:prstGeom prst="rect">
             <a:avLst/>
@@ -10932,6 +10036,7 @@
                   <a:srgbClr val="ffffff"/>
                 </a:solidFill>
                 <a:latin typeface="Book Antiqua"/>
+                <a:ea typeface="DejaVu Sans"/>
               </a:rPr>
               <a:t>Heart Disease Prediction</a:t>
             </a:r>
@@ -10943,14 +10048,14 @@
       </p:sp>
       <p:sp>
         <p:nvSpPr>
-          <p:cNvPr id="116" name="CustomShape 10"/>
+          <p:cNvPr id="110" name="CustomShape 10"/>
           <p:cNvSpPr/>
           <p:nvPr/>
         </p:nvSpPr>
         <p:spPr>
           <a:xfrm>
             <a:off x="2571840" y="2143080"/>
-            <a:ext cx="713880" cy="142560"/>
+            <a:ext cx="713520" cy="142200"/>
           </a:xfrm>
           <a:prstGeom prst="rightArrow">
             <a:avLst>
@@ -10985,14 +10090,14 @@
       </p:sp>
       <p:sp>
         <p:nvSpPr>
-          <p:cNvPr id="117" name="CustomShape 11"/>
+          <p:cNvPr id="111" name="CustomShape 11"/>
           <p:cNvSpPr/>
           <p:nvPr/>
         </p:nvSpPr>
         <p:spPr>
           <a:xfrm>
             <a:off x="5500800" y="2071800"/>
-            <a:ext cx="856800" cy="213840"/>
+            <a:ext cx="856440" cy="213480"/>
           </a:xfrm>
           <a:prstGeom prst="rightArrow">
             <a:avLst>
@@ -11027,14 +10132,14 @@
       </p:sp>
       <p:sp>
         <p:nvSpPr>
-          <p:cNvPr id="118" name="CustomShape 12"/>
+          <p:cNvPr id="112" name="CustomShape 12"/>
           <p:cNvSpPr/>
           <p:nvPr/>
         </p:nvSpPr>
         <p:spPr>
           <a:xfrm flipH="1">
-            <a:off x="7358040" y="2714760"/>
-            <a:ext cx="142560" cy="785520"/>
+            <a:off x="7357320" y="2714760"/>
+            <a:ext cx="142200" cy="785160"/>
           </a:xfrm>
           <a:prstGeom prst="downArrow">
             <a:avLst>
@@ -11069,14 +10174,14 @@
       </p:sp>
       <p:sp>
         <p:nvSpPr>
-          <p:cNvPr id="119" name="CustomShape 13"/>
+          <p:cNvPr id="113" name="CustomShape 13"/>
           <p:cNvSpPr/>
           <p:nvPr/>
         </p:nvSpPr>
         <p:spPr>
           <a:xfrm>
             <a:off x="4071960" y="4000680"/>
-            <a:ext cx="2285640" cy="213840"/>
+            <a:ext cx="2285280" cy="213480"/>
           </a:xfrm>
           <a:prstGeom prst="leftArrow">
             <a:avLst>
@@ -11111,14 +10216,14 @@
       </p:sp>
       <p:sp>
         <p:nvSpPr>
-          <p:cNvPr id="120" name="CustomShape 14"/>
+          <p:cNvPr id="114" name="CustomShape 14"/>
           <p:cNvSpPr/>
           <p:nvPr/>
         </p:nvSpPr>
         <p:spPr>
           <a:xfrm>
             <a:off x="5214960" y="5715000"/>
-            <a:ext cx="1142640" cy="142560"/>
+            <a:ext cx="1142280" cy="142200"/>
           </a:xfrm>
           <a:prstGeom prst="leftArrow">
             <a:avLst>
@@ -11153,14 +10258,14 @@
       </p:sp>
       <p:sp>
         <p:nvSpPr>
-          <p:cNvPr id="121" name="CustomShape 15"/>
+          <p:cNvPr id="115" name="CustomShape 15"/>
           <p:cNvSpPr/>
           <p:nvPr/>
         </p:nvSpPr>
         <p:spPr>
           <a:xfrm>
             <a:off x="2714760" y="5643720"/>
-            <a:ext cx="785520" cy="213840"/>
+            <a:ext cx="785160" cy="213480"/>
           </a:xfrm>
           <a:prstGeom prst="leftArrow">
             <a:avLst>
@@ -11195,14 +10300,14 @@
       </p:sp>
       <p:sp>
         <p:nvSpPr>
-          <p:cNvPr id="122" name="TextShape 16"/>
-          <p:cNvSpPr txBox="1"/>
+          <p:cNvPr id="116" name="CustomShape 16"/>
+          <p:cNvSpPr/>
           <p:nvPr/>
         </p:nvSpPr>
         <p:spPr>
           <a:xfrm>
             <a:off x="4114800" y="6372000"/>
-            <a:ext cx="914400" cy="346320"/>
+            <a:ext cx="914040" cy="345960"/>
           </a:xfrm>
           <a:prstGeom prst="rect">
             <a:avLst/>
@@ -11212,18 +10317,29 @@
             <a:noFill/>
           </a:ln>
         </p:spPr>
+        <p:style>
+          <a:lnRef idx="0"/>
+          <a:fillRef idx="0"/>
+          <a:effectRef idx="0"/>
+          <a:fontRef idx="minor"/>
+        </p:style>
         <p:txBody>
           <a:bodyPr lIns="90000" rIns="90000" tIns="45000" bIns="45000">
             <a:noAutofit/>
           </a:bodyPr>
           <a:p>
+            <a:pPr>
+              <a:lnSpc>
+                <a:spcPct val="100000"/>
+              </a:lnSpc>
+            </a:pPr>
             <a:r>
               <a:rPr b="1" lang="en-US" sz="1800" spc="-1" strike="noStrike">
                 <a:latin typeface="Arial"/>
               </a:rPr>
               <a:t>Fig 4</a:t>
             </a:r>
-            <a:endParaRPr b="1" lang="en-US" sz="1800" spc="-1" strike="noStrike">
+            <a:endParaRPr b="0" lang="en-US" sz="1800" spc="-1" strike="noStrike">
               <a:latin typeface="Arial"/>
             </a:endParaRPr>
           </a:p>
@@ -11261,14 +10377,14 @@
       </p:grpSpPr>
       <p:sp>
         <p:nvSpPr>
-          <p:cNvPr id="123" name="TextShape 1"/>
-          <p:cNvSpPr txBox="1"/>
+          <p:cNvPr id="117" name="CustomShape 1"/>
+          <p:cNvSpPr/>
           <p:nvPr/>
         </p:nvSpPr>
         <p:spPr>
           <a:xfrm>
             <a:off x="457200" y="274680"/>
-            <a:ext cx="8229240" cy="367920"/>
+            <a:ext cx="8228880" cy="367560"/>
           </a:xfrm>
           <a:prstGeom prst="rect">
             <a:avLst/>
@@ -11278,6 +10394,12 @@
             <a:noFill/>
           </a:ln>
         </p:spPr>
+        <p:style>
+          <a:lnRef idx="0"/>
+          <a:fillRef idx="0"/>
+          <a:effectRef idx="0"/>
+          <a:fontRef idx="minor"/>
+        </p:style>
         <p:txBody>
           <a:bodyPr lIns="90000" rIns="90000" tIns="45000" bIns="45000" anchor="ctr">
             <a:normAutofit fontScale="32000"/>
@@ -11298,24 +10420,21 @@
               <a:t> </a:t>
             </a:r>
             <a:endParaRPr b="0" lang="en-US" sz="4100" spc="-1" strike="noStrike">
-              <a:solidFill>
-                <a:srgbClr val="ffffff"/>
-              </a:solidFill>
-              <a:latin typeface="Book Antiqua"/>
-            </a:endParaRPr>
-          </a:p>
-        </p:txBody>
-      </p:sp>
-      <p:sp>
-        <p:nvSpPr>
-          <p:cNvPr id="124" name="TextShape 2"/>
-          <p:cNvSpPr txBox="1"/>
+              <a:latin typeface="Arial"/>
+            </a:endParaRPr>
+          </a:p>
+        </p:txBody>
+      </p:sp>
+      <p:sp>
+        <p:nvSpPr>
+          <p:cNvPr id="118" name="CustomShape 2"/>
+          <p:cNvSpPr/>
           <p:nvPr/>
         </p:nvSpPr>
         <p:spPr>
           <a:xfrm>
             <a:off x="457200" y="285840"/>
-            <a:ext cx="8229240" cy="6023160"/>
+            <a:ext cx="8228880" cy="6022800"/>
           </a:xfrm>
           <a:prstGeom prst="rect">
             <a:avLst/>
@@ -11325,12 +10444,18 @@
             <a:noFill/>
           </a:ln>
         </p:spPr>
+        <p:style>
+          <a:lnRef idx="0"/>
+          <a:fillRef idx="0"/>
+          <a:effectRef idx="0"/>
+          <a:fontRef idx="minor"/>
+        </p:style>
         <p:txBody>
           <a:bodyPr lIns="90000" rIns="90000" tIns="45000" bIns="45000">
             <a:normAutofit/>
           </a:bodyPr>
           <a:p>
-            <a:pPr marL="548640" indent="-411120">
+            <a:pPr marL="548640" indent="-410760">
               <a:lnSpc>
                 <a:spcPct val="100000"/>
               </a:lnSpc>
@@ -11354,10 +10479,7 @@
               <a:t>In this semester, we have prepared a machine learning model, which is the core of our project.</a:t>
             </a:r>
             <a:endParaRPr b="0" lang="en-US" sz="1800" spc="-1" strike="noStrike">
-              <a:solidFill>
-                <a:srgbClr val="ffffff"/>
-              </a:solidFill>
-              <a:latin typeface="Book Antiqua"/>
+              <a:latin typeface="Arial"/>
             </a:endParaRPr>
           </a:p>
           <a:p>
@@ -11370,14 +10492,11 @@
               </a:spcBef>
             </a:pPr>
             <a:endParaRPr b="0" lang="en-US" sz="1800" spc="-1" strike="noStrike">
-              <a:solidFill>
-                <a:srgbClr val="ffffff"/>
-              </a:solidFill>
-              <a:latin typeface="Book Antiqua"/>
-            </a:endParaRPr>
-          </a:p>
-          <a:p>
-            <a:pPr marL="548640" indent="-411120">
+              <a:latin typeface="Arial"/>
+            </a:endParaRPr>
+          </a:p>
+          <a:p>
+            <a:pPr marL="548640" indent="-410760">
               <a:lnSpc>
                 <a:spcPct val="100000"/>
               </a:lnSpc>
@@ -11401,10 +10520,7 @@
               <a:t>We have used independent available medical dataset and processed it.</a:t>
             </a:r>
             <a:endParaRPr b="0" lang="en-US" sz="1800" spc="-1" strike="noStrike">
-              <a:solidFill>
-                <a:srgbClr val="ffffff"/>
-              </a:solidFill>
-              <a:latin typeface="Book Antiqua"/>
+              <a:latin typeface="Arial"/>
             </a:endParaRPr>
           </a:p>
           <a:p>
@@ -11417,14 +10533,11 @@
               </a:spcBef>
             </a:pPr>
             <a:endParaRPr b="0" lang="en-US" sz="1800" spc="-1" strike="noStrike">
-              <a:solidFill>
-                <a:srgbClr val="ffffff"/>
-              </a:solidFill>
-              <a:latin typeface="Book Antiqua"/>
-            </a:endParaRPr>
-          </a:p>
-          <a:p>
-            <a:pPr marL="548640" indent="-411120">
+              <a:latin typeface="Arial"/>
+            </a:endParaRPr>
+          </a:p>
+          <a:p>
+            <a:pPr marL="548640" indent="-410760">
               <a:lnSpc>
                 <a:spcPct val="100000"/>
               </a:lnSpc>
@@ -11448,10 +10561,7 @@
               <a:t>After processing, we found that this dataset best suits with SVM Algorithm, which gives better accuracy rate than other algorithms like Random Forest and KN.</a:t>
             </a:r>
             <a:endParaRPr b="0" lang="en-US" sz="1800" spc="-1" strike="noStrike">
-              <a:solidFill>
-                <a:srgbClr val="ffffff"/>
-              </a:solidFill>
-              <a:latin typeface="Book Antiqua"/>
+              <a:latin typeface="Arial"/>
             </a:endParaRPr>
           </a:p>
           <a:p>
@@ -11464,14 +10574,11 @@
               </a:spcBef>
             </a:pPr>
             <a:endParaRPr b="0" lang="en-US" sz="1800" spc="-1" strike="noStrike">
-              <a:solidFill>
-                <a:srgbClr val="ffffff"/>
-              </a:solidFill>
-              <a:latin typeface="Book Antiqua"/>
-            </a:endParaRPr>
-          </a:p>
-          <a:p>
-            <a:pPr marL="548640" indent="-411120">
+              <a:latin typeface="Arial"/>
+            </a:endParaRPr>
+          </a:p>
+          <a:p>
+            <a:pPr marL="548640" indent="-410760">
               <a:lnSpc>
                 <a:spcPct val="100000"/>
               </a:lnSpc>
@@ -11495,10 +10602,7 @@
               <a:t>We shuffled our dataset and evaluated various conditions and then we used those dataset for the training of our model.</a:t>
             </a:r>
             <a:endParaRPr b="0" lang="en-US" sz="1800" spc="-1" strike="noStrike">
-              <a:solidFill>
-                <a:srgbClr val="ffffff"/>
-              </a:solidFill>
-              <a:latin typeface="Book Antiqua"/>
+              <a:latin typeface="Arial"/>
             </a:endParaRPr>
           </a:p>
           <a:p>
@@ -11511,14 +10615,11 @@
               </a:spcBef>
             </a:pPr>
             <a:endParaRPr b="0" lang="en-US" sz="1800" spc="-1" strike="noStrike">
-              <a:solidFill>
-                <a:srgbClr val="ffffff"/>
-              </a:solidFill>
-              <a:latin typeface="Book Antiqua"/>
-            </a:endParaRPr>
-          </a:p>
-          <a:p>
-            <a:pPr marL="548640" indent="-411120">
+              <a:latin typeface="Arial"/>
+            </a:endParaRPr>
+          </a:p>
+          <a:p>
+            <a:pPr marL="548640" indent="-410760">
               <a:lnSpc>
                 <a:spcPct val="100000"/>
               </a:lnSpc>
@@ -11542,10 +10643,7 @@
               <a:t>Then after, we picked some random cases and evaluated some results, which were in either 0 or 1 according to the input given.</a:t>
             </a:r>
             <a:endParaRPr b="0" lang="en-US" sz="1800" spc="-1" strike="noStrike">
-              <a:solidFill>
-                <a:srgbClr val="ffffff"/>
-              </a:solidFill>
-              <a:latin typeface="Book Antiqua"/>
+              <a:latin typeface="Arial"/>
             </a:endParaRPr>
           </a:p>
           <a:p>
@@ -11558,10 +10656,7 @@
               </a:spcBef>
             </a:pPr>
             <a:endParaRPr b="0" lang="en-US" sz="1800" spc="-1" strike="noStrike">
-              <a:solidFill>
-                <a:srgbClr val="ffffff"/>
-              </a:solidFill>
-              <a:latin typeface="Book Antiqua"/>
+              <a:latin typeface="Arial"/>
             </a:endParaRPr>
           </a:p>
           <a:p>
@@ -11574,10 +10669,7 @@
               </a:spcBef>
             </a:pPr>
             <a:endParaRPr b="0" lang="en-US" sz="1800" spc="-1" strike="noStrike">
-              <a:solidFill>
-                <a:srgbClr val="ffffff"/>
-              </a:solidFill>
-              <a:latin typeface="Book Antiqua"/>
+              <a:latin typeface="Arial"/>
             </a:endParaRPr>
           </a:p>
           <a:p>
@@ -11590,10 +10682,7 @@
               </a:spcBef>
             </a:pPr>
             <a:endParaRPr b="0" lang="en-US" sz="1800" spc="-1" strike="noStrike">
-              <a:solidFill>
-                <a:srgbClr val="ffffff"/>
-              </a:solidFill>
-              <a:latin typeface="Book Antiqua"/>
+              <a:latin typeface="Arial"/>
             </a:endParaRPr>
           </a:p>
         </p:txBody>
@@ -11630,14 +10719,14 @@
       </p:grpSpPr>
       <p:sp>
         <p:nvSpPr>
-          <p:cNvPr id="125" name="TextShape 1"/>
-          <p:cNvSpPr txBox="1"/>
+          <p:cNvPr id="119" name="CustomShape 1"/>
+          <p:cNvSpPr/>
           <p:nvPr/>
         </p:nvSpPr>
         <p:spPr>
           <a:xfrm>
             <a:off x="457200" y="274680"/>
-            <a:ext cx="8229240" cy="939600"/>
+            <a:ext cx="8228880" cy="939240"/>
           </a:xfrm>
           <a:prstGeom prst="rect">
             <a:avLst/>
@@ -11647,6 +10736,12 @@
             <a:noFill/>
           </a:ln>
         </p:spPr>
+        <p:style>
+          <a:lnRef idx="0"/>
+          <a:fillRef idx="0"/>
+          <a:effectRef idx="0"/>
+          <a:fontRef idx="minor"/>
+        </p:style>
         <p:txBody>
           <a:bodyPr lIns="90000" rIns="90000" tIns="45000" bIns="45000" anchor="ctr">
             <a:noAutofit/>
@@ -11668,24 +10763,21 @@
               <a:t>Flowchart</a:t>
             </a:r>
             <a:endParaRPr b="0" lang="en-US" sz="4100" spc="-1" strike="noStrike">
-              <a:solidFill>
-                <a:srgbClr val="ffffff"/>
-              </a:solidFill>
-              <a:latin typeface="Book Antiqua"/>
-            </a:endParaRPr>
-          </a:p>
-        </p:txBody>
-      </p:sp>
-      <p:sp>
-        <p:nvSpPr>
-          <p:cNvPr id="126" name="TextShape 2"/>
-          <p:cNvSpPr txBox="1"/>
+              <a:latin typeface="Arial"/>
+            </a:endParaRPr>
+          </a:p>
+        </p:txBody>
+      </p:sp>
+      <p:sp>
+        <p:nvSpPr>
+          <p:cNvPr id="120" name="CustomShape 2"/>
+          <p:cNvSpPr/>
           <p:nvPr/>
         </p:nvSpPr>
         <p:spPr>
           <a:xfrm>
             <a:off x="457200" y="928800"/>
-            <a:ext cx="8229240" cy="5380200"/>
+            <a:ext cx="8228880" cy="5379840"/>
           </a:xfrm>
           <a:prstGeom prst="rect">
             <a:avLst/>
@@ -11695,12 +10787,18 @@
             <a:noFill/>
           </a:ln>
         </p:spPr>
+        <p:style>
+          <a:lnRef idx="0"/>
+          <a:fillRef idx="0"/>
+          <a:effectRef idx="0"/>
+          <a:fontRef idx="minor"/>
+        </p:style>
         <p:txBody>
           <a:bodyPr lIns="90000" rIns="90000" tIns="45000" bIns="45000">
             <a:noAutofit/>
           </a:bodyPr>
           <a:p>
-            <a:pPr marL="548640" indent="-411120">
+            <a:pPr marL="548640" indent="-410760">
               <a:lnSpc>
                 <a:spcPct val="100000"/>
               </a:lnSpc>
@@ -11724,17 +10822,14 @@
               <a:t> </a:t>
             </a:r>
             <a:endParaRPr b="0" lang="en-US" sz="2800" spc="-1" strike="noStrike">
-              <a:solidFill>
-                <a:srgbClr val="ffffff"/>
-              </a:solidFill>
-              <a:latin typeface="Book Antiqua"/>
+              <a:latin typeface="Arial"/>
             </a:endParaRPr>
           </a:p>
         </p:txBody>
       </p:sp>
       <p:pic>
         <p:nvPicPr>
-          <p:cNvPr id="127" name="Picture 23" descr="453726_1_En_63_Fig1_HTML.gif"/>
+          <p:cNvPr id="121" name="Picture 23" descr="453726_1_En_63_Fig1_HTML.gif"/>
           <p:cNvPicPr/>
           <p:nvPr/>
         </p:nvPicPr>
@@ -11745,7 +10840,7 @@
         <p:spPr>
           <a:xfrm>
             <a:off x="1714320" y="1500120"/>
-            <a:ext cx="5357520" cy="4785840"/>
+            <a:ext cx="5357160" cy="4785480"/>
           </a:xfrm>
           <a:prstGeom prst="rect">
             <a:avLst/>
@@ -11757,14 +10852,14 @@
       </p:pic>
       <p:sp>
         <p:nvSpPr>
-          <p:cNvPr id="128" name="TextShape 3"/>
-          <p:cNvSpPr txBox="1"/>
+          <p:cNvPr id="122" name="CustomShape 3"/>
+          <p:cNvSpPr/>
           <p:nvPr/>
         </p:nvSpPr>
         <p:spPr>
           <a:xfrm>
             <a:off x="4114800" y="6309000"/>
-            <a:ext cx="914400" cy="346320"/>
+            <a:ext cx="914040" cy="345960"/>
           </a:xfrm>
           <a:prstGeom prst="rect">
             <a:avLst/>
@@ -11774,18 +10869,29 @@
             <a:noFill/>
           </a:ln>
         </p:spPr>
+        <p:style>
+          <a:lnRef idx="0"/>
+          <a:fillRef idx="0"/>
+          <a:effectRef idx="0"/>
+          <a:fontRef idx="minor"/>
+        </p:style>
         <p:txBody>
           <a:bodyPr lIns="90000" rIns="90000" tIns="45000" bIns="45000">
             <a:noAutofit/>
           </a:bodyPr>
           <a:p>
+            <a:pPr>
+              <a:lnSpc>
+                <a:spcPct val="100000"/>
+              </a:lnSpc>
+            </a:pPr>
             <a:r>
               <a:rPr b="1" lang="en-US" sz="1800" spc="-1" strike="noStrike">
                 <a:latin typeface="Arial"/>
               </a:rPr>
               <a:t>Fig 5</a:t>
             </a:r>
-            <a:endParaRPr b="1" lang="en-US" sz="1800" spc="-1" strike="noStrike">
+            <a:endParaRPr b="0" lang="en-US" sz="1800" spc="-1" strike="noStrike">
               <a:latin typeface="Arial"/>
             </a:endParaRPr>
           </a:p>
